--- a/Startups/Startup Session 0.pptx
+++ b/Startups/Startup Session 0.pptx
@@ -7,6 +7,8 @@
   <p:sldIdLst>
     <p:sldId id="256" r:id="rId2"/>
     <p:sldId id="257" r:id="rId3"/>
+    <p:sldId id="258" r:id="rId4"/>
+    <p:sldId id="259" r:id="rId5"/>
   </p:sldIdLst>
   <p:sldSz cx="12192000" cy="6858000"/>
   <p:notesSz cx="6858000" cy="9144000"/>
@@ -114,6 +116,1500 @@
 </file>
 
 <file path=ppt/diagrams/colors1.xml><?xml version="1.0" encoding="utf-8"?>
+<dgm:colorsDef xmlns:dgm="http://schemas.openxmlformats.org/drawingml/2006/diagram" xmlns:a="http://schemas.openxmlformats.org/drawingml/2006/main" uniqueId="urn:microsoft.com/office/officeart/2005/8/colors/accent1_2">
+  <dgm:title val=""/>
+  <dgm:desc val=""/>
+  <dgm:catLst>
+    <dgm:cat type="accent1" pri="11200"/>
+  </dgm:catLst>
+  <dgm:styleLbl name="node0">
+    <dgm:fillClrLst meth="repeat">
+      <a:schemeClr val="accent1"/>
+    </dgm:fillClrLst>
+    <dgm:linClrLst meth="repeat">
+      <a:schemeClr val="lt1"/>
+    </dgm:linClrLst>
+    <dgm:effectClrLst/>
+    <dgm:txLinClrLst/>
+    <dgm:txFillClrLst/>
+    <dgm:txEffectClrLst/>
+  </dgm:styleLbl>
+  <dgm:styleLbl name="alignNode1">
+    <dgm:fillClrLst meth="repeat">
+      <a:schemeClr val="accent1"/>
+    </dgm:fillClrLst>
+    <dgm:linClrLst meth="repeat">
+      <a:schemeClr val="accent1"/>
+    </dgm:linClrLst>
+    <dgm:effectClrLst/>
+    <dgm:txLinClrLst/>
+    <dgm:txFillClrLst/>
+    <dgm:txEffectClrLst/>
+  </dgm:styleLbl>
+  <dgm:styleLbl name="node1">
+    <dgm:fillClrLst meth="repeat">
+      <a:schemeClr val="accent1"/>
+    </dgm:fillClrLst>
+    <dgm:linClrLst meth="repeat">
+      <a:schemeClr val="lt1"/>
+    </dgm:linClrLst>
+    <dgm:effectClrLst/>
+    <dgm:txLinClrLst/>
+    <dgm:txFillClrLst/>
+    <dgm:txEffectClrLst/>
+  </dgm:styleLbl>
+  <dgm:styleLbl name="lnNode1">
+    <dgm:fillClrLst meth="repeat">
+      <a:schemeClr val="accent1"/>
+    </dgm:fillClrLst>
+    <dgm:linClrLst meth="repeat">
+      <a:schemeClr val="lt1"/>
+    </dgm:linClrLst>
+    <dgm:effectClrLst/>
+    <dgm:txLinClrLst/>
+    <dgm:txFillClrLst/>
+    <dgm:txEffectClrLst/>
+  </dgm:styleLbl>
+  <dgm:styleLbl name="vennNode1">
+    <dgm:fillClrLst meth="repeat">
+      <a:schemeClr val="accent1">
+        <a:alpha val="50000"/>
+      </a:schemeClr>
+    </dgm:fillClrLst>
+    <dgm:linClrLst meth="repeat">
+      <a:schemeClr val="lt1"/>
+    </dgm:linClrLst>
+    <dgm:effectClrLst/>
+    <dgm:txLinClrLst/>
+    <dgm:txFillClrLst/>
+    <dgm:txEffectClrLst/>
+  </dgm:styleLbl>
+  <dgm:styleLbl name="node2">
+    <dgm:fillClrLst meth="repeat">
+      <a:schemeClr val="accent1"/>
+    </dgm:fillClrLst>
+    <dgm:linClrLst meth="repeat">
+      <a:schemeClr val="lt1"/>
+    </dgm:linClrLst>
+    <dgm:effectClrLst/>
+    <dgm:txLinClrLst/>
+    <dgm:txFillClrLst/>
+    <dgm:txEffectClrLst/>
+  </dgm:styleLbl>
+  <dgm:styleLbl name="node3">
+    <dgm:fillClrLst meth="repeat">
+      <a:schemeClr val="accent1"/>
+    </dgm:fillClrLst>
+    <dgm:linClrLst meth="repeat">
+      <a:schemeClr val="lt1"/>
+    </dgm:linClrLst>
+    <dgm:effectClrLst/>
+    <dgm:txLinClrLst/>
+    <dgm:txFillClrLst/>
+    <dgm:txEffectClrLst/>
+  </dgm:styleLbl>
+  <dgm:styleLbl name="node4">
+    <dgm:fillClrLst meth="repeat">
+      <a:schemeClr val="accent1"/>
+    </dgm:fillClrLst>
+    <dgm:linClrLst meth="repeat">
+      <a:schemeClr val="lt1"/>
+    </dgm:linClrLst>
+    <dgm:effectClrLst/>
+    <dgm:txLinClrLst/>
+    <dgm:txFillClrLst/>
+    <dgm:txEffectClrLst/>
+  </dgm:styleLbl>
+  <dgm:styleLbl name="fgImgPlace1">
+    <dgm:fillClrLst meth="repeat">
+      <a:schemeClr val="accent1">
+        <a:tint val="50000"/>
+      </a:schemeClr>
+    </dgm:fillClrLst>
+    <dgm:linClrLst meth="repeat">
+      <a:schemeClr val="lt1"/>
+    </dgm:linClrLst>
+    <dgm:effectClrLst/>
+    <dgm:txLinClrLst/>
+    <dgm:txFillClrLst meth="repeat">
+      <a:schemeClr val="lt1"/>
+    </dgm:txFillClrLst>
+    <dgm:txEffectClrLst/>
+  </dgm:styleLbl>
+  <dgm:styleLbl name="alignImgPlace1">
+    <dgm:fillClrLst meth="repeat">
+      <a:schemeClr val="accent1">
+        <a:tint val="50000"/>
+      </a:schemeClr>
+    </dgm:fillClrLst>
+    <dgm:linClrLst meth="repeat">
+      <a:schemeClr val="lt1"/>
+    </dgm:linClrLst>
+    <dgm:effectClrLst/>
+    <dgm:txLinClrLst/>
+    <dgm:txFillClrLst meth="repeat">
+      <a:schemeClr val="lt1"/>
+    </dgm:txFillClrLst>
+    <dgm:txEffectClrLst/>
+  </dgm:styleLbl>
+  <dgm:styleLbl name="bgImgPlace1">
+    <dgm:fillClrLst meth="repeat">
+      <a:schemeClr val="accent1">
+        <a:tint val="50000"/>
+      </a:schemeClr>
+    </dgm:fillClrLst>
+    <dgm:linClrLst meth="repeat">
+      <a:schemeClr val="lt1"/>
+    </dgm:linClrLst>
+    <dgm:effectClrLst/>
+    <dgm:txLinClrLst/>
+    <dgm:txFillClrLst meth="repeat">
+      <a:schemeClr val="lt1"/>
+    </dgm:txFillClrLst>
+    <dgm:txEffectClrLst/>
+  </dgm:styleLbl>
+  <dgm:styleLbl name="sibTrans2D1">
+    <dgm:fillClrLst meth="repeat">
+      <a:schemeClr val="accent1">
+        <a:tint val="60000"/>
+      </a:schemeClr>
+    </dgm:fillClrLst>
+    <dgm:linClrLst meth="repeat">
+      <a:schemeClr val="accent1">
+        <a:tint val="60000"/>
+      </a:schemeClr>
+    </dgm:linClrLst>
+    <dgm:effectClrLst/>
+    <dgm:txLinClrLst/>
+    <dgm:txFillClrLst/>
+    <dgm:txEffectClrLst/>
+  </dgm:styleLbl>
+  <dgm:styleLbl name="fgSibTrans2D1">
+    <dgm:fillClrLst meth="repeat">
+      <a:schemeClr val="accent1">
+        <a:tint val="60000"/>
+      </a:schemeClr>
+    </dgm:fillClrLst>
+    <dgm:linClrLst meth="repeat">
+      <a:schemeClr val="accent1">
+        <a:tint val="60000"/>
+      </a:schemeClr>
+    </dgm:linClrLst>
+    <dgm:effectClrLst/>
+    <dgm:txLinClrLst/>
+    <dgm:txFillClrLst/>
+    <dgm:txEffectClrLst/>
+  </dgm:styleLbl>
+  <dgm:styleLbl name="bgSibTrans2D1">
+    <dgm:fillClrLst meth="repeat">
+      <a:schemeClr val="accent1">
+        <a:tint val="60000"/>
+      </a:schemeClr>
+    </dgm:fillClrLst>
+    <dgm:linClrLst meth="repeat">
+      <a:schemeClr val="accent1">
+        <a:tint val="60000"/>
+      </a:schemeClr>
+    </dgm:linClrLst>
+    <dgm:effectClrLst/>
+    <dgm:txLinClrLst/>
+    <dgm:txFillClrLst/>
+    <dgm:txEffectClrLst/>
+  </dgm:styleLbl>
+  <dgm:styleLbl name="sibTrans1D1">
+    <dgm:fillClrLst meth="repeat">
+      <a:schemeClr val="accent1"/>
+    </dgm:fillClrLst>
+    <dgm:linClrLst meth="repeat">
+      <a:schemeClr val="accent1"/>
+    </dgm:linClrLst>
+    <dgm:effectClrLst/>
+    <dgm:txLinClrLst/>
+    <dgm:txFillClrLst meth="repeat">
+      <a:schemeClr val="tx1"/>
+    </dgm:txFillClrLst>
+    <dgm:txEffectClrLst/>
+  </dgm:styleLbl>
+  <dgm:styleLbl name="callout">
+    <dgm:fillClrLst meth="repeat">
+      <a:schemeClr val="accent1"/>
+    </dgm:fillClrLst>
+    <dgm:linClrLst meth="repeat">
+      <a:schemeClr val="accent1">
+        <a:tint val="50000"/>
+      </a:schemeClr>
+    </dgm:linClrLst>
+    <dgm:effectClrLst/>
+    <dgm:txLinClrLst/>
+    <dgm:txFillClrLst meth="repeat">
+      <a:schemeClr val="tx1"/>
+    </dgm:txFillClrLst>
+    <dgm:txEffectClrLst/>
+  </dgm:styleLbl>
+  <dgm:styleLbl name="asst0">
+    <dgm:fillClrLst meth="repeat">
+      <a:schemeClr val="accent1"/>
+    </dgm:fillClrLst>
+    <dgm:linClrLst meth="repeat">
+      <a:schemeClr val="lt1"/>
+    </dgm:linClrLst>
+    <dgm:effectClrLst/>
+    <dgm:txLinClrLst/>
+    <dgm:txFillClrLst/>
+    <dgm:txEffectClrLst/>
+  </dgm:styleLbl>
+  <dgm:styleLbl name="asst1">
+    <dgm:fillClrLst meth="repeat">
+      <a:schemeClr val="accent1"/>
+    </dgm:fillClrLst>
+    <dgm:linClrLst meth="repeat">
+      <a:schemeClr val="lt1"/>
+    </dgm:linClrLst>
+    <dgm:effectClrLst/>
+    <dgm:txLinClrLst/>
+    <dgm:txFillClrLst/>
+    <dgm:txEffectClrLst/>
+  </dgm:styleLbl>
+  <dgm:styleLbl name="asst2">
+    <dgm:fillClrLst meth="repeat">
+      <a:schemeClr val="accent1"/>
+    </dgm:fillClrLst>
+    <dgm:linClrLst meth="repeat">
+      <a:schemeClr val="lt1"/>
+    </dgm:linClrLst>
+    <dgm:effectClrLst/>
+    <dgm:txLinClrLst/>
+    <dgm:txFillClrLst/>
+    <dgm:txEffectClrLst/>
+  </dgm:styleLbl>
+  <dgm:styleLbl name="asst3">
+    <dgm:fillClrLst meth="repeat">
+      <a:schemeClr val="accent1"/>
+    </dgm:fillClrLst>
+    <dgm:linClrLst meth="repeat">
+      <a:schemeClr val="lt1"/>
+    </dgm:linClrLst>
+    <dgm:effectClrLst/>
+    <dgm:txLinClrLst/>
+    <dgm:txFillClrLst/>
+    <dgm:txEffectClrLst/>
+  </dgm:styleLbl>
+  <dgm:styleLbl name="asst4">
+    <dgm:fillClrLst meth="repeat">
+      <a:schemeClr val="accent1"/>
+    </dgm:fillClrLst>
+    <dgm:linClrLst meth="repeat">
+      <a:schemeClr val="lt1"/>
+    </dgm:linClrLst>
+    <dgm:effectClrLst/>
+    <dgm:txLinClrLst/>
+    <dgm:txFillClrLst/>
+    <dgm:txEffectClrLst/>
+  </dgm:styleLbl>
+  <dgm:styleLbl name="parChTrans2D1">
+    <dgm:fillClrLst meth="repeat">
+      <a:schemeClr val="accent1">
+        <a:tint val="60000"/>
+      </a:schemeClr>
+    </dgm:fillClrLst>
+    <dgm:linClrLst meth="repeat">
+      <a:schemeClr val="accent1">
+        <a:tint val="60000"/>
+      </a:schemeClr>
+    </dgm:linClrLst>
+    <dgm:effectClrLst/>
+    <dgm:txLinClrLst/>
+    <dgm:txFillClrLst meth="repeat">
+      <a:schemeClr val="lt1"/>
+    </dgm:txFillClrLst>
+    <dgm:txEffectClrLst/>
+  </dgm:styleLbl>
+  <dgm:styleLbl name="parChTrans2D2">
+    <dgm:fillClrLst meth="repeat">
+      <a:schemeClr val="accent1"/>
+    </dgm:fillClrLst>
+    <dgm:linClrLst meth="repeat">
+      <a:schemeClr val="accent1"/>
+    </dgm:linClrLst>
+    <dgm:effectClrLst/>
+    <dgm:txLinClrLst/>
+    <dgm:txFillClrLst meth="repeat">
+      <a:schemeClr val="lt1"/>
+    </dgm:txFillClrLst>
+    <dgm:txEffectClrLst/>
+  </dgm:styleLbl>
+  <dgm:styleLbl name="parChTrans2D3">
+    <dgm:fillClrLst meth="repeat">
+      <a:schemeClr val="accent1"/>
+    </dgm:fillClrLst>
+    <dgm:linClrLst meth="repeat">
+      <a:schemeClr val="accent1"/>
+    </dgm:linClrLst>
+    <dgm:effectClrLst/>
+    <dgm:txLinClrLst/>
+    <dgm:txFillClrLst meth="repeat">
+      <a:schemeClr val="lt1"/>
+    </dgm:txFillClrLst>
+    <dgm:txEffectClrLst/>
+  </dgm:styleLbl>
+  <dgm:styleLbl name="parChTrans2D4">
+    <dgm:fillClrLst meth="repeat">
+      <a:schemeClr val="accent1"/>
+    </dgm:fillClrLst>
+    <dgm:linClrLst meth="repeat">
+      <a:schemeClr val="accent1"/>
+    </dgm:linClrLst>
+    <dgm:effectClrLst/>
+    <dgm:txLinClrLst/>
+    <dgm:txFillClrLst meth="repeat">
+      <a:schemeClr val="lt1"/>
+    </dgm:txFillClrLst>
+    <dgm:txEffectClrLst/>
+  </dgm:styleLbl>
+  <dgm:styleLbl name="parChTrans1D1">
+    <dgm:fillClrLst meth="repeat">
+      <a:schemeClr val="accent1"/>
+    </dgm:fillClrLst>
+    <dgm:linClrLst meth="repeat">
+      <a:schemeClr val="accent1">
+        <a:shade val="60000"/>
+      </a:schemeClr>
+    </dgm:linClrLst>
+    <dgm:effectClrLst/>
+    <dgm:txLinClrLst/>
+    <dgm:txFillClrLst meth="repeat">
+      <a:schemeClr val="tx1"/>
+    </dgm:txFillClrLst>
+    <dgm:txEffectClrLst/>
+  </dgm:styleLbl>
+  <dgm:styleLbl name="parChTrans1D2">
+    <dgm:fillClrLst meth="repeat">
+      <a:schemeClr val="accent1"/>
+    </dgm:fillClrLst>
+    <dgm:linClrLst meth="repeat">
+      <a:schemeClr val="accent1">
+        <a:shade val="60000"/>
+      </a:schemeClr>
+    </dgm:linClrLst>
+    <dgm:effectClrLst/>
+    <dgm:txLinClrLst/>
+    <dgm:txFillClrLst meth="repeat">
+      <a:schemeClr val="tx1"/>
+    </dgm:txFillClrLst>
+    <dgm:txEffectClrLst/>
+  </dgm:styleLbl>
+  <dgm:styleLbl name="parChTrans1D3">
+    <dgm:fillClrLst meth="repeat">
+      <a:schemeClr val="accent1"/>
+    </dgm:fillClrLst>
+    <dgm:linClrLst meth="repeat">
+      <a:schemeClr val="accent1">
+        <a:shade val="80000"/>
+      </a:schemeClr>
+    </dgm:linClrLst>
+    <dgm:effectClrLst/>
+    <dgm:txLinClrLst/>
+    <dgm:txFillClrLst meth="repeat">
+      <a:schemeClr val="tx1"/>
+    </dgm:txFillClrLst>
+    <dgm:txEffectClrLst/>
+  </dgm:styleLbl>
+  <dgm:styleLbl name="parChTrans1D4">
+    <dgm:fillClrLst meth="repeat">
+      <a:schemeClr val="accent1"/>
+    </dgm:fillClrLst>
+    <dgm:linClrLst meth="repeat">
+      <a:schemeClr val="accent1">
+        <a:shade val="80000"/>
+      </a:schemeClr>
+    </dgm:linClrLst>
+    <dgm:effectClrLst/>
+    <dgm:txLinClrLst/>
+    <dgm:txFillClrLst meth="repeat">
+      <a:schemeClr val="tx1"/>
+    </dgm:txFillClrLst>
+    <dgm:txEffectClrLst/>
+  </dgm:styleLbl>
+  <dgm:styleLbl name="fgAcc1">
+    <dgm:fillClrLst meth="repeat">
+      <a:schemeClr val="lt1">
+        <a:alpha val="90000"/>
+      </a:schemeClr>
+    </dgm:fillClrLst>
+    <dgm:linClrLst meth="repeat">
+      <a:schemeClr val="accent1"/>
+    </dgm:linClrLst>
+    <dgm:effectClrLst/>
+    <dgm:txLinClrLst/>
+    <dgm:txFillClrLst meth="repeat">
+      <a:schemeClr val="dk1"/>
+    </dgm:txFillClrLst>
+    <dgm:txEffectClrLst/>
+  </dgm:styleLbl>
+  <dgm:styleLbl name="conFgAcc1">
+    <dgm:fillClrLst meth="repeat">
+      <a:schemeClr val="lt1">
+        <a:alpha val="90000"/>
+      </a:schemeClr>
+    </dgm:fillClrLst>
+    <dgm:linClrLst meth="repeat">
+      <a:schemeClr val="accent1"/>
+    </dgm:linClrLst>
+    <dgm:effectClrLst/>
+    <dgm:txLinClrLst/>
+    <dgm:txFillClrLst meth="repeat">
+      <a:schemeClr val="dk1"/>
+    </dgm:txFillClrLst>
+    <dgm:txEffectClrLst/>
+  </dgm:styleLbl>
+  <dgm:styleLbl name="alignAcc1">
+    <dgm:fillClrLst meth="repeat">
+      <a:schemeClr val="lt1">
+        <a:alpha val="90000"/>
+      </a:schemeClr>
+    </dgm:fillClrLst>
+    <dgm:linClrLst meth="repeat">
+      <a:schemeClr val="accent1"/>
+    </dgm:linClrLst>
+    <dgm:effectClrLst/>
+    <dgm:txLinClrLst/>
+    <dgm:txFillClrLst meth="repeat">
+      <a:schemeClr val="dk1"/>
+    </dgm:txFillClrLst>
+    <dgm:txEffectClrLst/>
+  </dgm:styleLbl>
+  <dgm:styleLbl name="trAlignAcc1">
+    <dgm:fillClrLst meth="repeat">
+      <a:schemeClr val="lt1">
+        <a:alpha val="40000"/>
+      </a:schemeClr>
+    </dgm:fillClrLst>
+    <dgm:linClrLst meth="repeat">
+      <a:schemeClr val="accent1"/>
+    </dgm:linClrLst>
+    <dgm:effectClrLst/>
+    <dgm:txLinClrLst/>
+    <dgm:txFillClrLst meth="repeat">
+      <a:schemeClr val="dk1"/>
+    </dgm:txFillClrLst>
+    <dgm:txEffectClrLst/>
+  </dgm:styleLbl>
+  <dgm:styleLbl name="bgAcc1">
+    <dgm:fillClrLst meth="repeat">
+      <a:schemeClr val="lt1">
+        <a:alpha val="90000"/>
+      </a:schemeClr>
+    </dgm:fillClrLst>
+    <dgm:linClrLst meth="repeat">
+      <a:schemeClr val="accent1"/>
+    </dgm:linClrLst>
+    <dgm:effectClrLst/>
+    <dgm:txLinClrLst/>
+    <dgm:txFillClrLst meth="repeat">
+      <a:schemeClr val="dk1"/>
+    </dgm:txFillClrLst>
+    <dgm:txEffectClrLst/>
+  </dgm:styleLbl>
+  <dgm:styleLbl name="solidFgAcc1">
+    <dgm:fillClrLst meth="repeat">
+      <a:schemeClr val="lt1"/>
+    </dgm:fillClrLst>
+    <dgm:linClrLst meth="repeat">
+      <a:schemeClr val="accent1"/>
+    </dgm:linClrLst>
+    <dgm:effectClrLst/>
+    <dgm:txLinClrLst/>
+    <dgm:txFillClrLst meth="repeat">
+      <a:schemeClr val="dk1"/>
+    </dgm:txFillClrLst>
+    <dgm:txEffectClrLst/>
+  </dgm:styleLbl>
+  <dgm:styleLbl name="solidAlignAcc1">
+    <dgm:fillClrLst meth="repeat">
+      <a:schemeClr val="lt1"/>
+    </dgm:fillClrLst>
+    <dgm:linClrLst meth="repeat">
+      <a:schemeClr val="accent1"/>
+    </dgm:linClrLst>
+    <dgm:effectClrLst/>
+    <dgm:txLinClrLst/>
+    <dgm:txFillClrLst meth="repeat">
+      <a:schemeClr val="dk1"/>
+    </dgm:txFillClrLst>
+    <dgm:txEffectClrLst/>
+  </dgm:styleLbl>
+  <dgm:styleLbl name="solidBgAcc1">
+    <dgm:fillClrLst meth="repeat">
+      <a:schemeClr val="lt1"/>
+    </dgm:fillClrLst>
+    <dgm:linClrLst meth="repeat">
+      <a:schemeClr val="accent1"/>
+    </dgm:linClrLst>
+    <dgm:effectClrLst/>
+    <dgm:txLinClrLst/>
+    <dgm:txFillClrLst meth="repeat">
+      <a:schemeClr val="dk1"/>
+    </dgm:txFillClrLst>
+    <dgm:txEffectClrLst/>
+  </dgm:styleLbl>
+  <dgm:styleLbl name="fgAccFollowNode1">
+    <dgm:fillClrLst meth="repeat">
+      <a:schemeClr val="accent1">
+        <a:alpha val="90000"/>
+        <a:tint val="40000"/>
+      </a:schemeClr>
+    </dgm:fillClrLst>
+    <dgm:linClrLst meth="repeat">
+      <a:schemeClr val="accent1">
+        <a:alpha val="90000"/>
+        <a:tint val="40000"/>
+      </a:schemeClr>
+    </dgm:linClrLst>
+    <dgm:effectClrLst/>
+    <dgm:txLinClrLst/>
+    <dgm:txFillClrLst meth="repeat">
+      <a:schemeClr val="dk1"/>
+    </dgm:txFillClrLst>
+    <dgm:txEffectClrLst/>
+  </dgm:styleLbl>
+  <dgm:styleLbl name="alignAccFollowNode1">
+    <dgm:fillClrLst meth="repeat">
+      <a:schemeClr val="accent1">
+        <a:alpha val="90000"/>
+        <a:tint val="40000"/>
+      </a:schemeClr>
+    </dgm:fillClrLst>
+    <dgm:linClrLst meth="repeat">
+      <a:schemeClr val="accent1">
+        <a:alpha val="90000"/>
+        <a:tint val="40000"/>
+      </a:schemeClr>
+    </dgm:linClrLst>
+    <dgm:effectClrLst/>
+    <dgm:txLinClrLst/>
+    <dgm:txFillClrLst meth="repeat">
+      <a:schemeClr val="dk1"/>
+    </dgm:txFillClrLst>
+    <dgm:txEffectClrLst/>
+  </dgm:styleLbl>
+  <dgm:styleLbl name="bgAccFollowNode1">
+    <dgm:fillClrLst meth="repeat">
+      <a:schemeClr val="accent1">
+        <a:alpha val="90000"/>
+        <a:tint val="40000"/>
+      </a:schemeClr>
+    </dgm:fillClrLst>
+    <dgm:linClrLst meth="repeat">
+      <a:schemeClr val="accent1">
+        <a:alpha val="90000"/>
+        <a:tint val="40000"/>
+      </a:schemeClr>
+    </dgm:linClrLst>
+    <dgm:effectClrLst/>
+    <dgm:txLinClrLst/>
+    <dgm:txFillClrLst meth="repeat">
+      <a:schemeClr val="dk1"/>
+    </dgm:txFillClrLst>
+    <dgm:txEffectClrLst/>
+  </dgm:styleLbl>
+  <dgm:styleLbl name="fgAcc0">
+    <dgm:fillClrLst meth="repeat">
+      <a:schemeClr val="lt1">
+        <a:alpha val="90000"/>
+      </a:schemeClr>
+    </dgm:fillClrLst>
+    <dgm:linClrLst meth="repeat">
+      <a:schemeClr val="accent1"/>
+    </dgm:linClrLst>
+    <dgm:effectClrLst/>
+    <dgm:txLinClrLst/>
+    <dgm:txFillClrLst meth="repeat">
+      <a:schemeClr val="dk1"/>
+    </dgm:txFillClrLst>
+    <dgm:txEffectClrLst/>
+  </dgm:styleLbl>
+  <dgm:styleLbl name="fgAcc2">
+    <dgm:fillClrLst meth="repeat">
+      <a:schemeClr val="lt1">
+        <a:alpha val="90000"/>
+      </a:schemeClr>
+    </dgm:fillClrLst>
+    <dgm:linClrLst meth="repeat">
+      <a:schemeClr val="accent1"/>
+    </dgm:linClrLst>
+    <dgm:effectClrLst/>
+    <dgm:txLinClrLst/>
+    <dgm:txFillClrLst meth="repeat">
+      <a:schemeClr val="dk1"/>
+    </dgm:txFillClrLst>
+    <dgm:txEffectClrLst/>
+  </dgm:styleLbl>
+  <dgm:styleLbl name="fgAcc3">
+    <dgm:fillClrLst meth="repeat">
+      <a:schemeClr val="lt1">
+        <a:alpha val="90000"/>
+      </a:schemeClr>
+    </dgm:fillClrLst>
+    <dgm:linClrLst meth="repeat">
+      <a:schemeClr val="accent1"/>
+    </dgm:linClrLst>
+    <dgm:effectClrLst/>
+    <dgm:txLinClrLst/>
+    <dgm:txFillClrLst meth="repeat">
+      <a:schemeClr val="dk1"/>
+    </dgm:txFillClrLst>
+    <dgm:txEffectClrLst/>
+  </dgm:styleLbl>
+  <dgm:styleLbl name="fgAcc4">
+    <dgm:fillClrLst meth="repeat">
+      <a:schemeClr val="lt1">
+        <a:alpha val="90000"/>
+      </a:schemeClr>
+    </dgm:fillClrLst>
+    <dgm:linClrLst meth="repeat">
+      <a:schemeClr val="accent1"/>
+    </dgm:linClrLst>
+    <dgm:effectClrLst/>
+    <dgm:txLinClrLst/>
+    <dgm:txFillClrLst meth="repeat">
+      <a:schemeClr val="dk1"/>
+    </dgm:txFillClrLst>
+    <dgm:txEffectClrLst/>
+  </dgm:styleLbl>
+  <dgm:styleLbl name="bgShp">
+    <dgm:fillClrLst meth="repeat">
+      <a:schemeClr val="accent1">
+        <a:tint val="40000"/>
+      </a:schemeClr>
+    </dgm:fillClrLst>
+    <dgm:linClrLst meth="repeat">
+      <a:schemeClr val="accent1"/>
+    </dgm:linClrLst>
+    <dgm:effectClrLst/>
+    <dgm:txLinClrLst/>
+    <dgm:txFillClrLst meth="repeat">
+      <a:schemeClr val="dk1"/>
+    </dgm:txFillClrLst>
+    <dgm:txEffectClrLst/>
+  </dgm:styleLbl>
+  <dgm:styleLbl name="dkBgShp">
+    <dgm:fillClrLst meth="repeat">
+      <a:schemeClr val="accent1">
+        <a:shade val="80000"/>
+      </a:schemeClr>
+    </dgm:fillClrLst>
+    <dgm:linClrLst meth="repeat">
+      <a:schemeClr val="accent1"/>
+    </dgm:linClrLst>
+    <dgm:effectClrLst/>
+    <dgm:txLinClrLst/>
+    <dgm:txFillClrLst meth="repeat">
+      <a:schemeClr val="lt1"/>
+    </dgm:txFillClrLst>
+    <dgm:txEffectClrLst/>
+  </dgm:styleLbl>
+  <dgm:styleLbl name="trBgShp">
+    <dgm:fillClrLst meth="repeat">
+      <a:schemeClr val="accent1">
+        <a:tint val="50000"/>
+        <a:alpha val="40000"/>
+      </a:schemeClr>
+    </dgm:fillClrLst>
+    <dgm:linClrLst meth="repeat">
+      <a:schemeClr val="accent1"/>
+    </dgm:linClrLst>
+    <dgm:effectClrLst/>
+    <dgm:txLinClrLst/>
+    <dgm:txFillClrLst meth="repeat">
+      <a:schemeClr val="lt1"/>
+    </dgm:txFillClrLst>
+    <dgm:txEffectClrLst/>
+  </dgm:styleLbl>
+  <dgm:styleLbl name="fgShp">
+    <dgm:fillClrLst meth="repeat">
+      <a:schemeClr val="accent1">
+        <a:tint val="60000"/>
+      </a:schemeClr>
+    </dgm:fillClrLst>
+    <dgm:linClrLst meth="repeat">
+      <a:schemeClr val="lt1"/>
+    </dgm:linClrLst>
+    <dgm:effectClrLst/>
+    <dgm:txLinClrLst/>
+    <dgm:txFillClrLst meth="repeat">
+      <a:schemeClr val="dk1"/>
+    </dgm:txFillClrLst>
+    <dgm:txEffectClrLst/>
+  </dgm:styleLbl>
+  <dgm:styleLbl name="revTx">
+    <dgm:fillClrLst meth="repeat">
+      <a:schemeClr val="lt1">
+        <a:alpha val="0"/>
+      </a:schemeClr>
+    </dgm:fillClrLst>
+    <dgm:linClrLst meth="repeat">
+      <a:schemeClr val="dk1">
+        <a:alpha val="0"/>
+      </a:schemeClr>
+    </dgm:linClrLst>
+    <dgm:effectClrLst/>
+    <dgm:txLinClrLst/>
+    <dgm:txFillClrLst meth="repeat">
+      <a:schemeClr val="tx1"/>
+    </dgm:txFillClrLst>
+    <dgm:txEffectClrLst/>
+  </dgm:styleLbl>
+</dgm:colorsDef>
+</file>
+
+<file path=ppt/diagrams/colors2.xml><?xml version="1.0" encoding="utf-8"?>
+<dgm:colorsDef xmlns:dgm="http://schemas.openxmlformats.org/drawingml/2006/diagram" xmlns:a="http://schemas.openxmlformats.org/drawingml/2006/main" uniqueId="urn:microsoft.com/office/officeart/2005/8/colors/accent1_2">
+  <dgm:title val=""/>
+  <dgm:desc val=""/>
+  <dgm:catLst>
+    <dgm:cat type="accent1" pri="11200"/>
+  </dgm:catLst>
+  <dgm:styleLbl name="node0">
+    <dgm:fillClrLst meth="repeat">
+      <a:schemeClr val="accent1"/>
+    </dgm:fillClrLst>
+    <dgm:linClrLst meth="repeat">
+      <a:schemeClr val="lt1"/>
+    </dgm:linClrLst>
+    <dgm:effectClrLst/>
+    <dgm:txLinClrLst/>
+    <dgm:txFillClrLst/>
+    <dgm:txEffectClrLst/>
+  </dgm:styleLbl>
+  <dgm:styleLbl name="alignNode1">
+    <dgm:fillClrLst meth="repeat">
+      <a:schemeClr val="accent1"/>
+    </dgm:fillClrLst>
+    <dgm:linClrLst meth="repeat">
+      <a:schemeClr val="accent1"/>
+    </dgm:linClrLst>
+    <dgm:effectClrLst/>
+    <dgm:txLinClrLst/>
+    <dgm:txFillClrLst/>
+    <dgm:txEffectClrLst/>
+  </dgm:styleLbl>
+  <dgm:styleLbl name="node1">
+    <dgm:fillClrLst meth="repeat">
+      <a:schemeClr val="accent1"/>
+    </dgm:fillClrLst>
+    <dgm:linClrLst meth="repeat">
+      <a:schemeClr val="lt1"/>
+    </dgm:linClrLst>
+    <dgm:effectClrLst/>
+    <dgm:txLinClrLst/>
+    <dgm:txFillClrLst/>
+    <dgm:txEffectClrLst/>
+  </dgm:styleLbl>
+  <dgm:styleLbl name="lnNode1">
+    <dgm:fillClrLst meth="repeat">
+      <a:schemeClr val="accent1"/>
+    </dgm:fillClrLst>
+    <dgm:linClrLst meth="repeat">
+      <a:schemeClr val="lt1"/>
+    </dgm:linClrLst>
+    <dgm:effectClrLst/>
+    <dgm:txLinClrLst/>
+    <dgm:txFillClrLst/>
+    <dgm:txEffectClrLst/>
+  </dgm:styleLbl>
+  <dgm:styleLbl name="vennNode1">
+    <dgm:fillClrLst meth="repeat">
+      <a:schemeClr val="accent1">
+        <a:alpha val="50000"/>
+      </a:schemeClr>
+    </dgm:fillClrLst>
+    <dgm:linClrLst meth="repeat">
+      <a:schemeClr val="lt1"/>
+    </dgm:linClrLst>
+    <dgm:effectClrLst/>
+    <dgm:txLinClrLst/>
+    <dgm:txFillClrLst/>
+    <dgm:txEffectClrLst/>
+  </dgm:styleLbl>
+  <dgm:styleLbl name="node2">
+    <dgm:fillClrLst meth="repeat">
+      <a:schemeClr val="accent1"/>
+    </dgm:fillClrLst>
+    <dgm:linClrLst meth="repeat">
+      <a:schemeClr val="lt1"/>
+    </dgm:linClrLst>
+    <dgm:effectClrLst/>
+    <dgm:txLinClrLst/>
+    <dgm:txFillClrLst/>
+    <dgm:txEffectClrLst/>
+  </dgm:styleLbl>
+  <dgm:styleLbl name="node3">
+    <dgm:fillClrLst meth="repeat">
+      <a:schemeClr val="accent1"/>
+    </dgm:fillClrLst>
+    <dgm:linClrLst meth="repeat">
+      <a:schemeClr val="lt1"/>
+    </dgm:linClrLst>
+    <dgm:effectClrLst/>
+    <dgm:txLinClrLst/>
+    <dgm:txFillClrLst/>
+    <dgm:txEffectClrLst/>
+  </dgm:styleLbl>
+  <dgm:styleLbl name="node4">
+    <dgm:fillClrLst meth="repeat">
+      <a:schemeClr val="accent1"/>
+    </dgm:fillClrLst>
+    <dgm:linClrLst meth="repeat">
+      <a:schemeClr val="lt1"/>
+    </dgm:linClrLst>
+    <dgm:effectClrLst/>
+    <dgm:txLinClrLst/>
+    <dgm:txFillClrLst/>
+    <dgm:txEffectClrLst/>
+  </dgm:styleLbl>
+  <dgm:styleLbl name="fgImgPlace1">
+    <dgm:fillClrLst meth="repeat">
+      <a:schemeClr val="accent1">
+        <a:tint val="50000"/>
+      </a:schemeClr>
+    </dgm:fillClrLst>
+    <dgm:linClrLst meth="repeat">
+      <a:schemeClr val="lt1"/>
+    </dgm:linClrLst>
+    <dgm:effectClrLst/>
+    <dgm:txLinClrLst/>
+    <dgm:txFillClrLst meth="repeat">
+      <a:schemeClr val="lt1"/>
+    </dgm:txFillClrLst>
+    <dgm:txEffectClrLst/>
+  </dgm:styleLbl>
+  <dgm:styleLbl name="alignImgPlace1">
+    <dgm:fillClrLst meth="repeat">
+      <a:schemeClr val="accent1">
+        <a:tint val="50000"/>
+      </a:schemeClr>
+    </dgm:fillClrLst>
+    <dgm:linClrLst meth="repeat">
+      <a:schemeClr val="lt1"/>
+    </dgm:linClrLst>
+    <dgm:effectClrLst/>
+    <dgm:txLinClrLst/>
+    <dgm:txFillClrLst meth="repeat">
+      <a:schemeClr val="lt1"/>
+    </dgm:txFillClrLst>
+    <dgm:txEffectClrLst/>
+  </dgm:styleLbl>
+  <dgm:styleLbl name="bgImgPlace1">
+    <dgm:fillClrLst meth="repeat">
+      <a:schemeClr val="accent1">
+        <a:tint val="50000"/>
+      </a:schemeClr>
+    </dgm:fillClrLst>
+    <dgm:linClrLst meth="repeat">
+      <a:schemeClr val="lt1"/>
+    </dgm:linClrLst>
+    <dgm:effectClrLst/>
+    <dgm:txLinClrLst/>
+    <dgm:txFillClrLst meth="repeat">
+      <a:schemeClr val="lt1"/>
+    </dgm:txFillClrLst>
+    <dgm:txEffectClrLst/>
+  </dgm:styleLbl>
+  <dgm:styleLbl name="sibTrans2D1">
+    <dgm:fillClrLst meth="repeat">
+      <a:schemeClr val="accent1">
+        <a:tint val="60000"/>
+      </a:schemeClr>
+    </dgm:fillClrLst>
+    <dgm:linClrLst meth="repeat">
+      <a:schemeClr val="accent1">
+        <a:tint val="60000"/>
+      </a:schemeClr>
+    </dgm:linClrLst>
+    <dgm:effectClrLst/>
+    <dgm:txLinClrLst/>
+    <dgm:txFillClrLst/>
+    <dgm:txEffectClrLst/>
+  </dgm:styleLbl>
+  <dgm:styleLbl name="fgSibTrans2D1">
+    <dgm:fillClrLst meth="repeat">
+      <a:schemeClr val="accent1">
+        <a:tint val="60000"/>
+      </a:schemeClr>
+    </dgm:fillClrLst>
+    <dgm:linClrLst meth="repeat">
+      <a:schemeClr val="accent1">
+        <a:tint val="60000"/>
+      </a:schemeClr>
+    </dgm:linClrLst>
+    <dgm:effectClrLst/>
+    <dgm:txLinClrLst/>
+    <dgm:txFillClrLst/>
+    <dgm:txEffectClrLst/>
+  </dgm:styleLbl>
+  <dgm:styleLbl name="bgSibTrans2D1">
+    <dgm:fillClrLst meth="repeat">
+      <a:schemeClr val="accent1">
+        <a:tint val="60000"/>
+      </a:schemeClr>
+    </dgm:fillClrLst>
+    <dgm:linClrLst meth="repeat">
+      <a:schemeClr val="accent1">
+        <a:tint val="60000"/>
+      </a:schemeClr>
+    </dgm:linClrLst>
+    <dgm:effectClrLst/>
+    <dgm:txLinClrLst/>
+    <dgm:txFillClrLst/>
+    <dgm:txEffectClrLst/>
+  </dgm:styleLbl>
+  <dgm:styleLbl name="sibTrans1D1">
+    <dgm:fillClrLst meth="repeat">
+      <a:schemeClr val="accent1"/>
+    </dgm:fillClrLst>
+    <dgm:linClrLst meth="repeat">
+      <a:schemeClr val="accent1"/>
+    </dgm:linClrLst>
+    <dgm:effectClrLst/>
+    <dgm:txLinClrLst/>
+    <dgm:txFillClrLst meth="repeat">
+      <a:schemeClr val="tx1"/>
+    </dgm:txFillClrLst>
+    <dgm:txEffectClrLst/>
+  </dgm:styleLbl>
+  <dgm:styleLbl name="callout">
+    <dgm:fillClrLst meth="repeat">
+      <a:schemeClr val="accent1"/>
+    </dgm:fillClrLst>
+    <dgm:linClrLst meth="repeat">
+      <a:schemeClr val="accent1">
+        <a:tint val="50000"/>
+      </a:schemeClr>
+    </dgm:linClrLst>
+    <dgm:effectClrLst/>
+    <dgm:txLinClrLst/>
+    <dgm:txFillClrLst meth="repeat">
+      <a:schemeClr val="tx1"/>
+    </dgm:txFillClrLst>
+    <dgm:txEffectClrLst/>
+  </dgm:styleLbl>
+  <dgm:styleLbl name="asst0">
+    <dgm:fillClrLst meth="repeat">
+      <a:schemeClr val="accent1"/>
+    </dgm:fillClrLst>
+    <dgm:linClrLst meth="repeat">
+      <a:schemeClr val="lt1"/>
+    </dgm:linClrLst>
+    <dgm:effectClrLst/>
+    <dgm:txLinClrLst/>
+    <dgm:txFillClrLst/>
+    <dgm:txEffectClrLst/>
+  </dgm:styleLbl>
+  <dgm:styleLbl name="asst1">
+    <dgm:fillClrLst meth="repeat">
+      <a:schemeClr val="accent1"/>
+    </dgm:fillClrLst>
+    <dgm:linClrLst meth="repeat">
+      <a:schemeClr val="lt1"/>
+    </dgm:linClrLst>
+    <dgm:effectClrLst/>
+    <dgm:txLinClrLst/>
+    <dgm:txFillClrLst/>
+    <dgm:txEffectClrLst/>
+  </dgm:styleLbl>
+  <dgm:styleLbl name="asst2">
+    <dgm:fillClrLst meth="repeat">
+      <a:schemeClr val="accent1"/>
+    </dgm:fillClrLst>
+    <dgm:linClrLst meth="repeat">
+      <a:schemeClr val="lt1"/>
+    </dgm:linClrLst>
+    <dgm:effectClrLst/>
+    <dgm:txLinClrLst/>
+    <dgm:txFillClrLst/>
+    <dgm:txEffectClrLst/>
+  </dgm:styleLbl>
+  <dgm:styleLbl name="asst3">
+    <dgm:fillClrLst meth="repeat">
+      <a:schemeClr val="accent1"/>
+    </dgm:fillClrLst>
+    <dgm:linClrLst meth="repeat">
+      <a:schemeClr val="lt1"/>
+    </dgm:linClrLst>
+    <dgm:effectClrLst/>
+    <dgm:txLinClrLst/>
+    <dgm:txFillClrLst/>
+    <dgm:txEffectClrLst/>
+  </dgm:styleLbl>
+  <dgm:styleLbl name="asst4">
+    <dgm:fillClrLst meth="repeat">
+      <a:schemeClr val="accent1"/>
+    </dgm:fillClrLst>
+    <dgm:linClrLst meth="repeat">
+      <a:schemeClr val="lt1"/>
+    </dgm:linClrLst>
+    <dgm:effectClrLst/>
+    <dgm:txLinClrLst/>
+    <dgm:txFillClrLst/>
+    <dgm:txEffectClrLst/>
+  </dgm:styleLbl>
+  <dgm:styleLbl name="parChTrans2D1">
+    <dgm:fillClrLst meth="repeat">
+      <a:schemeClr val="accent1">
+        <a:tint val="60000"/>
+      </a:schemeClr>
+    </dgm:fillClrLst>
+    <dgm:linClrLst meth="repeat">
+      <a:schemeClr val="accent1">
+        <a:tint val="60000"/>
+      </a:schemeClr>
+    </dgm:linClrLst>
+    <dgm:effectClrLst/>
+    <dgm:txLinClrLst/>
+    <dgm:txFillClrLst meth="repeat">
+      <a:schemeClr val="lt1"/>
+    </dgm:txFillClrLst>
+    <dgm:txEffectClrLst/>
+  </dgm:styleLbl>
+  <dgm:styleLbl name="parChTrans2D2">
+    <dgm:fillClrLst meth="repeat">
+      <a:schemeClr val="accent1"/>
+    </dgm:fillClrLst>
+    <dgm:linClrLst meth="repeat">
+      <a:schemeClr val="accent1"/>
+    </dgm:linClrLst>
+    <dgm:effectClrLst/>
+    <dgm:txLinClrLst/>
+    <dgm:txFillClrLst meth="repeat">
+      <a:schemeClr val="lt1"/>
+    </dgm:txFillClrLst>
+    <dgm:txEffectClrLst/>
+  </dgm:styleLbl>
+  <dgm:styleLbl name="parChTrans2D3">
+    <dgm:fillClrLst meth="repeat">
+      <a:schemeClr val="accent1"/>
+    </dgm:fillClrLst>
+    <dgm:linClrLst meth="repeat">
+      <a:schemeClr val="accent1"/>
+    </dgm:linClrLst>
+    <dgm:effectClrLst/>
+    <dgm:txLinClrLst/>
+    <dgm:txFillClrLst meth="repeat">
+      <a:schemeClr val="lt1"/>
+    </dgm:txFillClrLst>
+    <dgm:txEffectClrLst/>
+  </dgm:styleLbl>
+  <dgm:styleLbl name="parChTrans2D4">
+    <dgm:fillClrLst meth="repeat">
+      <a:schemeClr val="accent1"/>
+    </dgm:fillClrLst>
+    <dgm:linClrLst meth="repeat">
+      <a:schemeClr val="accent1"/>
+    </dgm:linClrLst>
+    <dgm:effectClrLst/>
+    <dgm:txLinClrLst/>
+    <dgm:txFillClrLst meth="repeat">
+      <a:schemeClr val="lt1"/>
+    </dgm:txFillClrLst>
+    <dgm:txEffectClrLst/>
+  </dgm:styleLbl>
+  <dgm:styleLbl name="parChTrans1D1">
+    <dgm:fillClrLst meth="repeat">
+      <a:schemeClr val="accent1"/>
+    </dgm:fillClrLst>
+    <dgm:linClrLst meth="repeat">
+      <a:schemeClr val="accent1">
+        <a:shade val="60000"/>
+      </a:schemeClr>
+    </dgm:linClrLst>
+    <dgm:effectClrLst/>
+    <dgm:txLinClrLst/>
+    <dgm:txFillClrLst meth="repeat">
+      <a:schemeClr val="tx1"/>
+    </dgm:txFillClrLst>
+    <dgm:txEffectClrLst/>
+  </dgm:styleLbl>
+  <dgm:styleLbl name="parChTrans1D2">
+    <dgm:fillClrLst meth="repeat">
+      <a:schemeClr val="accent1"/>
+    </dgm:fillClrLst>
+    <dgm:linClrLst meth="repeat">
+      <a:schemeClr val="accent1">
+        <a:shade val="60000"/>
+      </a:schemeClr>
+    </dgm:linClrLst>
+    <dgm:effectClrLst/>
+    <dgm:txLinClrLst/>
+    <dgm:txFillClrLst meth="repeat">
+      <a:schemeClr val="tx1"/>
+    </dgm:txFillClrLst>
+    <dgm:txEffectClrLst/>
+  </dgm:styleLbl>
+  <dgm:styleLbl name="parChTrans1D3">
+    <dgm:fillClrLst meth="repeat">
+      <a:schemeClr val="accent1"/>
+    </dgm:fillClrLst>
+    <dgm:linClrLst meth="repeat">
+      <a:schemeClr val="accent1">
+        <a:shade val="80000"/>
+      </a:schemeClr>
+    </dgm:linClrLst>
+    <dgm:effectClrLst/>
+    <dgm:txLinClrLst/>
+    <dgm:txFillClrLst meth="repeat">
+      <a:schemeClr val="tx1"/>
+    </dgm:txFillClrLst>
+    <dgm:txEffectClrLst/>
+  </dgm:styleLbl>
+  <dgm:styleLbl name="parChTrans1D4">
+    <dgm:fillClrLst meth="repeat">
+      <a:schemeClr val="accent1"/>
+    </dgm:fillClrLst>
+    <dgm:linClrLst meth="repeat">
+      <a:schemeClr val="accent1">
+        <a:shade val="80000"/>
+      </a:schemeClr>
+    </dgm:linClrLst>
+    <dgm:effectClrLst/>
+    <dgm:txLinClrLst/>
+    <dgm:txFillClrLst meth="repeat">
+      <a:schemeClr val="tx1"/>
+    </dgm:txFillClrLst>
+    <dgm:txEffectClrLst/>
+  </dgm:styleLbl>
+  <dgm:styleLbl name="fgAcc1">
+    <dgm:fillClrLst meth="repeat">
+      <a:schemeClr val="lt1">
+        <a:alpha val="90000"/>
+      </a:schemeClr>
+    </dgm:fillClrLst>
+    <dgm:linClrLst meth="repeat">
+      <a:schemeClr val="accent1"/>
+    </dgm:linClrLst>
+    <dgm:effectClrLst/>
+    <dgm:txLinClrLst/>
+    <dgm:txFillClrLst meth="repeat">
+      <a:schemeClr val="dk1"/>
+    </dgm:txFillClrLst>
+    <dgm:txEffectClrLst/>
+  </dgm:styleLbl>
+  <dgm:styleLbl name="conFgAcc1">
+    <dgm:fillClrLst meth="repeat">
+      <a:schemeClr val="lt1">
+        <a:alpha val="90000"/>
+      </a:schemeClr>
+    </dgm:fillClrLst>
+    <dgm:linClrLst meth="repeat">
+      <a:schemeClr val="accent1"/>
+    </dgm:linClrLst>
+    <dgm:effectClrLst/>
+    <dgm:txLinClrLst/>
+    <dgm:txFillClrLst meth="repeat">
+      <a:schemeClr val="dk1"/>
+    </dgm:txFillClrLst>
+    <dgm:txEffectClrLst/>
+  </dgm:styleLbl>
+  <dgm:styleLbl name="alignAcc1">
+    <dgm:fillClrLst meth="repeat">
+      <a:schemeClr val="lt1">
+        <a:alpha val="90000"/>
+      </a:schemeClr>
+    </dgm:fillClrLst>
+    <dgm:linClrLst meth="repeat">
+      <a:schemeClr val="accent1"/>
+    </dgm:linClrLst>
+    <dgm:effectClrLst/>
+    <dgm:txLinClrLst/>
+    <dgm:txFillClrLst meth="repeat">
+      <a:schemeClr val="dk1"/>
+    </dgm:txFillClrLst>
+    <dgm:txEffectClrLst/>
+  </dgm:styleLbl>
+  <dgm:styleLbl name="trAlignAcc1">
+    <dgm:fillClrLst meth="repeat">
+      <a:schemeClr val="lt1">
+        <a:alpha val="40000"/>
+      </a:schemeClr>
+    </dgm:fillClrLst>
+    <dgm:linClrLst meth="repeat">
+      <a:schemeClr val="accent1"/>
+    </dgm:linClrLst>
+    <dgm:effectClrLst/>
+    <dgm:txLinClrLst/>
+    <dgm:txFillClrLst meth="repeat">
+      <a:schemeClr val="dk1"/>
+    </dgm:txFillClrLst>
+    <dgm:txEffectClrLst/>
+  </dgm:styleLbl>
+  <dgm:styleLbl name="bgAcc1">
+    <dgm:fillClrLst meth="repeat">
+      <a:schemeClr val="lt1">
+        <a:alpha val="90000"/>
+      </a:schemeClr>
+    </dgm:fillClrLst>
+    <dgm:linClrLst meth="repeat">
+      <a:schemeClr val="accent1"/>
+    </dgm:linClrLst>
+    <dgm:effectClrLst/>
+    <dgm:txLinClrLst/>
+    <dgm:txFillClrLst meth="repeat">
+      <a:schemeClr val="dk1"/>
+    </dgm:txFillClrLst>
+    <dgm:txEffectClrLst/>
+  </dgm:styleLbl>
+  <dgm:styleLbl name="solidFgAcc1">
+    <dgm:fillClrLst meth="repeat">
+      <a:schemeClr val="lt1"/>
+    </dgm:fillClrLst>
+    <dgm:linClrLst meth="repeat">
+      <a:schemeClr val="accent1"/>
+    </dgm:linClrLst>
+    <dgm:effectClrLst/>
+    <dgm:txLinClrLst/>
+    <dgm:txFillClrLst meth="repeat">
+      <a:schemeClr val="dk1"/>
+    </dgm:txFillClrLst>
+    <dgm:txEffectClrLst/>
+  </dgm:styleLbl>
+  <dgm:styleLbl name="solidAlignAcc1">
+    <dgm:fillClrLst meth="repeat">
+      <a:schemeClr val="lt1"/>
+    </dgm:fillClrLst>
+    <dgm:linClrLst meth="repeat">
+      <a:schemeClr val="accent1"/>
+    </dgm:linClrLst>
+    <dgm:effectClrLst/>
+    <dgm:txLinClrLst/>
+    <dgm:txFillClrLst meth="repeat">
+      <a:schemeClr val="dk1"/>
+    </dgm:txFillClrLst>
+    <dgm:txEffectClrLst/>
+  </dgm:styleLbl>
+  <dgm:styleLbl name="solidBgAcc1">
+    <dgm:fillClrLst meth="repeat">
+      <a:schemeClr val="lt1"/>
+    </dgm:fillClrLst>
+    <dgm:linClrLst meth="repeat">
+      <a:schemeClr val="accent1"/>
+    </dgm:linClrLst>
+    <dgm:effectClrLst/>
+    <dgm:txLinClrLst/>
+    <dgm:txFillClrLst meth="repeat">
+      <a:schemeClr val="dk1"/>
+    </dgm:txFillClrLst>
+    <dgm:txEffectClrLst/>
+  </dgm:styleLbl>
+  <dgm:styleLbl name="fgAccFollowNode1">
+    <dgm:fillClrLst meth="repeat">
+      <a:schemeClr val="accent1">
+        <a:alpha val="90000"/>
+        <a:tint val="40000"/>
+      </a:schemeClr>
+    </dgm:fillClrLst>
+    <dgm:linClrLst meth="repeat">
+      <a:schemeClr val="accent1">
+        <a:alpha val="90000"/>
+        <a:tint val="40000"/>
+      </a:schemeClr>
+    </dgm:linClrLst>
+    <dgm:effectClrLst/>
+    <dgm:txLinClrLst/>
+    <dgm:txFillClrLst meth="repeat">
+      <a:schemeClr val="dk1"/>
+    </dgm:txFillClrLst>
+    <dgm:txEffectClrLst/>
+  </dgm:styleLbl>
+  <dgm:styleLbl name="alignAccFollowNode1">
+    <dgm:fillClrLst meth="repeat">
+      <a:schemeClr val="accent1">
+        <a:alpha val="90000"/>
+        <a:tint val="40000"/>
+      </a:schemeClr>
+    </dgm:fillClrLst>
+    <dgm:linClrLst meth="repeat">
+      <a:schemeClr val="accent1">
+        <a:alpha val="90000"/>
+        <a:tint val="40000"/>
+      </a:schemeClr>
+    </dgm:linClrLst>
+    <dgm:effectClrLst/>
+    <dgm:txLinClrLst/>
+    <dgm:txFillClrLst meth="repeat">
+      <a:schemeClr val="dk1"/>
+    </dgm:txFillClrLst>
+    <dgm:txEffectClrLst/>
+  </dgm:styleLbl>
+  <dgm:styleLbl name="bgAccFollowNode1">
+    <dgm:fillClrLst meth="repeat">
+      <a:schemeClr val="accent1">
+        <a:alpha val="90000"/>
+        <a:tint val="40000"/>
+      </a:schemeClr>
+    </dgm:fillClrLst>
+    <dgm:linClrLst meth="repeat">
+      <a:schemeClr val="accent1">
+        <a:alpha val="90000"/>
+        <a:tint val="40000"/>
+      </a:schemeClr>
+    </dgm:linClrLst>
+    <dgm:effectClrLst/>
+    <dgm:txLinClrLst/>
+    <dgm:txFillClrLst meth="repeat">
+      <a:schemeClr val="dk1"/>
+    </dgm:txFillClrLst>
+    <dgm:txEffectClrLst/>
+  </dgm:styleLbl>
+  <dgm:styleLbl name="fgAcc0">
+    <dgm:fillClrLst meth="repeat">
+      <a:schemeClr val="lt1">
+        <a:alpha val="90000"/>
+      </a:schemeClr>
+    </dgm:fillClrLst>
+    <dgm:linClrLst meth="repeat">
+      <a:schemeClr val="accent1"/>
+    </dgm:linClrLst>
+    <dgm:effectClrLst/>
+    <dgm:txLinClrLst/>
+    <dgm:txFillClrLst meth="repeat">
+      <a:schemeClr val="dk1"/>
+    </dgm:txFillClrLst>
+    <dgm:txEffectClrLst/>
+  </dgm:styleLbl>
+  <dgm:styleLbl name="fgAcc2">
+    <dgm:fillClrLst meth="repeat">
+      <a:schemeClr val="lt1">
+        <a:alpha val="90000"/>
+      </a:schemeClr>
+    </dgm:fillClrLst>
+    <dgm:linClrLst meth="repeat">
+      <a:schemeClr val="accent1"/>
+    </dgm:linClrLst>
+    <dgm:effectClrLst/>
+    <dgm:txLinClrLst/>
+    <dgm:txFillClrLst meth="repeat">
+      <a:schemeClr val="dk1"/>
+    </dgm:txFillClrLst>
+    <dgm:txEffectClrLst/>
+  </dgm:styleLbl>
+  <dgm:styleLbl name="fgAcc3">
+    <dgm:fillClrLst meth="repeat">
+      <a:schemeClr val="lt1">
+        <a:alpha val="90000"/>
+      </a:schemeClr>
+    </dgm:fillClrLst>
+    <dgm:linClrLst meth="repeat">
+      <a:schemeClr val="accent1"/>
+    </dgm:linClrLst>
+    <dgm:effectClrLst/>
+    <dgm:txLinClrLst/>
+    <dgm:txFillClrLst meth="repeat">
+      <a:schemeClr val="dk1"/>
+    </dgm:txFillClrLst>
+    <dgm:txEffectClrLst/>
+  </dgm:styleLbl>
+  <dgm:styleLbl name="fgAcc4">
+    <dgm:fillClrLst meth="repeat">
+      <a:schemeClr val="lt1">
+        <a:alpha val="90000"/>
+      </a:schemeClr>
+    </dgm:fillClrLst>
+    <dgm:linClrLst meth="repeat">
+      <a:schemeClr val="accent1"/>
+    </dgm:linClrLst>
+    <dgm:effectClrLst/>
+    <dgm:txLinClrLst/>
+    <dgm:txFillClrLst meth="repeat">
+      <a:schemeClr val="dk1"/>
+    </dgm:txFillClrLst>
+    <dgm:txEffectClrLst/>
+  </dgm:styleLbl>
+  <dgm:styleLbl name="bgShp">
+    <dgm:fillClrLst meth="repeat">
+      <a:schemeClr val="accent1">
+        <a:tint val="40000"/>
+      </a:schemeClr>
+    </dgm:fillClrLst>
+    <dgm:linClrLst meth="repeat">
+      <a:schemeClr val="accent1"/>
+    </dgm:linClrLst>
+    <dgm:effectClrLst/>
+    <dgm:txLinClrLst/>
+    <dgm:txFillClrLst meth="repeat">
+      <a:schemeClr val="dk1"/>
+    </dgm:txFillClrLst>
+    <dgm:txEffectClrLst/>
+  </dgm:styleLbl>
+  <dgm:styleLbl name="dkBgShp">
+    <dgm:fillClrLst meth="repeat">
+      <a:schemeClr val="accent1">
+        <a:shade val="80000"/>
+      </a:schemeClr>
+    </dgm:fillClrLst>
+    <dgm:linClrLst meth="repeat">
+      <a:schemeClr val="accent1"/>
+    </dgm:linClrLst>
+    <dgm:effectClrLst/>
+    <dgm:txLinClrLst/>
+    <dgm:txFillClrLst meth="repeat">
+      <a:schemeClr val="lt1"/>
+    </dgm:txFillClrLst>
+    <dgm:txEffectClrLst/>
+  </dgm:styleLbl>
+  <dgm:styleLbl name="trBgShp">
+    <dgm:fillClrLst meth="repeat">
+      <a:schemeClr val="accent1">
+        <a:tint val="50000"/>
+        <a:alpha val="40000"/>
+      </a:schemeClr>
+    </dgm:fillClrLst>
+    <dgm:linClrLst meth="repeat">
+      <a:schemeClr val="accent1"/>
+    </dgm:linClrLst>
+    <dgm:effectClrLst/>
+    <dgm:txLinClrLst/>
+    <dgm:txFillClrLst meth="repeat">
+      <a:schemeClr val="lt1"/>
+    </dgm:txFillClrLst>
+    <dgm:txEffectClrLst/>
+  </dgm:styleLbl>
+  <dgm:styleLbl name="fgShp">
+    <dgm:fillClrLst meth="repeat">
+      <a:schemeClr val="accent1">
+        <a:tint val="60000"/>
+      </a:schemeClr>
+    </dgm:fillClrLst>
+    <dgm:linClrLst meth="repeat">
+      <a:schemeClr val="lt1"/>
+    </dgm:linClrLst>
+    <dgm:effectClrLst/>
+    <dgm:txLinClrLst/>
+    <dgm:txFillClrLst meth="repeat">
+      <a:schemeClr val="dk1"/>
+    </dgm:txFillClrLst>
+    <dgm:txEffectClrLst/>
+  </dgm:styleLbl>
+  <dgm:styleLbl name="revTx">
+    <dgm:fillClrLst meth="repeat">
+      <a:schemeClr val="lt1">
+        <a:alpha val="0"/>
+      </a:schemeClr>
+    </dgm:fillClrLst>
+    <dgm:linClrLst meth="repeat">
+      <a:schemeClr val="dk1">
+        <a:alpha val="0"/>
+      </a:schemeClr>
+    </dgm:linClrLst>
+    <dgm:effectClrLst/>
+    <dgm:txLinClrLst/>
+    <dgm:txFillClrLst meth="repeat">
+      <a:schemeClr val="tx1"/>
+    </dgm:txFillClrLst>
+    <dgm:txEffectClrLst/>
+  </dgm:styleLbl>
+</dgm:colorsDef>
+</file>
+
+<file path=ppt/diagrams/colors3.xml><?xml version="1.0" encoding="utf-8"?>
 <dgm:colorsDef xmlns:dgm="http://schemas.openxmlformats.org/drawingml/2006/diagram" xmlns:a="http://schemas.openxmlformats.org/drawingml/2006/main" uniqueId="urn:microsoft.com/office/officeart/2005/8/colors/accent1_2">
   <dgm:title val=""/>
   <dgm:desc val=""/>
@@ -1220,6 +2716,1406 @@
     <dgm:cxn modelId="{FBB88D46-0374-48CC-A29F-BE10FA3A2EC0}" type="presParOf" srcId="{225E4BFE-4856-4B6D-9C0E-79DC14D9FCE4}" destId="{3ECAAA78-01BA-4B88-98DB-D45DA090A444}" srcOrd="8" destOrd="0" presId="urn:microsoft.com/office/officeart/2005/8/layout/vList2"/>
     <dgm:cxn modelId="{65F74DE4-42E7-45E0-BECC-ECE5C89C691C}" type="presParOf" srcId="{225E4BFE-4856-4B6D-9C0E-79DC14D9FCE4}" destId="{4F0B950A-0637-45AE-ADA4-7AA2B05C5CD5}" srcOrd="9" destOrd="0" presId="urn:microsoft.com/office/officeart/2005/8/layout/vList2"/>
     <dgm:cxn modelId="{AD60BC77-2BC3-4D66-9FA9-7330C2DC4182}" type="presParOf" srcId="{225E4BFE-4856-4B6D-9C0E-79DC14D9FCE4}" destId="{453A0209-079A-448B-A2D9-45D34A1A1E28}" srcOrd="10" destOrd="0" presId="urn:microsoft.com/office/officeart/2005/8/layout/vList2"/>
+  </dgm:cxnLst>
+  <dgm:bg/>
+  <dgm:whole/>
+  <dgm:extLst>
+    <a:ext uri="http://schemas.microsoft.com/office/drawing/2008/diagram">
+      <dsp:dataModelExt xmlns:dsp="http://schemas.microsoft.com/office/drawing/2008/diagram" relId="rId6" minVer="http://schemas.openxmlformats.org/drawingml/2006/diagram"/>
+    </a:ext>
+  </dgm:extLst>
+</dgm:dataModel>
+</file>
+
+<file path=ppt/diagrams/data2.xml><?xml version="1.0" encoding="utf-8"?>
+<dgm:dataModel xmlns:dgm="http://schemas.openxmlformats.org/drawingml/2006/diagram" xmlns:a="http://schemas.openxmlformats.org/drawingml/2006/main">
+  <dgm:ptLst>
+    <dgm:pt modelId="{DBCD91CC-5BB3-4DBF-B41C-2B6D3FD4EF59}" type="doc">
+      <dgm:prSet loTypeId="urn:microsoft.com/office/officeart/2005/8/layout/vList2" loCatId="list" qsTypeId="urn:microsoft.com/office/officeart/2005/8/quickstyle/simple1" qsCatId="simple" csTypeId="urn:microsoft.com/office/officeart/2005/8/colors/accent1_2" csCatId="accent1" phldr="1"/>
+      <dgm:spPr/>
+      <dgm:t>
+        <a:bodyPr/>
+        <a:lstStyle/>
+        <a:p>
+          <a:endParaRPr lang="fr-FR"/>
+        </a:p>
+      </dgm:t>
+    </dgm:pt>
+    <dgm:pt modelId="{782E82DD-93D0-49D6-AF4C-36B07D7600D1}">
+      <dgm:prSet/>
+      <dgm:spPr/>
+      <dgm:t>
+        <a:bodyPr/>
+        <a:lstStyle/>
+        <a:p>
+          <a:r>
+            <a:rPr lang="en-US" b="1" i="0" dirty="0"/>
+            <a:t>Build-Measure-Learn</a:t>
+          </a:r>
+          <a:r>
+            <a:rPr lang="en-US" b="0" i="0" dirty="0"/>
+            <a:t>: Create, measure, and learn from your product quickly.</a:t>
+          </a:r>
+          <a:endParaRPr lang="fr-FR" dirty="0"/>
+        </a:p>
+      </dgm:t>
+    </dgm:pt>
+    <dgm:pt modelId="{1B6E485F-AD00-45D5-9DD1-79EA74D38739}" type="parTrans" cxnId="{6DE25601-88DA-4CE5-AA0A-1368C65C2B51}">
+      <dgm:prSet/>
+      <dgm:spPr/>
+      <dgm:t>
+        <a:bodyPr/>
+        <a:lstStyle/>
+        <a:p>
+          <a:endParaRPr lang="fr-FR"/>
+        </a:p>
+      </dgm:t>
+    </dgm:pt>
+    <dgm:pt modelId="{4B92356D-DA8E-421A-B2BC-F75EC179B4F8}" type="sibTrans" cxnId="{6DE25601-88DA-4CE5-AA0A-1368C65C2B51}">
+      <dgm:prSet/>
+      <dgm:spPr/>
+      <dgm:t>
+        <a:bodyPr/>
+        <a:lstStyle/>
+        <a:p>
+          <a:endParaRPr lang="fr-FR"/>
+        </a:p>
+      </dgm:t>
+    </dgm:pt>
+    <dgm:pt modelId="{62F65C05-3E7F-4F7D-947F-1317A0B3ADA6}">
+      <dgm:prSet/>
+      <dgm:spPr/>
+      <dgm:t>
+        <a:bodyPr/>
+        <a:lstStyle/>
+        <a:p>
+          <a:pPr>
+            <a:buFont typeface="+mj-lt"/>
+            <a:buAutoNum type="arabicPeriod"/>
+          </a:pPr>
+          <a:r>
+            <a:rPr lang="en-US" b="1" i="0"/>
+            <a:t>Validated Learning</a:t>
+          </a:r>
+          <a:r>
+            <a:rPr lang="en-US" b="0" i="0"/>
+            <a:t>: Focus on data that proves or disproves your assumptions.</a:t>
+          </a:r>
+        </a:p>
+      </dgm:t>
+    </dgm:pt>
+    <dgm:pt modelId="{A1EBDC7E-24CE-4059-B8AD-04F6354C5712}" type="parTrans" cxnId="{C6C44204-C09A-4F85-8A0A-D92FFA1F3A6C}">
+      <dgm:prSet/>
+      <dgm:spPr/>
+      <dgm:t>
+        <a:bodyPr/>
+        <a:lstStyle/>
+        <a:p>
+          <a:endParaRPr lang="fr-FR"/>
+        </a:p>
+      </dgm:t>
+    </dgm:pt>
+    <dgm:pt modelId="{7F0C4502-3E17-47A9-BA9E-7335ECF9A22E}" type="sibTrans" cxnId="{C6C44204-C09A-4F85-8A0A-D92FFA1F3A6C}">
+      <dgm:prSet/>
+      <dgm:spPr/>
+      <dgm:t>
+        <a:bodyPr/>
+        <a:lstStyle/>
+        <a:p>
+          <a:endParaRPr lang="fr-FR"/>
+        </a:p>
+      </dgm:t>
+    </dgm:pt>
+    <dgm:pt modelId="{96D447D4-3DA9-4ACC-8410-BC4344AC6A26}">
+      <dgm:prSet/>
+      <dgm:spPr/>
+      <dgm:t>
+        <a:bodyPr/>
+        <a:lstStyle/>
+        <a:p>
+          <a:pPr>
+            <a:buFont typeface="+mj-lt"/>
+            <a:buAutoNum type="arabicPeriod"/>
+          </a:pPr>
+          <a:r>
+            <a:rPr lang="en-US" b="1" i="0"/>
+            <a:t>Pivot and Persevere</a:t>
+          </a:r>
+          <a:r>
+            <a:rPr lang="en-US" b="0" i="0"/>
+            <a:t>: Be ready to change or stick with your core idea based on data.</a:t>
+          </a:r>
+        </a:p>
+      </dgm:t>
+    </dgm:pt>
+    <dgm:pt modelId="{EB7714C3-A2F8-41DD-A92A-BCD3790909C9}" type="parTrans" cxnId="{064FA992-DA0E-4948-8584-63ACBB760E58}">
+      <dgm:prSet/>
+      <dgm:spPr/>
+      <dgm:t>
+        <a:bodyPr/>
+        <a:lstStyle/>
+        <a:p>
+          <a:endParaRPr lang="fr-FR"/>
+        </a:p>
+      </dgm:t>
+    </dgm:pt>
+    <dgm:pt modelId="{1BA544BB-8FE8-4F13-8489-1733DA9F610B}" type="sibTrans" cxnId="{064FA992-DA0E-4948-8584-63ACBB760E58}">
+      <dgm:prSet/>
+      <dgm:spPr/>
+      <dgm:t>
+        <a:bodyPr/>
+        <a:lstStyle/>
+        <a:p>
+          <a:endParaRPr lang="fr-FR"/>
+        </a:p>
+      </dgm:t>
+    </dgm:pt>
+    <dgm:pt modelId="{517265BD-BFD7-41FC-9F46-D400845CDFC4}">
+      <dgm:prSet/>
+      <dgm:spPr/>
+      <dgm:t>
+        <a:bodyPr/>
+        <a:lstStyle/>
+        <a:p>
+          <a:pPr>
+            <a:buFont typeface="+mj-lt"/>
+            <a:buAutoNum type="arabicPeriod"/>
+          </a:pPr>
+          <a:r>
+            <a:rPr lang="en-US" b="1" i="0"/>
+            <a:t>MVP Development</a:t>
+          </a:r>
+          <a:r>
+            <a:rPr lang="en-US" b="0" i="0"/>
+            <a:t>: Start with a minimal product for testing your core hypotheses.</a:t>
+          </a:r>
+        </a:p>
+      </dgm:t>
+    </dgm:pt>
+    <dgm:pt modelId="{02C811F4-EAF0-4C50-829F-F41B90F8CFCF}" type="parTrans" cxnId="{ACE3526C-0AE2-4225-8526-B67C1A7189F1}">
+      <dgm:prSet/>
+      <dgm:spPr/>
+      <dgm:t>
+        <a:bodyPr/>
+        <a:lstStyle/>
+        <a:p>
+          <a:endParaRPr lang="fr-FR"/>
+        </a:p>
+      </dgm:t>
+    </dgm:pt>
+    <dgm:pt modelId="{98800CBF-AB18-47EF-8874-EC38C7D7BFF4}" type="sibTrans" cxnId="{ACE3526C-0AE2-4225-8526-B67C1A7189F1}">
+      <dgm:prSet/>
+      <dgm:spPr/>
+      <dgm:t>
+        <a:bodyPr/>
+        <a:lstStyle/>
+        <a:p>
+          <a:endParaRPr lang="fr-FR"/>
+        </a:p>
+      </dgm:t>
+    </dgm:pt>
+    <dgm:pt modelId="{14882CDC-2D22-4AD8-8098-9F3B3B3F19C7}">
+      <dgm:prSet/>
+      <dgm:spPr/>
+      <dgm:t>
+        <a:bodyPr/>
+        <a:lstStyle/>
+        <a:p>
+          <a:pPr>
+            <a:buFont typeface="+mj-lt"/>
+            <a:buAutoNum type="arabicPeriod"/>
+          </a:pPr>
+          <a:r>
+            <a:rPr lang="en-US" b="1" i="0"/>
+            <a:t>Customer Development</a:t>
+          </a:r>
+          <a:r>
+            <a:rPr lang="en-US" b="0" i="0"/>
+            <a:t>: Engage with customers to understand their needs.</a:t>
+          </a:r>
+        </a:p>
+      </dgm:t>
+    </dgm:pt>
+    <dgm:pt modelId="{2D2C42D9-B5DC-4FF5-A8DD-991B9AA5D947}" type="parTrans" cxnId="{789BA281-43AA-4804-8AB9-3C11984F615A}">
+      <dgm:prSet/>
+      <dgm:spPr/>
+      <dgm:t>
+        <a:bodyPr/>
+        <a:lstStyle/>
+        <a:p>
+          <a:endParaRPr lang="fr-FR"/>
+        </a:p>
+      </dgm:t>
+    </dgm:pt>
+    <dgm:pt modelId="{4965DDA2-1401-4274-ADB6-637D77B305B7}" type="sibTrans" cxnId="{789BA281-43AA-4804-8AB9-3C11984F615A}">
+      <dgm:prSet/>
+      <dgm:spPr/>
+      <dgm:t>
+        <a:bodyPr/>
+        <a:lstStyle/>
+        <a:p>
+          <a:endParaRPr lang="fr-FR"/>
+        </a:p>
+      </dgm:t>
+    </dgm:pt>
+    <dgm:pt modelId="{CC4FBD42-7198-4A73-9D49-EFD3707D4679}">
+      <dgm:prSet/>
+      <dgm:spPr/>
+      <dgm:t>
+        <a:bodyPr/>
+        <a:lstStyle/>
+        <a:p>
+          <a:pPr>
+            <a:buFont typeface="+mj-lt"/>
+            <a:buAutoNum type="arabicPeriod"/>
+          </a:pPr>
+          <a:r>
+            <a:rPr lang="en-US" b="1" i="0"/>
+            <a:t>Continuous Deployment</a:t>
+          </a:r>
+          <a:r>
+            <a:rPr lang="en-US" b="0" i="0"/>
+            <a:t>: Iterate rapidly with continuous updates.</a:t>
+          </a:r>
+        </a:p>
+      </dgm:t>
+    </dgm:pt>
+    <dgm:pt modelId="{BE474F6E-CBA7-405C-9157-D1650E1B6A43}" type="parTrans" cxnId="{84F65AAA-7320-4A1A-9176-D624F8561894}">
+      <dgm:prSet/>
+      <dgm:spPr/>
+      <dgm:t>
+        <a:bodyPr/>
+        <a:lstStyle/>
+        <a:p>
+          <a:endParaRPr lang="fr-FR"/>
+        </a:p>
+      </dgm:t>
+    </dgm:pt>
+    <dgm:pt modelId="{5F57144A-F23A-4C98-9076-ECD49A2A0B92}" type="sibTrans" cxnId="{84F65AAA-7320-4A1A-9176-D624F8561894}">
+      <dgm:prSet/>
+      <dgm:spPr/>
+      <dgm:t>
+        <a:bodyPr/>
+        <a:lstStyle/>
+        <a:p>
+          <a:endParaRPr lang="fr-FR"/>
+        </a:p>
+      </dgm:t>
+    </dgm:pt>
+    <dgm:pt modelId="{0FE4BD94-7527-4754-86E5-24B27E24F98F}">
+      <dgm:prSet/>
+      <dgm:spPr/>
+      <dgm:t>
+        <a:bodyPr/>
+        <a:lstStyle/>
+        <a:p>
+          <a:pPr>
+            <a:buFont typeface="+mj-lt"/>
+            <a:buAutoNum type="arabicPeriod"/>
+          </a:pPr>
+          <a:r>
+            <a:rPr lang="en-US" b="1" i="0"/>
+            <a:t>Actionable Metrics</a:t>
+          </a:r>
+          <a:r>
+            <a:rPr lang="en-US" b="0" i="0"/>
+            <a:t>: Prioritize metrics that inform your decisions.</a:t>
+          </a:r>
+        </a:p>
+      </dgm:t>
+    </dgm:pt>
+    <dgm:pt modelId="{76F32FF0-EB31-45FF-984E-D71E16EBD2DD}" type="parTrans" cxnId="{25822D29-B456-4B3E-8350-288984F455ED}">
+      <dgm:prSet/>
+      <dgm:spPr/>
+      <dgm:t>
+        <a:bodyPr/>
+        <a:lstStyle/>
+        <a:p>
+          <a:endParaRPr lang="fr-FR"/>
+        </a:p>
+      </dgm:t>
+    </dgm:pt>
+    <dgm:pt modelId="{FFE358B3-3473-496A-B780-8EDC3ADD9478}" type="sibTrans" cxnId="{25822D29-B456-4B3E-8350-288984F455ED}">
+      <dgm:prSet/>
+      <dgm:spPr/>
+      <dgm:t>
+        <a:bodyPr/>
+        <a:lstStyle/>
+        <a:p>
+          <a:endParaRPr lang="fr-FR"/>
+        </a:p>
+      </dgm:t>
+    </dgm:pt>
+    <dgm:pt modelId="{CCB015D9-E98A-46E1-B33A-0A5E7F8A5604}">
+      <dgm:prSet/>
+      <dgm:spPr/>
+      <dgm:t>
+        <a:bodyPr/>
+        <a:lstStyle/>
+        <a:p>
+          <a:pPr>
+            <a:buFont typeface="+mj-lt"/>
+            <a:buAutoNum type="arabicPeriod"/>
+          </a:pPr>
+          <a:r>
+            <a:rPr lang="en-US" b="1" i="0"/>
+            <a:t>Lean Thinking</a:t>
+          </a:r>
+          <a:r>
+            <a:rPr lang="en-US" b="0" i="0"/>
+            <a:t>: Apply lean principles to eliminate waste and create value.</a:t>
+          </a:r>
+        </a:p>
+      </dgm:t>
+    </dgm:pt>
+    <dgm:pt modelId="{EFB3C424-92B4-4262-B261-005C362737B5}" type="parTrans" cxnId="{DFA9F15F-09E8-4FBB-B6D5-8EB81FD13D47}">
+      <dgm:prSet/>
+      <dgm:spPr/>
+      <dgm:t>
+        <a:bodyPr/>
+        <a:lstStyle/>
+        <a:p>
+          <a:endParaRPr lang="fr-FR"/>
+        </a:p>
+      </dgm:t>
+    </dgm:pt>
+    <dgm:pt modelId="{EAAEA131-7859-41E6-9C65-28F48210FE3E}" type="sibTrans" cxnId="{DFA9F15F-09E8-4FBB-B6D5-8EB81FD13D47}">
+      <dgm:prSet/>
+      <dgm:spPr/>
+      <dgm:t>
+        <a:bodyPr/>
+        <a:lstStyle/>
+        <a:p>
+          <a:endParaRPr lang="fr-FR"/>
+        </a:p>
+      </dgm:t>
+    </dgm:pt>
+    <dgm:pt modelId="{1D2387CA-A276-45EF-9712-D912F14B6B35}">
+      <dgm:prSet/>
+      <dgm:spPr/>
+      <dgm:t>
+        <a:bodyPr/>
+        <a:lstStyle/>
+        <a:p>
+          <a:pPr>
+            <a:buFont typeface="+mj-lt"/>
+            <a:buAutoNum type="arabicPeriod"/>
+          </a:pPr>
+          <a:r>
+            <a:rPr lang="en-US" b="1" i="0"/>
+            <a:t>Innovative Accounting</a:t>
+          </a:r>
+          <a:r>
+            <a:rPr lang="en-US" b="0" i="0"/>
+            <a:t>: Develop unique accounting practices for startups.</a:t>
+          </a:r>
+        </a:p>
+      </dgm:t>
+    </dgm:pt>
+    <dgm:pt modelId="{903AED33-3389-49FE-B67F-FB1B8C612AF3}" type="parTrans" cxnId="{00A3286C-7B78-492A-B1E0-7B421C8D1DB5}">
+      <dgm:prSet/>
+      <dgm:spPr/>
+      <dgm:t>
+        <a:bodyPr/>
+        <a:lstStyle/>
+        <a:p>
+          <a:endParaRPr lang="fr-FR"/>
+        </a:p>
+      </dgm:t>
+    </dgm:pt>
+    <dgm:pt modelId="{2E84D0D2-E70C-484E-9630-FE170854BADF}" type="sibTrans" cxnId="{00A3286C-7B78-492A-B1E0-7B421C8D1DB5}">
+      <dgm:prSet/>
+      <dgm:spPr/>
+      <dgm:t>
+        <a:bodyPr/>
+        <a:lstStyle/>
+        <a:p>
+          <a:endParaRPr lang="fr-FR"/>
+        </a:p>
+      </dgm:t>
+    </dgm:pt>
+    <dgm:pt modelId="{792F4B3C-DDDC-4863-A4EA-427322651AD7}">
+      <dgm:prSet/>
+      <dgm:spPr/>
+      <dgm:t>
+        <a:bodyPr/>
+        <a:lstStyle/>
+        <a:p>
+          <a:pPr>
+            <a:buFont typeface="+mj-lt"/>
+            <a:buAutoNum type="arabicPeriod"/>
+          </a:pPr>
+          <a:r>
+            <a:rPr lang="en-US" b="1" i="0"/>
+            <a:t>Split Testing</a:t>
+          </a:r>
+          <a:r>
+            <a:rPr lang="en-US" b="0" i="0"/>
+            <a:t>: Experiment with different features and marketing strategies.</a:t>
+          </a:r>
+        </a:p>
+      </dgm:t>
+    </dgm:pt>
+    <dgm:pt modelId="{349F9988-41C3-4AB8-8F62-53CC24EF9B44}" type="parTrans" cxnId="{16B18B96-806E-4676-8EF3-7B7BD280309D}">
+      <dgm:prSet/>
+      <dgm:spPr/>
+      <dgm:t>
+        <a:bodyPr/>
+        <a:lstStyle/>
+        <a:p>
+          <a:endParaRPr lang="fr-FR"/>
+        </a:p>
+      </dgm:t>
+    </dgm:pt>
+    <dgm:pt modelId="{BB44A113-60EC-4702-85C5-0A8C654C2AE4}" type="sibTrans" cxnId="{16B18B96-806E-4676-8EF3-7B7BD280309D}">
+      <dgm:prSet/>
+      <dgm:spPr/>
+      <dgm:t>
+        <a:bodyPr/>
+        <a:lstStyle/>
+        <a:p>
+          <a:endParaRPr lang="fr-FR"/>
+        </a:p>
+      </dgm:t>
+    </dgm:pt>
+    <dgm:pt modelId="{5ABFE2F8-D163-4046-99CF-510E0F4AAB7F}">
+      <dgm:prSet/>
+      <dgm:spPr/>
+      <dgm:t>
+        <a:bodyPr/>
+        <a:lstStyle/>
+        <a:p>
+          <a:pPr>
+            <a:buFont typeface="+mj-lt"/>
+            <a:buAutoNum type="arabicPeriod"/>
+          </a:pPr>
+          <a:r>
+            <a:rPr lang="en-US" b="1" i="0"/>
+            <a:t>The Three Engines</a:t>
+          </a:r>
+          <a:r>
+            <a:rPr lang="en-US" b="0" i="0"/>
+            <a:t>: Explore viral, sticky, and paid growth strategies.</a:t>
+          </a:r>
+        </a:p>
+      </dgm:t>
+    </dgm:pt>
+    <dgm:pt modelId="{2F1D67D7-6AA3-4F38-88D6-C6622A5AC89B}" type="parTrans" cxnId="{8354B59C-5376-446B-995B-55777309086E}">
+      <dgm:prSet/>
+      <dgm:spPr/>
+      <dgm:t>
+        <a:bodyPr/>
+        <a:lstStyle/>
+        <a:p>
+          <a:endParaRPr lang="fr-FR"/>
+        </a:p>
+      </dgm:t>
+    </dgm:pt>
+    <dgm:pt modelId="{DBF4EC9C-2115-4153-9C3F-82C07888E54D}" type="sibTrans" cxnId="{8354B59C-5376-446B-995B-55777309086E}">
+      <dgm:prSet/>
+      <dgm:spPr/>
+      <dgm:t>
+        <a:bodyPr/>
+        <a:lstStyle/>
+        <a:p>
+          <a:endParaRPr lang="fr-FR"/>
+        </a:p>
+      </dgm:t>
+    </dgm:pt>
+    <dgm:pt modelId="{225E4BFE-4856-4B6D-9C0E-79DC14D9FCE4}" type="pres">
+      <dgm:prSet presAssocID="{DBCD91CC-5BB3-4DBF-B41C-2B6D3FD4EF59}" presName="linear" presStyleCnt="0">
+        <dgm:presLayoutVars>
+          <dgm:animLvl val="lvl"/>
+          <dgm:resizeHandles val="exact"/>
+        </dgm:presLayoutVars>
+      </dgm:prSet>
+      <dgm:spPr/>
+    </dgm:pt>
+    <dgm:pt modelId="{9F72998D-FE9A-44AE-AC04-AB345C0AFAF4}" type="pres">
+      <dgm:prSet presAssocID="{782E82DD-93D0-49D6-AF4C-36B07D7600D1}" presName="parentText" presStyleLbl="node1" presStyleIdx="0" presStyleCnt="11">
+        <dgm:presLayoutVars>
+          <dgm:chMax val="0"/>
+          <dgm:bulletEnabled val="1"/>
+        </dgm:presLayoutVars>
+      </dgm:prSet>
+      <dgm:spPr/>
+    </dgm:pt>
+    <dgm:pt modelId="{9CDB014E-6676-4D4A-BA9D-5DD4FBF924EB}" type="pres">
+      <dgm:prSet presAssocID="{4B92356D-DA8E-421A-B2BC-F75EC179B4F8}" presName="spacer" presStyleCnt="0"/>
+      <dgm:spPr/>
+    </dgm:pt>
+    <dgm:pt modelId="{F2D1D1BA-8867-4D38-91D2-03C8E404C398}" type="pres">
+      <dgm:prSet presAssocID="{62F65C05-3E7F-4F7D-947F-1317A0B3ADA6}" presName="parentText" presStyleLbl="node1" presStyleIdx="1" presStyleCnt="11">
+        <dgm:presLayoutVars>
+          <dgm:chMax val="0"/>
+          <dgm:bulletEnabled val="1"/>
+        </dgm:presLayoutVars>
+      </dgm:prSet>
+      <dgm:spPr/>
+    </dgm:pt>
+    <dgm:pt modelId="{D7FE0F8F-08BD-4C1A-9FFA-875CCF2C92FE}" type="pres">
+      <dgm:prSet presAssocID="{7F0C4502-3E17-47A9-BA9E-7335ECF9A22E}" presName="spacer" presStyleCnt="0"/>
+      <dgm:spPr/>
+    </dgm:pt>
+    <dgm:pt modelId="{E299AD32-C287-4B56-B8F4-23A37111C286}" type="pres">
+      <dgm:prSet presAssocID="{96D447D4-3DA9-4ACC-8410-BC4344AC6A26}" presName="parentText" presStyleLbl="node1" presStyleIdx="2" presStyleCnt="11">
+        <dgm:presLayoutVars>
+          <dgm:chMax val="0"/>
+          <dgm:bulletEnabled val="1"/>
+        </dgm:presLayoutVars>
+      </dgm:prSet>
+      <dgm:spPr/>
+    </dgm:pt>
+    <dgm:pt modelId="{DC305EE6-CA06-4785-91E9-99E1AE2769BC}" type="pres">
+      <dgm:prSet presAssocID="{1BA544BB-8FE8-4F13-8489-1733DA9F610B}" presName="spacer" presStyleCnt="0"/>
+      <dgm:spPr/>
+    </dgm:pt>
+    <dgm:pt modelId="{C3B36853-1203-460F-8C42-DF8D405B1A40}" type="pres">
+      <dgm:prSet presAssocID="{517265BD-BFD7-41FC-9F46-D400845CDFC4}" presName="parentText" presStyleLbl="node1" presStyleIdx="3" presStyleCnt="11">
+        <dgm:presLayoutVars>
+          <dgm:chMax val="0"/>
+          <dgm:bulletEnabled val="1"/>
+        </dgm:presLayoutVars>
+      </dgm:prSet>
+      <dgm:spPr/>
+    </dgm:pt>
+    <dgm:pt modelId="{9A87BE62-349E-451C-A614-A32C6C5159D1}" type="pres">
+      <dgm:prSet presAssocID="{98800CBF-AB18-47EF-8874-EC38C7D7BFF4}" presName="spacer" presStyleCnt="0"/>
+      <dgm:spPr/>
+    </dgm:pt>
+    <dgm:pt modelId="{95C2098A-0161-4F16-957B-21FCAEAAE3DF}" type="pres">
+      <dgm:prSet presAssocID="{14882CDC-2D22-4AD8-8098-9F3B3B3F19C7}" presName="parentText" presStyleLbl="node1" presStyleIdx="4" presStyleCnt="11">
+        <dgm:presLayoutVars>
+          <dgm:chMax val="0"/>
+          <dgm:bulletEnabled val="1"/>
+        </dgm:presLayoutVars>
+      </dgm:prSet>
+      <dgm:spPr/>
+    </dgm:pt>
+    <dgm:pt modelId="{BE7703D6-0CCC-427F-A92C-3568BF30907F}" type="pres">
+      <dgm:prSet presAssocID="{4965DDA2-1401-4274-ADB6-637D77B305B7}" presName="spacer" presStyleCnt="0"/>
+      <dgm:spPr/>
+    </dgm:pt>
+    <dgm:pt modelId="{22885CD5-15FE-4355-8B5A-D072F7CF9275}" type="pres">
+      <dgm:prSet presAssocID="{CC4FBD42-7198-4A73-9D49-EFD3707D4679}" presName="parentText" presStyleLbl="node1" presStyleIdx="5" presStyleCnt="11">
+        <dgm:presLayoutVars>
+          <dgm:chMax val="0"/>
+          <dgm:bulletEnabled val="1"/>
+        </dgm:presLayoutVars>
+      </dgm:prSet>
+      <dgm:spPr/>
+    </dgm:pt>
+    <dgm:pt modelId="{C75D8E6A-AED3-4767-AE41-64FFC28C54C3}" type="pres">
+      <dgm:prSet presAssocID="{5F57144A-F23A-4C98-9076-ECD49A2A0B92}" presName="spacer" presStyleCnt="0"/>
+      <dgm:spPr/>
+    </dgm:pt>
+    <dgm:pt modelId="{F06063E1-14AF-4349-831E-7C7FDEE9A7FE}" type="pres">
+      <dgm:prSet presAssocID="{0FE4BD94-7527-4754-86E5-24B27E24F98F}" presName="parentText" presStyleLbl="node1" presStyleIdx="6" presStyleCnt="11">
+        <dgm:presLayoutVars>
+          <dgm:chMax val="0"/>
+          <dgm:bulletEnabled val="1"/>
+        </dgm:presLayoutVars>
+      </dgm:prSet>
+      <dgm:spPr/>
+    </dgm:pt>
+    <dgm:pt modelId="{9F347484-4290-4E60-A1DB-E7AD107483AF}" type="pres">
+      <dgm:prSet presAssocID="{FFE358B3-3473-496A-B780-8EDC3ADD9478}" presName="spacer" presStyleCnt="0"/>
+      <dgm:spPr/>
+    </dgm:pt>
+    <dgm:pt modelId="{CC9A9652-5FD0-48A4-88AA-4C289BFFA85D}" type="pres">
+      <dgm:prSet presAssocID="{CCB015D9-E98A-46E1-B33A-0A5E7F8A5604}" presName="parentText" presStyleLbl="node1" presStyleIdx="7" presStyleCnt="11">
+        <dgm:presLayoutVars>
+          <dgm:chMax val="0"/>
+          <dgm:bulletEnabled val="1"/>
+        </dgm:presLayoutVars>
+      </dgm:prSet>
+      <dgm:spPr/>
+    </dgm:pt>
+    <dgm:pt modelId="{1DBEAADD-91BE-4CDC-8935-8DAA2EF5A9FA}" type="pres">
+      <dgm:prSet presAssocID="{EAAEA131-7859-41E6-9C65-28F48210FE3E}" presName="spacer" presStyleCnt="0"/>
+      <dgm:spPr/>
+    </dgm:pt>
+    <dgm:pt modelId="{B5C7E68A-A31C-47DF-BD5D-9693CFE9CF7C}" type="pres">
+      <dgm:prSet presAssocID="{1D2387CA-A276-45EF-9712-D912F14B6B35}" presName="parentText" presStyleLbl="node1" presStyleIdx="8" presStyleCnt="11">
+        <dgm:presLayoutVars>
+          <dgm:chMax val="0"/>
+          <dgm:bulletEnabled val="1"/>
+        </dgm:presLayoutVars>
+      </dgm:prSet>
+      <dgm:spPr/>
+    </dgm:pt>
+    <dgm:pt modelId="{C823D139-A3AF-4F91-B3CA-C96B5BE43B35}" type="pres">
+      <dgm:prSet presAssocID="{2E84D0D2-E70C-484E-9630-FE170854BADF}" presName="spacer" presStyleCnt="0"/>
+      <dgm:spPr/>
+    </dgm:pt>
+    <dgm:pt modelId="{A152CB62-C9BC-4C16-8E1A-ED38CA6C9FC3}" type="pres">
+      <dgm:prSet presAssocID="{792F4B3C-DDDC-4863-A4EA-427322651AD7}" presName="parentText" presStyleLbl="node1" presStyleIdx="9" presStyleCnt="11">
+        <dgm:presLayoutVars>
+          <dgm:chMax val="0"/>
+          <dgm:bulletEnabled val="1"/>
+        </dgm:presLayoutVars>
+      </dgm:prSet>
+      <dgm:spPr/>
+    </dgm:pt>
+    <dgm:pt modelId="{AEC00BC5-7790-4790-958A-88B90D74612B}" type="pres">
+      <dgm:prSet presAssocID="{BB44A113-60EC-4702-85C5-0A8C654C2AE4}" presName="spacer" presStyleCnt="0"/>
+      <dgm:spPr/>
+    </dgm:pt>
+    <dgm:pt modelId="{00A5F823-2D53-4822-AA18-EC093F158C32}" type="pres">
+      <dgm:prSet presAssocID="{5ABFE2F8-D163-4046-99CF-510E0F4AAB7F}" presName="parentText" presStyleLbl="node1" presStyleIdx="10" presStyleCnt="11">
+        <dgm:presLayoutVars>
+          <dgm:chMax val="0"/>
+          <dgm:bulletEnabled val="1"/>
+        </dgm:presLayoutVars>
+      </dgm:prSet>
+      <dgm:spPr/>
+    </dgm:pt>
+  </dgm:ptLst>
+  <dgm:cxnLst>
+    <dgm:cxn modelId="{28611700-BA23-4741-A582-D315FAF35748}" type="presOf" srcId="{DBCD91CC-5BB3-4DBF-B41C-2B6D3FD4EF59}" destId="{225E4BFE-4856-4B6D-9C0E-79DC14D9FCE4}" srcOrd="0" destOrd="0" presId="urn:microsoft.com/office/officeart/2005/8/layout/vList2"/>
+    <dgm:cxn modelId="{6DE25601-88DA-4CE5-AA0A-1368C65C2B51}" srcId="{DBCD91CC-5BB3-4DBF-B41C-2B6D3FD4EF59}" destId="{782E82DD-93D0-49D6-AF4C-36B07D7600D1}" srcOrd="0" destOrd="0" parTransId="{1B6E485F-AD00-45D5-9DD1-79EA74D38739}" sibTransId="{4B92356D-DA8E-421A-B2BC-F75EC179B4F8}"/>
+    <dgm:cxn modelId="{C6C44204-C09A-4F85-8A0A-D92FFA1F3A6C}" srcId="{DBCD91CC-5BB3-4DBF-B41C-2B6D3FD4EF59}" destId="{62F65C05-3E7F-4F7D-947F-1317A0B3ADA6}" srcOrd="1" destOrd="0" parTransId="{A1EBDC7E-24CE-4059-B8AD-04F6354C5712}" sibTransId="{7F0C4502-3E17-47A9-BA9E-7335ECF9A22E}"/>
+    <dgm:cxn modelId="{25822D29-B456-4B3E-8350-288984F455ED}" srcId="{DBCD91CC-5BB3-4DBF-B41C-2B6D3FD4EF59}" destId="{0FE4BD94-7527-4754-86E5-24B27E24F98F}" srcOrd="6" destOrd="0" parTransId="{76F32FF0-EB31-45FF-984E-D71E16EBD2DD}" sibTransId="{FFE358B3-3473-496A-B780-8EDC3ADD9478}"/>
+    <dgm:cxn modelId="{6F53FC33-1C86-4C7A-9676-A17A6A8B6D2B}" type="presOf" srcId="{517265BD-BFD7-41FC-9F46-D400845CDFC4}" destId="{C3B36853-1203-460F-8C42-DF8D405B1A40}" srcOrd="0" destOrd="0" presId="urn:microsoft.com/office/officeart/2005/8/layout/vList2"/>
+    <dgm:cxn modelId="{E8CD5036-6B94-4989-9983-06AE18F0EEE3}" type="presOf" srcId="{62F65C05-3E7F-4F7D-947F-1317A0B3ADA6}" destId="{F2D1D1BA-8867-4D38-91D2-03C8E404C398}" srcOrd="0" destOrd="0" presId="urn:microsoft.com/office/officeart/2005/8/layout/vList2"/>
+    <dgm:cxn modelId="{DFA9F15F-09E8-4FBB-B6D5-8EB81FD13D47}" srcId="{DBCD91CC-5BB3-4DBF-B41C-2B6D3FD4EF59}" destId="{CCB015D9-E98A-46E1-B33A-0A5E7F8A5604}" srcOrd="7" destOrd="0" parTransId="{EFB3C424-92B4-4262-B261-005C362737B5}" sibTransId="{EAAEA131-7859-41E6-9C65-28F48210FE3E}"/>
+    <dgm:cxn modelId="{68091F63-35D3-429A-9169-0C54F745C55E}" type="presOf" srcId="{782E82DD-93D0-49D6-AF4C-36B07D7600D1}" destId="{9F72998D-FE9A-44AE-AC04-AB345C0AFAF4}" srcOrd="0" destOrd="0" presId="urn:microsoft.com/office/officeart/2005/8/layout/vList2"/>
+    <dgm:cxn modelId="{6A8AE064-C590-4106-8054-D303E3DED2E8}" type="presOf" srcId="{0FE4BD94-7527-4754-86E5-24B27E24F98F}" destId="{F06063E1-14AF-4349-831E-7C7FDEE9A7FE}" srcOrd="0" destOrd="0" presId="urn:microsoft.com/office/officeart/2005/8/layout/vList2"/>
+    <dgm:cxn modelId="{00A3286C-7B78-492A-B1E0-7B421C8D1DB5}" srcId="{DBCD91CC-5BB3-4DBF-B41C-2B6D3FD4EF59}" destId="{1D2387CA-A276-45EF-9712-D912F14B6B35}" srcOrd="8" destOrd="0" parTransId="{903AED33-3389-49FE-B67F-FB1B8C612AF3}" sibTransId="{2E84D0D2-E70C-484E-9630-FE170854BADF}"/>
+    <dgm:cxn modelId="{ACE3526C-0AE2-4225-8526-B67C1A7189F1}" srcId="{DBCD91CC-5BB3-4DBF-B41C-2B6D3FD4EF59}" destId="{517265BD-BFD7-41FC-9F46-D400845CDFC4}" srcOrd="3" destOrd="0" parTransId="{02C811F4-EAF0-4C50-829F-F41B90F8CFCF}" sibTransId="{98800CBF-AB18-47EF-8874-EC38C7D7BFF4}"/>
+    <dgm:cxn modelId="{59B2006D-F9D0-454D-B4F9-040A173A92BA}" type="presOf" srcId="{CCB015D9-E98A-46E1-B33A-0A5E7F8A5604}" destId="{CC9A9652-5FD0-48A4-88AA-4C289BFFA85D}" srcOrd="0" destOrd="0" presId="urn:microsoft.com/office/officeart/2005/8/layout/vList2"/>
+    <dgm:cxn modelId="{0940EE7F-85BD-4C29-82A5-B018DD5AEB30}" type="presOf" srcId="{1D2387CA-A276-45EF-9712-D912F14B6B35}" destId="{B5C7E68A-A31C-47DF-BD5D-9693CFE9CF7C}" srcOrd="0" destOrd="0" presId="urn:microsoft.com/office/officeart/2005/8/layout/vList2"/>
+    <dgm:cxn modelId="{73512381-FD01-4E27-9709-DC20CA06D111}" type="presOf" srcId="{96D447D4-3DA9-4ACC-8410-BC4344AC6A26}" destId="{E299AD32-C287-4B56-B8F4-23A37111C286}" srcOrd="0" destOrd="0" presId="urn:microsoft.com/office/officeart/2005/8/layout/vList2"/>
+    <dgm:cxn modelId="{789BA281-43AA-4804-8AB9-3C11984F615A}" srcId="{DBCD91CC-5BB3-4DBF-B41C-2B6D3FD4EF59}" destId="{14882CDC-2D22-4AD8-8098-9F3B3B3F19C7}" srcOrd="4" destOrd="0" parTransId="{2D2C42D9-B5DC-4FF5-A8DD-991B9AA5D947}" sibTransId="{4965DDA2-1401-4274-ADB6-637D77B305B7}"/>
+    <dgm:cxn modelId="{7EA4FE90-C55A-41DB-BD90-3A3437B3D86E}" type="presOf" srcId="{CC4FBD42-7198-4A73-9D49-EFD3707D4679}" destId="{22885CD5-15FE-4355-8B5A-D072F7CF9275}" srcOrd="0" destOrd="0" presId="urn:microsoft.com/office/officeart/2005/8/layout/vList2"/>
+    <dgm:cxn modelId="{064FA992-DA0E-4948-8584-63ACBB760E58}" srcId="{DBCD91CC-5BB3-4DBF-B41C-2B6D3FD4EF59}" destId="{96D447D4-3DA9-4ACC-8410-BC4344AC6A26}" srcOrd="2" destOrd="0" parTransId="{EB7714C3-A2F8-41DD-A92A-BCD3790909C9}" sibTransId="{1BA544BB-8FE8-4F13-8489-1733DA9F610B}"/>
+    <dgm:cxn modelId="{16B18B96-806E-4676-8EF3-7B7BD280309D}" srcId="{DBCD91CC-5BB3-4DBF-B41C-2B6D3FD4EF59}" destId="{792F4B3C-DDDC-4863-A4EA-427322651AD7}" srcOrd="9" destOrd="0" parTransId="{349F9988-41C3-4AB8-8F62-53CC24EF9B44}" sibTransId="{BB44A113-60EC-4702-85C5-0A8C654C2AE4}"/>
+    <dgm:cxn modelId="{8354B59C-5376-446B-995B-55777309086E}" srcId="{DBCD91CC-5BB3-4DBF-B41C-2B6D3FD4EF59}" destId="{5ABFE2F8-D163-4046-99CF-510E0F4AAB7F}" srcOrd="10" destOrd="0" parTransId="{2F1D67D7-6AA3-4F38-88D6-C6622A5AC89B}" sibTransId="{DBF4EC9C-2115-4153-9C3F-82C07888E54D}"/>
+    <dgm:cxn modelId="{3AC1689E-72B2-46CD-84D8-A686C6C54485}" type="presOf" srcId="{14882CDC-2D22-4AD8-8098-9F3B3B3F19C7}" destId="{95C2098A-0161-4F16-957B-21FCAEAAE3DF}" srcOrd="0" destOrd="0" presId="urn:microsoft.com/office/officeart/2005/8/layout/vList2"/>
+    <dgm:cxn modelId="{84F65AAA-7320-4A1A-9176-D624F8561894}" srcId="{DBCD91CC-5BB3-4DBF-B41C-2B6D3FD4EF59}" destId="{CC4FBD42-7198-4A73-9D49-EFD3707D4679}" srcOrd="5" destOrd="0" parTransId="{BE474F6E-CBA7-405C-9157-D1650E1B6A43}" sibTransId="{5F57144A-F23A-4C98-9076-ECD49A2A0B92}"/>
+    <dgm:cxn modelId="{2A221AC4-9A0F-489F-BB2B-8919AA4045F5}" type="presOf" srcId="{5ABFE2F8-D163-4046-99CF-510E0F4AAB7F}" destId="{00A5F823-2D53-4822-AA18-EC093F158C32}" srcOrd="0" destOrd="0" presId="urn:microsoft.com/office/officeart/2005/8/layout/vList2"/>
+    <dgm:cxn modelId="{6E5065C4-3FD3-471B-AD7B-9B99B3612715}" type="presOf" srcId="{792F4B3C-DDDC-4863-A4EA-427322651AD7}" destId="{A152CB62-C9BC-4C16-8E1A-ED38CA6C9FC3}" srcOrd="0" destOrd="0" presId="urn:microsoft.com/office/officeart/2005/8/layout/vList2"/>
+    <dgm:cxn modelId="{BD3DB05B-1AF9-4A0A-989D-048314CAB4C8}" type="presParOf" srcId="{225E4BFE-4856-4B6D-9C0E-79DC14D9FCE4}" destId="{9F72998D-FE9A-44AE-AC04-AB345C0AFAF4}" srcOrd="0" destOrd="0" presId="urn:microsoft.com/office/officeart/2005/8/layout/vList2"/>
+    <dgm:cxn modelId="{EF11B96F-4B3F-4303-B3B6-F898A5FE73F5}" type="presParOf" srcId="{225E4BFE-4856-4B6D-9C0E-79DC14D9FCE4}" destId="{9CDB014E-6676-4D4A-BA9D-5DD4FBF924EB}" srcOrd="1" destOrd="0" presId="urn:microsoft.com/office/officeart/2005/8/layout/vList2"/>
+    <dgm:cxn modelId="{3FA17238-2614-4FE4-93FE-BD6106EF6547}" type="presParOf" srcId="{225E4BFE-4856-4B6D-9C0E-79DC14D9FCE4}" destId="{F2D1D1BA-8867-4D38-91D2-03C8E404C398}" srcOrd="2" destOrd="0" presId="urn:microsoft.com/office/officeart/2005/8/layout/vList2"/>
+    <dgm:cxn modelId="{AB6AD8AC-5ABF-4380-A451-279DFF55E526}" type="presParOf" srcId="{225E4BFE-4856-4B6D-9C0E-79DC14D9FCE4}" destId="{D7FE0F8F-08BD-4C1A-9FFA-875CCF2C92FE}" srcOrd="3" destOrd="0" presId="urn:microsoft.com/office/officeart/2005/8/layout/vList2"/>
+    <dgm:cxn modelId="{6D861E76-05F5-4AE5-8616-6F7567C0A7A2}" type="presParOf" srcId="{225E4BFE-4856-4B6D-9C0E-79DC14D9FCE4}" destId="{E299AD32-C287-4B56-B8F4-23A37111C286}" srcOrd="4" destOrd="0" presId="urn:microsoft.com/office/officeart/2005/8/layout/vList2"/>
+    <dgm:cxn modelId="{79E59C9F-E5F8-4633-870B-01A71211E4D5}" type="presParOf" srcId="{225E4BFE-4856-4B6D-9C0E-79DC14D9FCE4}" destId="{DC305EE6-CA06-4785-91E9-99E1AE2769BC}" srcOrd="5" destOrd="0" presId="urn:microsoft.com/office/officeart/2005/8/layout/vList2"/>
+    <dgm:cxn modelId="{65AFFDFB-12B0-47DD-984A-166EE99E4CD3}" type="presParOf" srcId="{225E4BFE-4856-4B6D-9C0E-79DC14D9FCE4}" destId="{C3B36853-1203-460F-8C42-DF8D405B1A40}" srcOrd="6" destOrd="0" presId="urn:microsoft.com/office/officeart/2005/8/layout/vList2"/>
+    <dgm:cxn modelId="{72B31A5D-A154-4ABC-9B0A-077F7B74E47F}" type="presParOf" srcId="{225E4BFE-4856-4B6D-9C0E-79DC14D9FCE4}" destId="{9A87BE62-349E-451C-A614-A32C6C5159D1}" srcOrd="7" destOrd="0" presId="urn:microsoft.com/office/officeart/2005/8/layout/vList2"/>
+    <dgm:cxn modelId="{497F199B-6DF2-4374-860E-18BE02F33382}" type="presParOf" srcId="{225E4BFE-4856-4B6D-9C0E-79DC14D9FCE4}" destId="{95C2098A-0161-4F16-957B-21FCAEAAE3DF}" srcOrd="8" destOrd="0" presId="urn:microsoft.com/office/officeart/2005/8/layout/vList2"/>
+    <dgm:cxn modelId="{6FCE49FC-132B-4534-8481-EFFD7B1DEAA7}" type="presParOf" srcId="{225E4BFE-4856-4B6D-9C0E-79DC14D9FCE4}" destId="{BE7703D6-0CCC-427F-A92C-3568BF30907F}" srcOrd="9" destOrd="0" presId="urn:microsoft.com/office/officeart/2005/8/layout/vList2"/>
+    <dgm:cxn modelId="{3C0DD18D-8B32-499A-A750-16349A059091}" type="presParOf" srcId="{225E4BFE-4856-4B6D-9C0E-79DC14D9FCE4}" destId="{22885CD5-15FE-4355-8B5A-D072F7CF9275}" srcOrd="10" destOrd="0" presId="urn:microsoft.com/office/officeart/2005/8/layout/vList2"/>
+    <dgm:cxn modelId="{D25B140F-20EC-4720-916D-39EC77A3CD8C}" type="presParOf" srcId="{225E4BFE-4856-4B6D-9C0E-79DC14D9FCE4}" destId="{C75D8E6A-AED3-4767-AE41-64FFC28C54C3}" srcOrd="11" destOrd="0" presId="urn:microsoft.com/office/officeart/2005/8/layout/vList2"/>
+    <dgm:cxn modelId="{392E8445-C3D7-46F4-988D-7B559F1249A0}" type="presParOf" srcId="{225E4BFE-4856-4B6D-9C0E-79DC14D9FCE4}" destId="{F06063E1-14AF-4349-831E-7C7FDEE9A7FE}" srcOrd="12" destOrd="0" presId="urn:microsoft.com/office/officeart/2005/8/layout/vList2"/>
+    <dgm:cxn modelId="{47BC328A-84BC-4F48-92BB-F05AAA7AB40D}" type="presParOf" srcId="{225E4BFE-4856-4B6D-9C0E-79DC14D9FCE4}" destId="{9F347484-4290-4E60-A1DB-E7AD107483AF}" srcOrd="13" destOrd="0" presId="urn:microsoft.com/office/officeart/2005/8/layout/vList2"/>
+    <dgm:cxn modelId="{F28D95FE-BB88-4861-9821-283B5DD33E14}" type="presParOf" srcId="{225E4BFE-4856-4B6D-9C0E-79DC14D9FCE4}" destId="{CC9A9652-5FD0-48A4-88AA-4C289BFFA85D}" srcOrd="14" destOrd="0" presId="urn:microsoft.com/office/officeart/2005/8/layout/vList2"/>
+    <dgm:cxn modelId="{24A0C718-C328-405B-9511-9D009394D412}" type="presParOf" srcId="{225E4BFE-4856-4B6D-9C0E-79DC14D9FCE4}" destId="{1DBEAADD-91BE-4CDC-8935-8DAA2EF5A9FA}" srcOrd="15" destOrd="0" presId="urn:microsoft.com/office/officeart/2005/8/layout/vList2"/>
+    <dgm:cxn modelId="{968E63C8-A9BC-4A9D-A030-0267887FB2E7}" type="presParOf" srcId="{225E4BFE-4856-4B6D-9C0E-79DC14D9FCE4}" destId="{B5C7E68A-A31C-47DF-BD5D-9693CFE9CF7C}" srcOrd="16" destOrd="0" presId="urn:microsoft.com/office/officeart/2005/8/layout/vList2"/>
+    <dgm:cxn modelId="{565657C1-F5F3-4449-875A-9391CD596008}" type="presParOf" srcId="{225E4BFE-4856-4B6D-9C0E-79DC14D9FCE4}" destId="{C823D139-A3AF-4F91-B3CA-C96B5BE43B35}" srcOrd="17" destOrd="0" presId="urn:microsoft.com/office/officeart/2005/8/layout/vList2"/>
+    <dgm:cxn modelId="{7B349383-1A25-4A95-9EA5-FB71FE3E7399}" type="presParOf" srcId="{225E4BFE-4856-4B6D-9C0E-79DC14D9FCE4}" destId="{A152CB62-C9BC-4C16-8E1A-ED38CA6C9FC3}" srcOrd="18" destOrd="0" presId="urn:microsoft.com/office/officeart/2005/8/layout/vList2"/>
+    <dgm:cxn modelId="{1E07ED5D-241C-4CF7-9C3E-F8138F44DAE6}" type="presParOf" srcId="{225E4BFE-4856-4B6D-9C0E-79DC14D9FCE4}" destId="{AEC00BC5-7790-4790-958A-88B90D74612B}" srcOrd="19" destOrd="0" presId="urn:microsoft.com/office/officeart/2005/8/layout/vList2"/>
+    <dgm:cxn modelId="{9542FCEF-1A64-4FF0-9C5C-B39239E4D7C4}" type="presParOf" srcId="{225E4BFE-4856-4B6D-9C0E-79DC14D9FCE4}" destId="{00A5F823-2D53-4822-AA18-EC093F158C32}" srcOrd="20" destOrd="0" presId="urn:microsoft.com/office/officeart/2005/8/layout/vList2"/>
+  </dgm:cxnLst>
+  <dgm:bg/>
+  <dgm:whole/>
+  <dgm:extLst>
+    <a:ext uri="http://schemas.microsoft.com/office/drawing/2008/diagram">
+      <dsp:dataModelExt xmlns:dsp="http://schemas.microsoft.com/office/drawing/2008/diagram" relId="rId6" minVer="http://schemas.openxmlformats.org/drawingml/2006/diagram"/>
+    </a:ext>
+  </dgm:extLst>
+</dgm:dataModel>
+</file>
+
+<file path=ppt/diagrams/data3.xml><?xml version="1.0" encoding="utf-8"?>
+<dgm:dataModel xmlns:dgm="http://schemas.openxmlformats.org/drawingml/2006/diagram" xmlns:a="http://schemas.openxmlformats.org/drawingml/2006/main">
+  <dgm:ptLst>
+    <dgm:pt modelId="{DBCD91CC-5BB3-4DBF-B41C-2B6D3FD4EF59}" type="doc">
+      <dgm:prSet loTypeId="urn:microsoft.com/office/officeart/2005/8/layout/vList2" loCatId="list" qsTypeId="urn:microsoft.com/office/officeart/2005/8/quickstyle/simple1" qsCatId="simple" csTypeId="urn:microsoft.com/office/officeart/2005/8/colors/accent1_2" csCatId="accent1" phldr="1"/>
+      <dgm:spPr/>
+      <dgm:t>
+        <a:bodyPr/>
+        <a:lstStyle/>
+        <a:p>
+          <a:endParaRPr lang="fr-FR"/>
+        </a:p>
+      </dgm:t>
+    </dgm:pt>
+    <dgm:pt modelId="{782E82DD-93D0-49D6-AF4C-36B07D7600D1}">
+      <dgm:prSet/>
+      <dgm:spPr/>
+      <dgm:t>
+        <a:bodyPr/>
+        <a:lstStyle/>
+        <a:p>
+          <a:r>
+            <a:rPr lang="en-US" b="1" i="0"/>
+            <a:t>Hypothesize</a:t>
+          </a:r>
+          <a:r>
+            <a:rPr lang="en-US" b="0" i="0"/>
+            <a:t>: Start with assumptions about your job board's value and user experience.</a:t>
+          </a:r>
+          <a:endParaRPr lang="fr-FR" dirty="0"/>
+        </a:p>
+      </dgm:t>
+    </dgm:pt>
+    <dgm:pt modelId="{1B6E485F-AD00-45D5-9DD1-79EA74D38739}" type="parTrans" cxnId="{6DE25601-88DA-4CE5-AA0A-1368C65C2B51}">
+      <dgm:prSet/>
+      <dgm:spPr/>
+      <dgm:t>
+        <a:bodyPr/>
+        <a:lstStyle/>
+        <a:p>
+          <a:endParaRPr lang="fr-FR"/>
+        </a:p>
+      </dgm:t>
+    </dgm:pt>
+    <dgm:pt modelId="{4B92356D-DA8E-421A-B2BC-F75EC179B4F8}" type="sibTrans" cxnId="{6DE25601-88DA-4CE5-AA0A-1368C65C2B51}">
+      <dgm:prSet/>
+      <dgm:spPr/>
+      <dgm:t>
+        <a:bodyPr/>
+        <a:lstStyle/>
+        <a:p>
+          <a:endParaRPr lang="fr-FR"/>
+        </a:p>
+      </dgm:t>
+    </dgm:pt>
+    <dgm:pt modelId="{FAE33C23-44CC-405A-9A12-129148F6B1E7}">
+      <dgm:prSet/>
+      <dgm:spPr/>
+      <dgm:t>
+        <a:bodyPr/>
+        <a:lstStyle/>
+        <a:p>
+          <a:pPr>
+            <a:buFont typeface="+mj-lt"/>
+            <a:buAutoNum type="arabicPeriod"/>
+          </a:pPr>
+          <a:r>
+            <a:rPr lang="en-US" b="1" i="0" dirty="0"/>
+            <a:t>MVP</a:t>
+          </a:r>
+          <a:r>
+            <a:rPr lang="en-US" b="0" i="0" dirty="0"/>
+            <a:t>: Develop a basic job board to test your assumptions.</a:t>
+          </a:r>
+        </a:p>
+      </dgm:t>
+    </dgm:pt>
+    <dgm:pt modelId="{31076FC2-4CF6-42C3-92B3-69CFF6CDF73E}" type="parTrans" cxnId="{3276364F-C6CA-4046-947C-81BDF7AC400B}">
+      <dgm:prSet/>
+      <dgm:spPr/>
+      <dgm:t>
+        <a:bodyPr/>
+        <a:lstStyle/>
+        <a:p>
+          <a:endParaRPr lang="fr-FR"/>
+        </a:p>
+      </dgm:t>
+    </dgm:pt>
+    <dgm:pt modelId="{A62023CA-D5E9-424A-8157-01C04350BFF2}" type="sibTrans" cxnId="{3276364F-C6CA-4046-947C-81BDF7AC400B}">
+      <dgm:prSet/>
+      <dgm:spPr/>
+      <dgm:t>
+        <a:bodyPr/>
+        <a:lstStyle/>
+        <a:p>
+          <a:endParaRPr lang="fr-FR"/>
+        </a:p>
+      </dgm:t>
+    </dgm:pt>
+    <dgm:pt modelId="{02438F3C-7260-4412-B36A-06C9A5ED3E6D}">
+      <dgm:prSet/>
+      <dgm:spPr/>
+      <dgm:t>
+        <a:bodyPr/>
+        <a:lstStyle/>
+        <a:p>
+          <a:pPr>
+            <a:buFont typeface="+mj-lt"/>
+            <a:buAutoNum type="arabicPeriod"/>
+          </a:pPr>
+          <a:r>
+            <a:rPr lang="en-US" b="1" i="0"/>
+            <a:t>Measure</a:t>
+          </a:r>
+          <a:r>
+            <a:rPr lang="en-US" b="0" i="0"/>
+            <a:t>: Track key metrics like user engagement, job postings, and user feedback.</a:t>
+          </a:r>
+        </a:p>
+      </dgm:t>
+    </dgm:pt>
+    <dgm:pt modelId="{63B4FE73-1851-4064-A399-9C833F20D356}" type="parTrans" cxnId="{05911CBC-07FA-4B03-967D-F03339672338}">
+      <dgm:prSet/>
+      <dgm:spPr/>
+      <dgm:t>
+        <a:bodyPr/>
+        <a:lstStyle/>
+        <a:p>
+          <a:endParaRPr lang="fr-FR"/>
+        </a:p>
+      </dgm:t>
+    </dgm:pt>
+    <dgm:pt modelId="{6104BB98-13DA-4F81-89CD-BE9089F5A869}" type="sibTrans" cxnId="{05911CBC-07FA-4B03-967D-F03339672338}">
+      <dgm:prSet/>
+      <dgm:spPr/>
+      <dgm:t>
+        <a:bodyPr/>
+        <a:lstStyle/>
+        <a:p>
+          <a:endParaRPr lang="fr-FR"/>
+        </a:p>
+      </dgm:t>
+    </dgm:pt>
+    <dgm:pt modelId="{B71FF7A4-BBAD-4181-8CD8-399CD1CB14DF}">
+      <dgm:prSet/>
+      <dgm:spPr/>
+      <dgm:t>
+        <a:bodyPr/>
+        <a:lstStyle/>
+        <a:p>
+          <a:pPr>
+            <a:buFont typeface="+mj-lt"/>
+            <a:buAutoNum type="arabicPeriod"/>
+          </a:pPr>
+          <a:r>
+            <a:rPr lang="en-US" b="1" i="0" dirty="0"/>
+            <a:t>Learn</a:t>
+          </a:r>
+          <a:r>
+            <a:rPr lang="en-US" b="0" i="0" dirty="0"/>
+            <a:t>: Analyze data to validate assumptions and identify areas for improvement.</a:t>
+          </a:r>
+        </a:p>
+      </dgm:t>
+    </dgm:pt>
+    <dgm:pt modelId="{F8738FAA-E013-4BE9-B208-A51846FADF7D}" type="parTrans" cxnId="{22FDCC03-1547-4C9C-A746-05CCDCD8810F}">
+      <dgm:prSet/>
+      <dgm:spPr/>
+      <dgm:t>
+        <a:bodyPr/>
+        <a:lstStyle/>
+        <a:p>
+          <a:endParaRPr lang="fr-FR"/>
+        </a:p>
+      </dgm:t>
+    </dgm:pt>
+    <dgm:pt modelId="{FE27D03B-6263-460F-9C0D-E9FC8858075C}" type="sibTrans" cxnId="{22FDCC03-1547-4C9C-A746-05CCDCD8810F}">
+      <dgm:prSet/>
+      <dgm:spPr/>
+      <dgm:t>
+        <a:bodyPr/>
+        <a:lstStyle/>
+        <a:p>
+          <a:endParaRPr lang="fr-FR"/>
+        </a:p>
+      </dgm:t>
+    </dgm:pt>
+    <dgm:pt modelId="{2B1A9151-C6F4-4033-8BAA-7994915AD5C4}">
+      <dgm:prSet/>
+      <dgm:spPr/>
+      <dgm:t>
+        <a:bodyPr/>
+        <a:lstStyle/>
+        <a:p>
+          <a:pPr>
+            <a:buFont typeface="+mj-lt"/>
+            <a:buAutoNum type="arabicPeriod"/>
+          </a:pPr>
+          <a:r>
+            <a:rPr lang="en-US" b="1" i="0" dirty="0"/>
+            <a:t>Pivot or Persevere</a:t>
+          </a:r>
+          <a:r>
+            <a:rPr lang="en-US" b="0" i="0" dirty="0"/>
+            <a:t>: Be ready to change if needed, or continue refining what works.</a:t>
+          </a:r>
+        </a:p>
+      </dgm:t>
+    </dgm:pt>
+    <dgm:pt modelId="{BD142954-B4BA-4D59-8180-DF4C50FB58AA}" type="parTrans" cxnId="{BE7F7240-C5A5-4F88-A9E8-DFD6946BFADE}">
+      <dgm:prSet/>
+      <dgm:spPr/>
+      <dgm:t>
+        <a:bodyPr/>
+        <a:lstStyle/>
+        <a:p>
+          <a:endParaRPr lang="fr-FR"/>
+        </a:p>
+      </dgm:t>
+    </dgm:pt>
+    <dgm:pt modelId="{D314ECB6-E613-468D-AC65-FAA66E5A0D4A}" type="sibTrans" cxnId="{BE7F7240-C5A5-4F88-A9E8-DFD6946BFADE}">
+      <dgm:prSet/>
+      <dgm:spPr/>
+      <dgm:t>
+        <a:bodyPr/>
+        <a:lstStyle/>
+        <a:p>
+          <a:endParaRPr lang="fr-FR"/>
+        </a:p>
+      </dgm:t>
+    </dgm:pt>
+    <dgm:pt modelId="{ADC30D8D-8F6F-4607-9821-B45E340059DD}">
+      <dgm:prSet/>
+      <dgm:spPr/>
+      <dgm:t>
+        <a:bodyPr/>
+        <a:lstStyle/>
+        <a:p>
+          <a:pPr>
+            <a:buFont typeface="+mj-lt"/>
+            <a:buAutoNum type="arabicPeriod"/>
+          </a:pPr>
+          <a:r>
+            <a:rPr lang="en-US" b="1" i="0"/>
+            <a:t>Customer Feedback</a:t>
+          </a:r>
+          <a:r>
+            <a:rPr lang="en-US" b="0" i="0"/>
+            <a:t>: Engage with users to understand their needs and preferences.</a:t>
+          </a:r>
+        </a:p>
+      </dgm:t>
+    </dgm:pt>
+    <dgm:pt modelId="{7F3F40EC-8662-469B-AFEA-1AA6BBAF33C6}" type="parTrans" cxnId="{489565DD-DC24-400B-82B7-9D2B6C4FB1E7}">
+      <dgm:prSet/>
+      <dgm:spPr/>
+      <dgm:t>
+        <a:bodyPr/>
+        <a:lstStyle/>
+        <a:p>
+          <a:endParaRPr lang="fr-FR"/>
+        </a:p>
+      </dgm:t>
+    </dgm:pt>
+    <dgm:pt modelId="{9BA39F9B-272D-4282-9E6C-E02D9F74586A}" type="sibTrans" cxnId="{489565DD-DC24-400B-82B7-9D2B6C4FB1E7}">
+      <dgm:prSet/>
+      <dgm:spPr/>
+      <dgm:t>
+        <a:bodyPr/>
+        <a:lstStyle/>
+        <a:p>
+          <a:endParaRPr lang="fr-FR"/>
+        </a:p>
+      </dgm:t>
+    </dgm:pt>
+    <dgm:pt modelId="{8EA017D4-FA35-4FF0-AA6B-9789360E5A9D}">
+      <dgm:prSet/>
+      <dgm:spPr/>
+      <dgm:t>
+        <a:bodyPr/>
+        <a:lstStyle/>
+        <a:p>
+          <a:pPr>
+            <a:buFont typeface="+mj-lt"/>
+            <a:buAutoNum type="arabicPeriod"/>
+          </a:pPr>
+          <a:r>
+            <a:rPr lang="en-US" b="1" i="0"/>
+            <a:t>Continuous Updates</a:t>
+          </a:r>
+          <a:r>
+            <a:rPr lang="en-US" b="0" i="0"/>
+            <a:t>: Regularly improve the job board based on feedback and data.</a:t>
+          </a:r>
+        </a:p>
+      </dgm:t>
+    </dgm:pt>
+    <dgm:pt modelId="{2B9C7111-E810-4889-9E86-B83AE70648B1}" type="parTrans" cxnId="{F4A84020-2167-4448-A082-41120E77663E}">
+      <dgm:prSet/>
+      <dgm:spPr/>
+      <dgm:t>
+        <a:bodyPr/>
+        <a:lstStyle/>
+        <a:p>
+          <a:endParaRPr lang="fr-FR"/>
+        </a:p>
+      </dgm:t>
+    </dgm:pt>
+    <dgm:pt modelId="{1C201BF6-6FE8-4336-82F0-F4AF7B625F8E}" type="sibTrans" cxnId="{F4A84020-2167-4448-A082-41120E77663E}">
+      <dgm:prSet/>
+      <dgm:spPr/>
+      <dgm:t>
+        <a:bodyPr/>
+        <a:lstStyle/>
+        <a:p>
+          <a:endParaRPr lang="fr-FR"/>
+        </a:p>
+      </dgm:t>
+    </dgm:pt>
+    <dgm:pt modelId="{FF526C68-D8D8-4EA8-BC81-BD25452CB621}">
+      <dgm:prSet/>
+      <dgm:spPr/>
+      <dgm:t>
+        <a:bodyPr/>
+        <a:lstStyle/>
+        <a:p>
+          <a:pPr>
+            <a:buFont typeface="+mj-lt"/>
+            <a:buAutoNum type="arabicPeriod"/>
+          </a:pPr>
+          <a:r>
+            <a:rPr lang="en-US" b="1" i="0"/>
+            <a:t>Actionable Metrics</a:t>
+          </a:r>
+          <a:r>
+            <a:rPr lang="en-US" b="0" i="0"/>
+            <a:t>: Focus on metrics that guide your decisions, like successful placements.</a:t>
+          </a:r>
+        </a:p>
+      </dgm:t>
+    </dgm:pt>
+    <dgm:pt modelId="{0C491040-CA72-42D7-8394-49EBA1B2083C}" type="parTrans" cxnId="{9F6FB438-509B-4EE7-8CB9-4E56EA773E95}">
+      <dgm:prSet/>
+      <dgm:spPr/>
+      <dgm:t>
+        <a:bodyPr/>
+        <a:lstStyle/>
+        <a:p>
+          <a:endParaRPr lang="fr-FR"/>
+        </a:p>
+      </dgm:t>
+    </dgm:pt>
+    <dgm:pt modelId="{4322CAC0-6AC7-4E04-8F0F-431C9D273F23}" type="sibTrans" cxnId="{9F6FB438-509B-4EE7-8CB9-4E56EA773E95}">
+      <dgm:prSet/>
+      <dgm:spPr/>
+      <dgm:t>
+        <a:bodyPr/>
+        <a:lstStyle/>
+        <a:p>
+          <a:endParaRPr lang="fr-FR"/>
+        </a:p>
+      </dgm:t>
+    </dgm:pt>
+    <dgm:pt modelId="{9CE7CB20-402E-46D2-BA83-8C4ABE5E50B6}">
+      <dgm:prSet/>
+      <dgm:spPr/>
+      <dgm:t>
+        <a:bodyPr/>
+        <a:lstStyle/>
+        <a:p>
+          <a:pPr>
+            <a:buFont typeface="+mj-lt"/>
+            <a:buAutoNum type="arabicPeriod"/>
+          </a:pPr>
+          <a:r>
+            <a:rPr lang="en-US" b="1" i="0"/>
+            <a:t>Financial Insights</a:t>
+          </a:r>
+          <a:r>
+            <a:rPr lang="en-US" b="0" i="0"/>
+            <a:t>: Apply innovative financial tracking to assess costs and revenue.</a:t>
+          </a:r>
+        </a:p>
+      </dgm:t>
+    </dgm:pt>
+    <dgm:pt modelId="{461AB275-EF3B-475D-8D2E-CAF7A7745213}" type="parTrans" cxnId="{29D223FA-49A4-4AF8-8B80-892C38816690}">
+      <dgm:prSet/>
+      <dgm:spPr/>
+      <dgm:t>
+        <a:bodyPr/>
+        <a:lstStyle/>
+        <a:p>
+          <a:endParaRPr lang="fr-FR"/>
+        </a:p>
+      </dgm:t>
+    </dgm:pt>
+    <dgm:pt modelId="{0CC00A30-7683-4283-9AAE-B63AA771C26D}" type="sibTrans" cxnId="{29D223FA-49A4-4AF8-8B80-892C38816690}">
+      <dgm:prSet/>
+      <dgm:spPr/>
+      <dgm:t>
+        <a:bodyPr/>
+        <a:lstStyle/>
+        <a:p>
+          <a:endParaRPr lang="fr-FR"/>
+        </a:p>
+      </dgm:t>
+    </dgm:pt>
+    <dgm:pt modelId="{4D648FA7-CCA5-49F6-B4EF-49F2183CFFB4}">
+      <dgm:prSet/>
+      <dgm:spPr/>
+      <dgm:t>
+        <a:bodyPr/>
+        <a:lstStyle/>
+        <a:p>
+          <a:pPr>
+            <a:buFont typeface="+mj-lt"/>
+            <a:buAutoNum type="arabicPeriod"/>
+          </a:pPr>
+          <a:r>
+            <a:rPr lang="en-US" b="1" i="0"/>
+            <a:t>Growth Strategies</a:t>
+          </a:r>
+          <a:r>
+            <a:rPr lang="en-US" b="0" i="0"/>
+            <a:t>: Experiment with user acquisition and engagement tactics.</a:t>
+          </a:r>
+        </a:p>
+      </dgm:t>
+    </dgm:pt>
+    <dgm:pt modelId="{A3525EE8-9728-4F7C-AA0F-4B46B5669A54}" type="parTrans" cxnId="{CC92EC0E-F63F-4A4B-BA41-2142D58BB1CD}">
+      <dgm:prSet/>
+      <dgm:spPr/>
+      <dgm:t>
+        <a:bodyPr/>
+        <a:lstStyle/>
+        <a:p>
+          <a:endParaRPr lang="fr-FR"/>
+        </a:p>
+      </dgm:t>
+    </dgm:pt>
+    <dgm:pt modelId="{EB4D9DF1-DBF5-4C6B-A3EE-FC3E48EADE71}" type="sibTrans" cxnId="{CC92EC0E-F63F-4A4B-BA41-2142D58BB1CD}">
+      <dgm:prSet/>
+      <dgm:spPr/>
+      <dgm:t>
+        <a:bodyPr/>
+        <a:lstStyle/>
+        <a:p>
+          <a:endParaRPr lang="fr-FR"/>
+        </a:p>
+      </dgm:t>
+    </dgm:pt>
+    <dgm:pt modelId="{2E5380AC-5AB9-4CA2-83D9-9BEFDD251C97}">
+      <dgm:prSet/>
+      <dgm:spPr/>
+      <dgm:t>
+        <a:bodyPr/>
+        <a:lstStyle/>
+        <a:p>
+          <a:pPr>
+            <a:buFont typeface="+mj-lt"/>
+            <a:buAutoNum type="arabicPeriod"/>
+          </a:pPr>
+          <a:r>
+            <a:rPr lang="en-US" b="1" i="0"/>
+            <a:t>User-Centric Design</a:t>
+          </a:r>
+          <a:r>
+            <a:rPr lang="en-US" b="0" i="0"/>
+            <a:t>: Prioritize user experience, continually enhancing based on feedback.</a:t>
+          </a:r>
+        </a:p>
+      </dgm:t>
+    </dgm:pt>
+    <dgm:pt modelId="{0DAF632A-B81E-4437-B774-6185388B24EC}" type="parTrans" cxnId="{DFCCA485-C61B-4ABC-98CA-8DDC244A6D3F}">
+      <dgm:prSet/>
+      <dgm:spPr/>
+      <dgm:t>
+        <a:bodyPr/>
+        <a:lstStyle/>
+        <a:p>
+          <a:endParaRPr lang="fr-FR"/>
+        </a:p>
+      </dgm:t>
+    </dgm:pt>
+    <dgm:pt modelId="{02F45A78-0B10-4302-8E09-1CD92976A2FA}" type="sibTrans" cxnId="{DFCCA485-C61B-4ABC-98CA-8DDC244A6D3F}">
+      <dgm:prSet/>
+      <dgm:spPr/>
+      <dgm:t>
+        <a:bodyPr/>
+        <a:lstStyle/>
+        <a:p>
+          <a:endParaRPr lang="fr-FR"/>
+        </a:p>
+      </dgm:t>
+    </dgm:pt>
+    <dgm:pt modelId="{225E4BFE-4856-4B6D-9C0E-79DC14D9FCE4}" type="pres">
+      <dgm:prSet presAssocID="{DBCD91CC-5BB3-4DBF-B41C-2B6D3FD4EF59}" presName="linear" presStyleCnt="0">
+        <dgm:presLayoutVars>
+          <dgm:animLvl val="lvl"/>
+          <dgm:resizeHandles val="exact"/>
+        </dgm:presLayoutVars>
+      </dgm:prSet>
+      <dgm:spPr/>
+    </dgm:pt>
+    <dgm:pt modelId="{9F72998D-FE9A-44AE-AC04-AB345C0AFAF4}" type="pres">
+      <dgm:prSet presAssocID="{782E82DD-93D0-49D6-AF4C-36B07D7600D1}" presName="parentText" presStyleLbl="node1" presStyleIdx="0" presStyleCnt="11">
+        <dgm:presLayoutVars>
+          <dgm:chMax val="0"/>
+          <dgm:bulletEnabled val="1"/>
+        </dgm:presLayoutVars>
+      </dgm:prSet>
+      <dgm:spPr/>
+    </dgm:pt>
+    <dgm:pt modelId="{9CDB014E-6676-4D4A-BA9D-5DD4FBF924EB}" type="pres">
+      <dgm:prSet presAssocID="{4B92356D-DA8E-421A-B2BC-F75EC179B4F8}" presName="spacer" presStyleCnt="0"/>
+      <dgm:spPr/>
+    </dgm:pt>
+    <dgm:pt modelId="{D8D299F6-92D6-4AAD-81B0-1C700A3B3A16}" type="pres">
+      <dgm:prSet presAssocID="{FAE33C23-44CC-405A-9A12-129148F6B1E7}" presName="parentText" presStyleLbl="node1" presStyleIdx="1" presStyleCnt="11">
+        <dgm:presLayoutVars>
+          <dgm:chMax val="0"/>
+          <dgm:bulletEnabled val="1"/>
+        </dgm:presLayoutVars>
+      </dgm:prSet>
+      <dgm:spPr/>
+    </dgm:pt>
+    <dgm:pt modelId="{7BCF0E7E-E0FA-490C-AB34-834302DC8502}" type="pres">
+      <dgm:prSet presAssocID="{A62023CA-D5E9-424A-8157-01C04350BFF2}" presName="spacer" presStyleCnt="0"/>
+      <dgm:spPr/>
+    </dgm:pt>
+    <dgm:pt modelId="{72AE0A90-D184-4E26-A1D2-A443D8A680C2}" type="pres">
+      <dgm:prSet presAssocID="{02438F3C-7260-4412-B36A-06C9A5ED3E6D}" presName="parentText" presStyleLbl="node1" presStyleIdx="2" presStyleCnt="11">
+        <dgm:presLayoutVars>
+          <dgm:chMax val="0"/>
+          <dgm:bulletEnabled val="1"/>
+        </dgm:presLayoutVars>
+      </dgm:prSet>
+      <dgm:spPr/>
+    </dgm:pt>
+    <dgm:pt modelId="{651274FB-1D67-423A-BA8D-0DC2DB0743BB}" type="pres">
+      <dgm:prSet presAssocID="{6104BB98-13DA-4F81-89CD-BE9089F5A869}" presName="spacer" presStyleCnt="0"/>
+      <dgm:spPr/>
+    </dgm:pt>
+    <dgm:pt modelId="{61E894F1-E58E-4F9B-BC6D-F1D0789BF833}" type="pres">
+      <dgm:prSet presAssocID="{B71FF7A4-BBAD-4181-8CD8-399CD1CB14DF}" presName="parentText" presStyleLbl="node1" presStyleIdx="3" presStyleCnt="11">
+        <dgm:presLayoutVars>
+          <dgm:chMax val="0"/>
+          <dgm:bulletEnabled val="1"/>
+        </dgm:presLayoutVars>
+      </dgm:prSet>
+      <dgm:spPr/>
+    </dgm:pt>
+    <dgm:pt modelId="{803C0A16-B86D-4A60-AE5A-E65A4DFAFAE5}" type="pres">
+      <dgm:prSet presAssocID="{FE27D03B-6263-460F-9C0D-E9FC8858075C}" presName="spacer" presStyleCnt="0"/>
+      <dgm:spPr/>
+    </dgm:pt>
+    <dgm:pt modelId="{C3938E9E-AA62-4842-9FC1-6C99C2B82FBF}" type="pres">
+      <dgm:prSet presAssocID="{2B1A9151-C6F4-4033-8BAA-7994915AD5C4}" presName="parentText" presStyleLbl="node1" presStyleIdx="4" presStyleCnt="11">
+        <dgm:presLayoutVars>
+          <dgm:chMax val="0"/>
+          <dgm:bulletEnabled val="1"/>
+        </dgm:presLayoutVars>
+      </dgm:prSet>
+      <dgm:spPr/>
+    </dgm:pt>
+    <dgm:pt modelId="{EA0964D8-F7AB-403D-8622-69948F5E1136}" type="pres">
+      <dgm:prSet presAssocID="{D314ECB6-E613-468D-AC65-FAA66E5A0D4A}" presName="spacer" presStyleCnt="0"/>
+      <dgm:spPr/>
+    </dgm:pt>
+    <dgm:pt modelId="{141E9668-F820-475E-877B-9F4FEE6872B6}" type="pres">
+      <dgm:prSet presAssocID="{ADC30D8D-8F6F-4607-9821-B45E340059DD}" presName="parentText" presStyleLbl="node1" presStyleIdx="5" presStyleCnt="11">
+        <dgm:presLayoutVars>
+          <dgm:chMax val="0"/>
+          <dgm:bulletEnabled val="1"/>
+        </dgm:presLayoutVars>
+      </dgm:prSet>
+      <dgm:spPr/>
+    </dgm:pt>
+    <dgm:pt modelId="{6BF4DDB8-6D35-4CAD-A187-7D28AAC82C64}" type="pres">
+      <dgm:prSet presAssocID="{9BA39F9B-272D-4282-9E6C-E02D9F74586A}" presName="spacer" presStyleCnt="0"/>
+      <dgm:spPr/>
+    </dgm:pt>
+    <dgm:pt modelId="{F0ABBED6-AA03-4DB2-8BA8-E0B79D079AE2}" type="pres">
+      <dgm:prSet presAssocID="{8EA017D4-FA35-4FF0-AA6B-9789360E5A9D}" presName="parentText" presStyleLbl="node1" presStyleIdx="6" presStyleCnt="11">
+        <dgm:presLayoutVars>
+          <dgm:chMax val="0"/>
+          <dgm:bulletEnabled val="1"/>
+        </dgm:presLayoutVars>
+      </dgm:prSet>
+      <dgm:spPr/>
+    </dgm:pt>
+    <dgm:pt modelId="{F1B6BCE6-B5F8-442A-AE10-D225F0C52C8C}" type="pres">
+      <dgm:prSet presAssocID="{1C201BF6-6FE8-4336-82F0-F4AF7B625F8E}" presName="spacer" presStyleCnt="0"/>
+      <dgm:spPr/>
+    </dgm:pt>
+    <dgm:pt modelId="{AEE666A9-6B19-45DF-86C4-A6F2A7D7F72E}" type="pres">
+      <dgm:prSet presAssocID="{FF526C68-D8D8-4EA8-BC81-BD25452CB621}" presName="parentText" presStyleLbl="node1" presStyleIdx="7" presStyleCnt="11">
+        <dgm:presLayoutVars>
+          <dgm:chMax val="0"/>
+          <dgm:bulletEnabled val="1"/>
+        </dgm:presLayoutVars>
+      </dgm:prSet>
+      <dgm:spPr/>
+    </dgm:pt>
+    <dgm:pt modelId="{DAE639B5-84D7-478A-A834-095DAF1E9F40}" type="pres">
+      <dgm:prSet presAssocID="{4322CAC0-6AC7-4E04-8F0F-431C9D273F23}" presName="spacer" presStyleCnt="0"/>
+      <dgm:spPr/>
+    </dgm:pt>
+    <dgm:pt modelId="{85298FEE-85EB-4DDE-BD88-AD3F95B82FE3}" type="pres">
+      <dgm:prSet presAssocID="{9CE7CB20-402E-46D2-BA83-8C4ABE5E50B6}" presName="parentText" presStyleLbl="node1" presStyleIdx="8" presStyleCnt="11">
+        <dgm:presLayoutVars>
+          <dgm:chMax val="0"/>
+          <dgm:bulletEnabled val="1"/>
+        </dgm:presLayoutVars>
+      </dgm:prSet>
+      <dgm:spPr/>
+    </dgm:pt>
+    <dgm:pt modelId="{305B5A87-271D-4B2A-BF34-AE0FE31AEE8F}" type="pres">
+      <dgm:prSet presAssocID="{0CC00A30-7683-4283-9AAE-B63AA771C26D}" presName="spacer" presStyleCnt="0"/>
+      <dgm:spPr/>
+    </dgm:pt>
+    <dgm:pt modelId="{8AE22C04-655D-4715-9BE9-ED2272540DFB}" type="pres">
+      <dgm:prSet presAssocID="{4D648FA7-CCA5-49F6-B4EF-49F2183CFFB4}" presName="parentText" presStyleLbl="node1" presStyleIdx="9" presStyleCnt="11">
+        <dgm:presLayoutVars>
+          <dgm:chMax val="0"/>
+          <dgm:bulletEnabled val="1"/>
+        </dgm:presLayoutVars>
+      </dgm:prSet>
+      <dgm:spPr/>
+    </dgm:pt>
+    <dgm:pt modelId="{A80EF804-BD7F-4561-BA3E-279673A2319C}" type="pres">
+      <dgm:prSet presAssocID="{EB4D9DF1-DBF5-4C6B-A3EE-FC3E48EADE71}" presName="spacer" presStyleCnt="0"/>
+      <dgm:spPr/>
+    </dgm:pt>
+    <dgm:pt modelId="{7FE9D65B-FACF-4EA5-8E9E-12A0DEAA8E28}" type="pres">
+      <dgm:prSet presAssocID="{2E5380AC-5AB9-4CA2-83D9-9BEFDD251C97}" presName="parentText" presStyleLbl="node1" presStyleIdx="10" presStyleCnt="11">
+        <dgm:presLayoutVars>
+          <dgm:chMax val="0"/>
+          <dgm:bulletEnabled val="1"/>
+        </dgm:presLayoutVars>
+      </dgm:prSet>
+      <dgm:spPr/>
+    </dgm:pt>
+  </dgm:ptLst>
+  <dgm:cxnLst>
+    <dgm:cxn modelId="{28611700-BA23-4741-A582-D315FAF35748}" type="presOf" srcId="{DBCD91CC-5BB3-4DBF-B41C-2B6D3FD4EF59}" destId="{225E4BFE-4856-4B6D-9C0E-79DC14D9FCE4}" srcOrd="0" destOrd="0" presId="urn:microsoft.com/office/officeart/2005/8/layout/vList2"/>
+    <dgm:cxn modelId="{6DE25601-88DA-4CE5-AA0A-1368C65C2B51}" srcId="{DBCD91CC-5BB3-4DBF-B41C-2B6D3FD4EF59}" destId="{782E82DD-93D0-49D6-AF4C-36B07D7600D1}" srcOrd="0" destOrd="0" parTransId="{1B6E485F-AD00-45D5-9DD1-79EA74D38739}" sibTransId="{4B92356D-DA8E-421A-B2BC-F75EC179B4F8}"/>
+    <dgm:cxn modelId="{48FAC101-2EF6-4225-80AF-F7B7D0DA5857}" type="presOf" srcId="{FAE33C23-44CC-405A-9A12-129148F6B1E7}" destId="{D8D299F6-92D6-4AAD-81B0-1C700A3B3A16}" srcOrd="0" destOrd="0" presId="urn:microsoft.com/office/officeart/2005/8/layout/vList2"/>
+    <dgm:cxn modelId="{22FDCC03-1547-4C9C-A746-05CCDCD8810F}" srcId="{DBCD91CC-5BB3-4DBF-B41C-2B6D3FD4EF59}" destId="{B71FF7A4-BBAD-4181-8CD8-399CD1CB14DF}" srcOrd="3" destOrd="0" parTransId="{F8738FAA-E013-4BE9-B208-A51846FADF7D}" sibTransId="{FE27D03B-6263-460F-9C0D-E9FC8858075C}"/>
+    <dgm:cxn modelId="{CC92EC0E-F63F-4A4B-BA41-2142D58BB1CD}" srcId="{DBCD91CC-5BB3-4DBF-B41C-2B6D3FD4EF59}" destId="{4D648FA7-CCA5-49F6-B4EF-49F2183CFFB4}" srcOrd="9" destOrd="0" parTransId="{A3525EE8-9728-4F7C-AA0F-4B46B5669A54}" sibTransId="{EB4D9DF1-DBF5-4C6B-A3EE-FC3E48EADE71}"/>
+    <dgm:cxn modelId="{F4A84020-2167-4448-A082-41120E77663E}" srcId="{DBCD91CC-5BB3-4DBF-B41C-2B6D3FD4EF59}" destId="{8EA017D4-FA35-4FF0-AA6B-9789360E5A9D}" srcOrd="6" destOrd="0" parTransId="{2B9C7111-E810-4889-9E86-B83AE70648B1}" sibTransId="{1C201BF6-6FE8-4336-82F0-F4AF7B625F8E}"/>
+    <dgm:cxn modelId="{370AEF37-BA43-4B80-8B6E-804C7A9FFE32}" type="presOf" srcId="{8EA017D4-FA35-4FF0-AA6B-9789360E5A9D}" destId="{F0ABBED6-AA03-4DB2-8BA8-E0B79D079AE2}" srcOrd="0" destOrd="0" presId="urn:microsoft.com/office/officeart/2005/8/layout/vList2"/>
+    <dgm:cxn modelId="{9F6FB438-509B-4EE7-8CB9-4E56EA773E95}" srcId="{DBCD91CC-5BB3-4DBF-B41C-2B6D3FD4EF59}" destId="{FF526C68-D8D8-4EA8-BC81-BD25452CB621}" srcOrd="7" destOrd="0" parTransId="{0C491040-CA72-42D7-8394-49EBA1B2083C}" sibTransId="{4322CAC0-6AC7-4E04-8F0F-431C9D273F23}"/>
+    <dgm:cxn modelId="{BE7F7240-C5A5-4F88-A9E8-DFD6946BFADE}" srcId="{DBCD91CC-5BB3-4DBF-B41C-2B6D3FD4EF59}" destId="{2B1A9151-C6F4-4033-8BAA-7994915AD5C4}" srcOrd="4" destOrd="0" parTransId="{BD142954-B4BA-4D59-8180-DF4C50FB58AA}" sibTransId="{D314ECB6-E613-468D-AC65-FAA66E5A0D4A}"/>
+    <dgm:cxn modelId="{286E175F-C16F-4C7D-BDF8-A08F58C81A70}" type="presOf" srcId="{9CE7CB20-402E-46D2-BA83-8C4ABE5E50B6}" destId="{85298FEE-85EB-4DDE-BD88-AD3F95B82FE3}" srcOrd="0" destOrd="0" presId="urn:microsoft.com/office/officeart/2005/8/layout/vList2"/>
+    <dgm:cxn modelId="{68091F63-35D3-429A-9169-0C54F745C55E}" type="presOf" srcId="{782E82DD-93D0-49D6-AF4C-36B07D7600D1}" destId="{9F72998D-FE9A-44AE-AC04-AB345C0AFAF4}" srcOrd="0" destOrd="0" presId="urn:microsoft.com/office/officeart/2005/8/layout/vList2"/>
+    <dgm:cxn modelId="{3276364F-C6CA-4046-947C-81BDF7AC400B}" srcId="{DBCD91CC-5BB3-4DBF-B41C-2B6D3FD4EF59}" destId="{FAE33C23-44CC-405A-9A12-129148F6B1E7}" srcOrd="1" destOrd="0" parTransId="{31076FC2-4CF6-42C3-92B3-69CFF6CDF73E}" sibTransId="{A62023CA-D5E9-424A-8157-01C04350BFF2}"/>
+    <dgm:cxn modelId="{AF5ED451-D2DE-4C2A-89A4-878C0EB902E0}" type="presOf" srcId="{02438F3C-7260-4412-B36A-06C9A5ED3E6D}" destId="{72AE0A90-D184-4E26-A1D2-A443D8A680C2}" srcOrd="0" destOrd="0" presId="urn:microsoft.com/office/officeart/2005/8/layout/vList2"/>
+    <dgm:cxn modelId="{95C32473-D2F0-4833-AE2F-E560B28B1571}" type="presOf" srcId="{2E5380AC-5AB9-4CA2-83D9-9BEFDD251C97}" destId="{7FE9D65B-FACF-4EA5-8E9E-12A0DEAA8E28}" srcOrd="0" destOrd="0" presId="urn:microsoft.com/office/officeart/2005/8/layout/vList2"/>
+    <dgm:cxn modelId="{DFCCA485-C61B-4ABC-98CA-8DDC244A6D3F}" srcId="{DBCD91CC-5BB3-4DBF-B41C-2B6D3FD4EF59}" destId="{2E5380AC-5AB9-4CA2-83D9-9BEFDD251C97}" srcOrd="10" destOrd="0" parTransId="{0DAF632A-B81E-4437-B774-6185388B24EC}" sibTransId="{02F45A78-0B10-4302-8E09-1CD92976A2FA}"/>
+    <dgm:cxn modelId="{3B707C9E-F9F9-4D3A-89E7-D39747692FC1}" type="presOf" srcId="{FF526C68-D8D8-4EA8-BC81-BD25452CB621}" destId="{AEE666A9-6B19-45DF-86C4-A6F2A7D7F72E}" srcOrd="0" destOrd="0" presId="urn:microsoft.com/office/officeart/2005/8/layout/vList2"/>
+    <dgm:cxn modelId="{05911CBC-07FA-4B03-967D-F03339672338}" srcId="{DBCD91CC-5BB3-4DBF-B41C-2B6D3FD4EF59}" destId="{02438F3C-7260-4412-B36A-06C9A5ED3E6D}" srcOrd="2" destOrd="0" parTransId="{63B4FE73-1851-4064-A399-9C833F20D356}" sibTransId="{6104BB98-13DA-4F81-89CD-BE9089F5A869}"/>
+    <dgm:cxn modelId="{489565DD-DC24-400B-82B7-9D2B6C4FB1E7}" srcId="{DBCD91CC-5BB3-4DBF-B41C-2B6D3FD4EF59}" destId="{ADC30D8D-8F6F-4607-9821-B45E340059DD}" srcOrd="5" destOrd="0" parTransId="{7F3F40EC-8662-469B-AFEA-1AA6BBAF33C6}" sibTransId="{9BA39F9B-272D-4282-9E6C-E02D9F74586A}"/>
+    <dgm:cxn modelId="{4F34FDE4-08BA-4AA8-9EFA-6A3A9FBD3E4F}" type="presOf" srcId="{2B1A9151-C6F4-4033-8BAA-7994915AD5C4}" destId="{C3938E9E-AA62-4842-9FC1-6C99C2B82FBF}" srcOrd="0" destOrd="0" presId="urn:microsoft.com/office/officeart/2005/8/layout/vList2"/>
+    <dgm:cxn modelId="{4113C8ED-E2E3-473B-B65A-33B284EF1F40}" type="presOf" srcId="{4D648FA7-CCA5-49F6-B4EF-49F2183CFFB4}" destId="{8AE22C04-655D-4715-9BE9-ED2272540DFB}" srcOrd="0" destOrd="0" presId="urn:microsoft.com/office/officeart/2005/8/layout/vList2"/>
+    <dgm:cxn modelId="{6217ACEE-7E19-4056-BD31-8EDC181F2827}" type="presOf" srcId="{B71FF7A4-BBAD-4181-8CD8-399CD1CB14DF}" destId="{61E894F1-E58E-4F9B-BC6D-F1D0789BF833}" srcOrd="0" destOrd="0" presId="urn:microsoft.com/office/officeart/2005/8/layout/vList2"/>
+    <dgm:cxn modelId="{FAA0B6F9-7D9A-4C48-8F65-6FBF195599DF}" type="presOf" srcId="{ADC30D8D-8F6F-4607-9821-B45E340059DD}" destId="{141E9668-F820-475E-877B-9F4FEE6872B6}" srcOrd="0" destOrd="0" presId="urn:microsoft.com/office/officeart/2005/8/layout/vList2"/>
+    <dgm:cxn modelId="{29D223FA-49A4-4AF8-8B80-892C38816690}" srcId="{DBCD91CC-5BB3-4DBF-B41C-2B6D3FD4EF59}" destId="{9CE7CB20-402E-46D2-BA83-8C4ABE5E50B6}" srcOrd="8" destOrd="0" parTransId="{461AB275-EF3B-475D-8D2E-CAF7A7745213}" sibTransId="{0CC00A30-7683-4283-9AAE-B63AA771C26D}"/>
+    <dgm:cxn modelId="{BD3DB05B-1AF9-4A0A-989D-048314CAB4C8}" type="presParOf" srcId="{225E4BFE-4856-4B6D-9C0E-79DC14D9FCE4}" destId="{9F72998D-FE9A-44AE-AC04-AB345C0AFAF4}" srcOrd="0" destOrd="0" presId="urn:microsoft.com/office/officeart/2005/8/layout/vList2"/>
+    <dgm:cxn modelId="{EF11B96F-4B3F-4303-B3B6-F898A5FE73F5}" type="presParOf" srcId="{225E4BFE-4856-4B6D-9C0E-79DC14D9FCE4}" destId="{9CDB014E-6676-4D4A-BA9D-5DD4FBF924EB}" srcOrd="1" destOrd="0" presId="urn:microsoft.com/office/officeart/2005/8/layout/vList2"/>
+    <dgm:cxn modelId="{574D54FB-10EB-4A95-A022-6A69A39EEBAA}" type="presParOf" srcId="{225E4BFE-4856-4B6D-9C0E-79DC14D9FCE4}" destId="{D8D299F6-92D6-4AAD-81B0-1C700A3B3A16}" srcOrd="2" destOrd="0" presId="urn:microsoft.com/office/officeart/2005/8/layout/vList2"/>
+    <dgm:cxn modelId="{A8BBBD60-FCD2-4536-A1CD-DC4DB94AEE66}" type="presParOf" srcId="{225E4BFE-4856-4B6D-9C0E-79DC14D9FCE4}" destId="{7BCF0E7E-E0FA-490C-AB34-834302DC8502}" srcOrd="3" destOrd="0" presId="urn:microsoft.com/office/officeart/2005/8/layout/vList2"/>
+    <dgm:cxn modelId="{4E816CB0-76C3-4446-8FE7-70450CA5F188}" type="presParOf" srcId="{225E4BFE-4856-4B6D-9C0E-79DC14D9FCE4}" destId="{72AE0A90-D184-4E26-A1D2-A443D8A680C2}" srcOrd="4" destOrd="0" presId="urn:microsoft.com/office/officeart/2005/8/layout/vList2"/>
+    <dgm:cxn modelId="{CCCE6F15-C917-43C5-B2E9-3306BB6ADEEB}" type="presParOf" srcId="{225E4BFE-4856-4B6D-9C0E-79DC14D9FCE4}" destId="{651274FB-1D67-423A-BA8D-0DC2DB0743BB}" srcOrd="5" destOrd="0" presId="urn:microsoft.com/office/officeart/2005/8/layout/vList2"/>
+    <dgm:cxn modelId="{1AE21DF4-7E08-44A2-9573-AF0BD197D218}" type="presParOf" srcId="{225E4BFE-4856-4B6D-9C0E-79DC14D9FCE4}" destId="{61E894F1-E58E-4F9B-BC6D-F1D0789BF833}" srcOrd="6" destOrd="0" presId="urn:microsoft.com/office/officeart/2005/8/layout/vList2"/>
+    <dgm:cxn modelId="{DCA67FD1-8967-4742-B438-E01AC0C38E49}" type="presParOf" srcId="{225E4BFE-4856-4B6D-9C0E-79DC14D9FCE4}" destId="{803C0A16-B86D-4A60-AE5A-E65A4DFAFAE5}" srcOrd="7" destOrd="0" presId="urn:microsoft.com/office/officeart/2005/8/layout/vList2"/>
+    <dgm:cxn modelId="{680E87D0-B02A-4664-BA4C-F4A3679683AA}" type="presParOf" srcId="{225E4BFE-4856-4B6D-9C0E-79DC14D9FCE4}" destId="{C3938E9E-AA62-4842-9FC1-6C99C2B82FBF}" srcOrd="8" destOrd="0" presId="urn:microsoft.com/office/officeart/2005/8/layout/vList2"/>
+    <dgm:cxn modelId="{E97D2CDA-6828-4DB4-8C67-A8D7049C45DA}" type="presParOf" srcId="{225E4BFE-4856-4B6D-9C0E-79DC14D9FCE4}" destId="{EA0964D8-F7AB-403D-8622-69948F5E1136}" srcOrd="9" destOrd="0" presId="urn:microsoft.com/office/officeart/2005/8/layout/vList2"/>
+    <dgm:cxn modelId="{A24272DA-DF23-4230-A0C5-FCBF36873A05}" type="presParOf" srcId="{225E4BFE-4856-4B6D-9C0E-79DC14D9FCE4}" destId="{141E9668-F820-475E-877B-9F4FEE6872B6}" srcOrd="10" destOrd="0" presId="urn:microsoft.com/office/officeart/2005/8/layout/vList2"/>
+    <dgm:cxn modelId="{CCF075E2-8A84-4CA1-8B2E-780DDDB3C588}" type="presParOf" srcId="{225E4BFE-4856-4B6D-9C0E-79DC14D9FCE4}" destId="{6BF4DDB8-6D35-4CAD-A187-7D28AAC82C64}" srcOrd="11" destOrd="0" presId="urn:microsoft.com/office/officeart/2005/8/layout/vList2"/>
+    <dgm:cxn modelId="{A7A779FA-6A0B-4838-8F0C-EE3F1237CB14}" type="presParOf" srcId="{225E4BFE-4856-4B6D-9C0E-79DC14D9FCE4}" destId="{F0ABBED6-AA03-4DB2-8BA8-E0B79D079AE2}" srcOrd="12" destOrd="0" presId="urn:microsoft.com/office/officeart/2005/8/layout/vList2"/>
+    <dgm:cxn modelId="{EA8A81A7-8A07-40A1-BF89-A7092D6AF018}" type="presParOf" srcId="{225E4BFE-4856-4B6D-9C0E-79DC14D9FCE4}" destId="{F1B6BCE6-B5F8-442A-AE10-D225F0C52C8C}" srcOrd="13" destOrd="0" presId="urn:microsoft.com/office/officeart/2005/8/layout/vList2"/>
+    <dgm:cxn modelId="{AE161F73-02EE-49ED-9D27-E3FDB59CBB74}" type="presParOf" srcId="{225E4BFE-4856-4B6D-9C0E-79DC14D9FCE4}" destId="{AEE666A9-6B19-45DF-86C4-A6F2A7D7F72E}" srcOrd="14" destOrd="0" presId="urn:microsoft.com/office/officeart/2005/8/layout/vList2"/>
+    <dgm:cxn modelId="{6EA21090-8F40-4352-BF41-FDB615CF40EC}" type="presParOf" srcId="{225E4BFE-4856-4B6D-9C0E-79DC14D9FCE4}" destId="{DAE639B5-84D7-478A-A834-095DAF1E9F40}" srcOrd="15" destOrd="0" presId="urn:microsoft.com/office/officeart/2005/8/layout/vList2"/>
+    <dgm:cxn modelId="{78D24613-66F4-4594-96EE-3DA06EA267E7}" type="presParOf" srcId="{225E4BFE-4856-4B6D-9C0E-79DC14D9FCE4}" destId="{85298FEE-85EB-4DDE-BD88-AD3F95B82FE3}" srcOrd="16" destOrd="0" presId="urn:microsoft.com/office/officeart/2005/8/layout/vList2"/>
+    <dgm:cxn modelId="{1ECE5919-772A-4A80-9E73-8503A0E5DB74}" type="presParOf" srcId="{225E4BFE-4856-4B6D-9C0E-79DC14D9FCE4}" destId="{305B5A87-271D-4B2A-BF34-AE0FE31AEE8F}" srcOrd="17" destOrd="0" presId="urn:microsoft.com/office/officeart/2005/8/layout/vList2"/>
+    <dgm:cxn modelId="{59154E82-682D-4E82-B3A3-E4087D276739}" type="presParOf" srcId="{225E4BFE-4856-4B6D-9C0E-79DC14D9FCE4}" destId="{8AE22C04-655D-4715-9BE9-ED2272540DFB}" srcOrd="18" destOrd="0" presId="urn:microsoft.com/office/officeart/2005/8/layout/vList2"/>
+    <dgm:cxn modelId="{939E8834-1D10-4186-BDA3-71A87F2FD3D6}" type="presParOf" srcId="{225E4BFE-4856-4B6D-9C0E-79DC14D9FCE4}" destId="{A80EF804-BD7F-4561-BA3E-279673A2319C}" srcOrd="19" destOrd="0" presId="urn:microsoft.com/office/officeart/2005/8/layout/vList2"/>
+    <dgm:cxn modelId="{352E4A43-DBD7-4F0C-B8F3-494ADB9194CC}" type="presParOf" srcId="{225E4BFE-4856-4B6D-9C0E-79DC14D9FCE4}" destId="{7FE9D65B-FACF-4EA5-8E9E-12A0DEAA8E28}" srcOrd="20" destOrd="0" presId="urn:microsoft.com/office/officeart/2005/8/layout/vList2"/>
   </dgm:cxnLst>
   <dgm:bg/>
   <dgm:whole/>
@@ -1711,6 +4607,1834 @@
 </dsp:drawing>
 </file>
 
+<file path=ppt/diagrams/drawing2.xml><?xml version="1.0" encoding="utf-8"?>
+<dsp:drawing xmlns:dgm="http://schemas.openxmlformats.org/drawingml/2006/diagram" xmlns:dsp="http://schemas.microsoft.com/office/drawing/2008/diagram" xmlns:a="http://schemas.openxmlformats.org/drawingml/2006/main">
+  <dsp:spTree>
+    <dsp:nvGrpSpPr>
+      <dsp:cNvPr id="0" name=""/>
+      <dsp:cNvGrpSpPr/>
+    </dsp:nvGrpSpPr>
+    <dsp:grpSpPr/>
+    <dsp:sp modelId="{9F72998D-FE9A-44AE-AC04-AB345C0AFAF4}">
+      <dsp:nvSpPr>
+        <dsp:cNvPr id="0" name=""/>
+        <dsp:cNvSpPr/>
+      </dsp:nvSpPr>
+      <dsp:spPr>
+        <a:xfrm>
+          <a:off x="0" y="109552"/>
+          <a:ext cx="10058399" cy="311805"/>
+        </a:xfrm>
+        <a:prstGeom prst="roundRect">
+          <a:avLst/>
+        </a:prstGeom>
+        <a:solidFill>
+          <a:schemeClr val="accent1">
+            <a:hueOff val="0"/>
+            <a:satOff val="0"/>
+            <a:lumOff val="0"/>
+            <a:alphaOff val="0"/>
+          </a:schemeClr>
+        </a:solidFill>
+        <a:ln w="15875" cap="flat" cmpd="sng" algn="ctr">
+          <a:solidFill>
+            <a:schemeClr val="lt1">
+              <a:hueOff val="0"/>
+              <a:satOff val="0"/>
+              <a:lumOff val="0"/>
+              <a:alphaOff val="0"/>
+            </a:schemeClr>
+          </a:solidFill>
+          <a:prstDash val="solid"/>
+        </a:ln>
+        <a:effectLst/>
+      </dsp:spPr>
+      <dsp:style>
+        <a:lnRef idx="2">
+          <a:scrgbClr r="0" g="0" b="0"/>
+        </a:lnRef>
+        <a:fillRef idx="1">
+          <a:scrgbClr r="0" g="0" b="0"/>
+        </a:fillRef>
+        <a:effectRef idx="0">
+          <a:scrgbClr r="0" g="0" b="0"/>
+        </a:effectRef>
+        <a:fontRef idx="minor">
+          <a:schemeClr val="lt1"/>
+        </a:fontRef>
+      </dsp:style>
+      <dsp:txBody>
+        <a:bodyPr spcFirstLastPara="0" vert="horz" wrap="square" lIns="49530" tIns="49530" rIns="49530" bIns="49530" numCol="1" spcCol="1270" anchor="ctr" anchorCtr="0">
+          <a:noAutofit/>
+        </a:bodyPr>
+        <a:lstStyle/>
+        <a:p>
+          <a:pPr marL="0" lvl="0" indent="0" algn="l" defTabSz="577850">
+            <a:lnSpc>
+              <a:spcPct val="90000"/>
+            </a:lnSpc>
+            <a:spcBef>
+              <a:spcPct val="0"/>
+            </a:spcBef>
+            <a:spcAft>
+              <a:spcPct val="35000"/>
+            </a:spcAft>
+            <a:buNone/>
+          </a:pPr>
+          <a:r>
+            <a:rPr lang="en-US" sz="1300" b="1" i="0" kern="1200" dirty="0"/>
+            <a:t>Build-Measure-Learn</a:t>
+          </a:r>
+          <a:r>
+            <a:rPr lang="en-US" sz="1300" b="0" i="0" kern="1200" dirty="0"/>
+            <a:t>: Create, measure, and learn from your product quickly.</a:t>
+          </a:r>
+          <a:endParaRPr lang="fr-FR" sz="1300" kern="1200" dirty="0"/>
+        </a:p>
+      </dsp:txBody>
+      <dsp:txXfrm>
+        <a:off x="15221" y="124773"/>
+        <a:ext cx="10027957" cy="281363"/>
+      </dsp:txXfrm>
+    </dsp:sp>
+    <dsp:sp modelId="{F2D1D1BA-8867-4D38-91D2-03C8E404C398}">
+      <dsp:nvSpPr>
+        <dsp:cNvPr id="0" name=""/>
+        <dsp:cNvSpPr/>
+      </dsp:nvSpPr>
+      <dsp:spPr>
+        <a:xfrm>
+          <a:off x="0" y="458797"/>
+          <a:ext cx="10058399" cy="311805"/>
+        </a:xfrm>
+        <a:prstGeom prst="roundRect">
+          <a:avLst/>
+        </a:prstGeom>
+        <a:solidFill>
+          <a:schemeClr val="accent1">
+            <a:hueOff val="0"/>
+            <a:satOff val="0"/>
+            <a:lumOff val="0"/>
+            <a:alphaOff val="0"/>
+          </a:schemeClr>
+        </a:solidFill>
+        <a:ln w="15875" cap="flat" cmpd="sng" algn="ctr">
+          <a:solidFill>
+            <a:schemeClr val="lt1">
+              <a:hueOff val="0"/>
+              <a:satOff val="0"/>
+              <a:lumOff val="0"/>
+              <a:alphaOff val="0"/>
+            </a:schemeClr>
+          </a:solidFill>
+          <a:prstDash val="solid"/>
+        </a:ln>
+        <a:effectLst/>
+      </dsp:spPr>
+      <dsp:style>
+        <a:lnRef idx="2">
+          <a:scrgbClr r="0" g="0" b="0"/>
+        </a:lnRef>
+        <a:fillRef idx="1">
+          <a:scrgbClr r="0" g="0" b="0"/>
+        </a:fillRef>
+        <a:effectRef idx="0">
+          <a:scrgbClr r="0" g="0" b="0"/>
+        </a:effectRef>
+        <a:fontRef idx="minor">
+          <a:schemeClr val="lt1"/>
+        </a:fontRef>
+      </dsp:style>
+      <dsp:txBody>
+        <a:bodyPr spcFirstLastPara="0" vert="horz" wrap="square" lIns="49530" tIns="49530" rIns="49530" bIns="49530" numCol="1" spcCol="1270" anchor="ctr" anchorCtr="0">
+          <a:noAutofit/>
+        </a:bodyPr>
+        <a:lstStyle/>
+        <a:p>
+          <a:pPr marL="0" lvl="0" indent="0" algn="l" defTabSz="577850">
+            <a:lnSpc>
+              <a:spcPct val="90000"/>
+            </a:lnSpc>
+            <a:spcBef>
+              <a:spcPct val="0"/>
+            </a:spcBef>
+            <a:spcAft>
+              <a:spcPct val="35000"/>
+            </a:spcAft>
+            <a:buFont typeface="+mj-lt"/>
+            <a:buNone/>
+          </a:pPr>
+          <a:r>
+            <a:rPr lang="en-US" sz="1300" b="1" i="0" kern="1200"/>
+            <a:t>Validated Learning</a:t>
+          </a:r>
+          <a:r>
+            <a:rPr lang="en-US" sz="1300" b="0" i="0" kern="1200"/>
+            <a:t>: Focus on data that proves or disproves your assumptions.</a:t>
+          </a:r>
+        </a:p>
+      </dsp:txBody>
+      <dsp:txXfrm>
+        <a:off x="15221" y="474018"/>
+        <a:ext cx="10027957" cy="281363"/>
+      </dsp:txXfrm>
+    </dsp:sp>
+    <dsp:sp modelId="{E299AD32-C287-4B56-B8F4-23A37111C286}">
+      <dsp:nvSpPr>
+        <dsp:cNvPr id="0" name=""/>
+        <dsp:cNvSpPr/>
+      </dsp:nvSpPr>
+      <dsp:spPr>
+        <a:xfrm>
+          <a:off x="0" y="808042"/>
+          <a:ext cx="10058399" cy="311805"/>
+        </a:xfrm>
+        <a:prstGeom prst="roundRect">
+          <a:avLst/>
+        </a:prstGeom>
+        <a:solidFill>
+          <a:schemeClr val="accent1">
+            <a:hueOff val="0"/>
+            <a:satOff val="0"/>
+            <a:lumOff val="0"/>
+            <a:alphaOff val="0"/>
+          </a:schemeClr>
+        </a:solidFill>
+        <a:ln w="15875" cap="flat" cmpd="sng" algn="ctr">
+          <a:solidFill>
+            <a:schemeClr val="lt1">
+              <a:hueOff val="0"/>
+              <a:satOff val="0"/>
+              <a:lumOff val="0"/>
+              <a:alphaOff val="0"/>
+            </a:schemeClr>
+          </a:solidFill>
+          <a:prstDash val="solid"/>
+        </a:ln>
+        <a:effectLst/>
+      </dsp:spPr>
+      <dsp:style>
+        <a:lnRef idx="2">
+          <a:scrgbClr r="0" g="0" b="0"/>
+        </a:lnRef>
+        <a:fillRef idx="1">
+          <a:scrgbClr r="0" g="0" b="0"/>
+        </a:fillRef>
+        <a:effectRef idx="0">
+          <a:scrgbClr r="0" g="0" b="0"/>
+        </a:effectRef>
+        <a:fontRef idx="minor">
+          <a:schemeClr val="lt1"/>
+        </a:fontRef>
+      </dsp:style>
+      <dsp:txBody>
+        <a:bodyPr spcFirstLastPara="0" vert="horz" wrap="square" lIns="49530" tIns="49530" rIns="49530" bIns="49530" numCol="1" spcCol="1270" anchor="ctr" anchorCtr="0">
+          <a:noAutofit/>
+        </a:bodyPr>
+        <a:lstStyle/>
+        <a:p>
+          <a:pPr marL="0" lvl="0" indent="0" algn="l" defTabSz="577850">
+            <a:lnSpc>
+              <a:spcPct val="90000"/>
+            </a:lnSpc>
+            <a:spcBef>
+              <a:spcPct val="0"/>
+            </a:spcBef>
+            <a:spcAft>
+              <a:spcPct val="35000"/>
+            </a:spcAft>
+            <a:buFont typeface="+mj-lt"/>
+            <a:buNone/>
+          </a:pPr>
+          <a:r>
+            <a:rPr lang="en-US" sz="1300" b="1" i="0" kern="1200"/>
+            <a:t>Pivot and Persevere</a:t>
+          </a:r>
+          <a:r>
+            <a:rPr lang="en-US" sz="1300" b="0" i="0" kern="1200"/>
+            <a:t>: Be ready to change or stick with your core idea based on data.</a:t>
+          </a:r>
+        </a:p>
+      </dsp:txBody>
+      <dsp:txXfrm>
+        <a:off x="15221" y="823263"/>
+        <a:ext cx="10027957" cy="281363"/>
+      </dsp:txXfrm>
+    </dsp:sp>
+    <dsp:sp modelId="{C3B36853-1203-460F-8C42-DF8D405B1A40}">
+      <dsp:nvSpPr>
+        <dsp:cNvPr id="0" name=""/>
+        <dsp:cNvSpPr/>
+      </dsp:nvSpPr>
+      <dsp:spPr>
+        <a:xfrm>
+          <a:off x="0" y="1157287"/>
+          <a:ext cx="10058399" cy="311805"/>
+        </a:xfrm>
+        <a:prstGeom prst="roundRect">
+          <a:avLst/>
+        </a:prstGeom>
+        <a:solidFill>
+          <a:schemeClr val="accent1">
+            <a:hueOff val="0"/>
+            <a:satOff val="0"/>
+            <a:lumOff val="0"/>
+            <a:alphaOff val="0"/>
+          </a:schemeClr>
+        </a:solidFill>
+        <a:ln w="15875" cap="flat" cmpd="sng" algn="ctr">
+          <a:solidFill>
+            <a:schemeClr val="lt1">
+              <a:hueOff val="0"/>
+              <a:satOff val="0"/>
+              <a:lumOff val="0"/>
+              <a:alphaOff val="0"/>
+            </a:schemeClr>
+          </a:solidFill>
+          <a:prstDash val="solid"/>
+        </a:ln>
+        <a:effectLst/>
+      </dsp:spPr>
+      <dsp:style>
+        <a:lnRef idx="2">
+          <a:scrgbClr r="0" g="0" b="0"/>
+        </a:lnRef>
+        <a:fillRef idx="1">
+          <a:scrgbClr r="0" g="0" b="0"/>
+        </a:fillRef>
+        <a:effectRef idx="0">
+          <a:scrgbClr r="0" g="0" b="0"/>
+        </a:effectRef>
+        <a:fontRef idx="minor">
+          <a:schemeClr val="lt1"/>
+        </a:fontRef>
+      </dsp:style>
+      <dsp:txBody>
+        <a:bodyPr spcFirstLastPara="0" vert="horz" wrap="square" lIns="49530" tIns="49530" rIns="49530" bIns="49530" numCol="1" spcCol="1270" anchor="ctr" anchorCtr="0">
+          <a:noAutofit/>
+        </a:bodyPr>
+        <a:lstStyle/>
+        <a:p>
+          <a:pPr marL="0" lvl="0" indent="0" algn="l" defTabSz="577850">
+            <a:lnSpc>
+              <a:spcPct val="90000"/>
+            </a:lnSpc>
+            <a:spcBef>
+              <a:spcPct val="0"/>
+            </a:spcBef>
+            <a:spcAft>
+              <a:spcPct val="35000"/>
+            </a:spcAft>
+            <a:buFont typeface="+mj-lt"/>
+            <a:buNone/>
+          </a:pPr>
+          <a:r>
+            <a:rPr lang="en-US" sz="1300" b="1" i="0" kern="1200"/>
+            <a:t>MVP Development</a:t>
+          </a:r>
+          <a:r>
+            <a:rPr lang="en-US" sz="1300" b="0" i="0" kern="1200"/>
+            <a:t>: Start with a minimal product for testing your core hypotheses.</a:t>
+          </a:r>
+        </a:p>
+      </dsp:txBody>
+      <dsp:txXfrm>
+        <a:off x="15221" y="1172508"/>
+        <a:ext cx="10027957" cy="281363"/>
+      </dsp:txXfrm>
+    </dsp:sp>
+    <dsp:sp modelId="{95C2098A-0161-4F16-957B-21FCAEAAE3DF}">
+      <dsp:nvSpPr>
+        <dsp:cNvPr id="0" name=""/>
+        <dsp:cNvSpPr/>
+      </dsp:nvSpPr>
+      <dsp:spPr>
+        <a:xfrm>
+          <a:off x="0" y="1506532"/>
+          <a:ext cx="10058399" cy="311805"/>
+        </a:xfrm>
+        <a:prstGeom prst="roundRect">
+          <a:avLst/>
+        </a:prstGeom>
+        <a:solidFill>
+          <a:schemeClr val="accent1">
+            <a:hueOff val="0"/>
+            <a:satOff val="0"/>
+            <a:lumOff val="0"/>
+            <a:alphaOff val="0"/>
+          </a:schemeClr>
+        </a:solidFill>
+        <a:ln w="15875" cap="flat" cmpd="sng" algn="ctr">
+          <a:solidFill>
+            <a:schemeClr val="lt1">
+              <a:hueOff val="0"/>
+              <a:satOff val="0"/>
+              <a:lumOff val="0"/>
+              <a:alphaOff val="0"/>
+            </a:schemeClr>
+          </a:solidFill>
+          <a:prstDash val="solid"/>
+        </a:ln>
+        <a:effectLst/>
+      </dsp:spPr>
+      <dsp:style>
+        <a:lnRef idx="2">
+          <a:scrgbClr r="0" g="0" b="0"/>
+        </a:lnRef>
+        <a:fillRef idx="1">
+          <a:scrgbClr r="0" g="0" b="0"/>
+        </a:fillRef>
+        <a:effectRef idx="0">
+          <a:scrgbClr r="0" g="0" b="0"/>
+        </a:effectRef>
+        <a:fontRef idx="minor">
+          <a:schemeClr val="lt1"/>
+        </a:fontRef>
+      </dsp:style>
+      <dsp:txBody>
+        <a:bodyPr spcFirstLastPara="0" vert="horz" wrap="square" lIns="49530" tIns="49530" rIns="49530" bIns="49530" numCol="1" spcCol="1270" anchor="ctr" anchorCtr="0">
+          <a:noAutofit/>
+        </a:bodyPr>
+        <a:lstStyle/>
+        <a:p>
+          <a:pPr marL="0" lvl="0" indent="0" algn="l" defTabSz="577850">
+            <a:lnSpc>
+              <a:spcPct val="90000"/>
+            </a:lnSpc>
+            <a:spcBef>
+              <a:spcPct val="0"/>
+            </a:spcBef>
+            <a:spcAft>
+              <a:spcPct val="35000"/>
+            </a:spcAft>
+            <a:buFont typeface="+mj-lt"/>
+            <a:buNone/>
+          </a:pPr>
+          <a:r>
+            <a:rPr lang="en-US" sz="1300" b="1" i="0" kern="1200"/>
+            <a:t>Customer Development</a:t>
+          </a:r>
+          <a:r>
+            <a:rPr lang="en-US" sz="1300" b="0" i="0" kern="1200"/>
+            <a:t>: Engage with customers to understand their needs.</a:t>
+          </a:r>
+        </a:p>
+      </dsp:txBody>
+      <dsp:txXfrm>
+        <a:off x="15221" y="1521753"/>
+        <a:ext cx="10027957" cy="281363"/>
+      </dsp:txXfrm>
+    </dsp:sp>
+    <dsp:sp modelId="{22885CD5-15FE-4355-8B5A-D072F7CF9275}">
+      <dsp:nvSpPr>
+        <dsp:cNvPr id="0" name=""/>
+        <dsp:cNvSpPr/>
+      </dsp:nvSpPr>
+      <dsp:spPr>
+        <a:xfrm>
+          <a:off x="0" y="1855777"/>
+          <a:ext cx="10058399" cy="311805"/>
+        </a:xfrm>
+        <a:prstGeom prst="roundRect">
+          <a:avLst/>
+        </a:prstGeom>
+        <a:solidFill>
+          <a:schemeClr val="accent1">
+            <a:hueOff val="0"/>
+            <a:satOff val="0"/>
+            <a:lumOff val="0"/>
+            <a:alphaOff val="0"/>
+          </a:schemeClr>
+        </a:solidFill>
+        <a:ln w="15875" cap="flat" cmpd="sng" algn="ctr">
+          <a:solidFill>
+            <a:schemeClr val="lt1">
+              <a:hueOff val="0"/>
+              <a:satOff val="0"/>
+              <a:lumOff val="0"/>
+              <a:alphaOff val="0"/>
+            </a:schemeClr>
+          </a:solidFill>
+          <a:prstDash val="solid"/>
+        </a:ln>
+        <a:effectLst/>
+      </dsp:spPr>
+      <dsp:style>
+        <a:lnRef idx="2">
+          <a:scrgbClr r="0" g="0" b="0"/>
+        </a:lnRef>
+        <a:fillRef idx="1">
+          <a:scrgbClr r="0" g="0" b="0"/>
+        </a:fillRef>
+        <a:effectRef idx="0">
+          <a:scrgbClr r="0" g="0" b="0"/>
+        </a:effectRef>
+        <a:fontRef idx="minor">
+          <a:schemeClr val="lt1"/>
+        </a:fontRef>
+      </dsp:style>
+      <dsp:txBody>
+        <a:bodyPr spcFirstLastPara="0" vert="horz" wrap="square" lIns="49530" tIns="49530" rIns="49530" bIns="49530" numCol="1" spcCol="1270" anchor="ctr" anchorCtr="0">
+          <a:noAutofit/>
+        </a:bodyPr>
+        <a:lstStyle/>
+        <a:p>
+          <a:pPr marL="0" lvl="0" indent="0" algn="l" defTabSz="577850">
+            <a:lnSpc>
+              <a:spcPct val="90000"/>
+            </a:lnSpc>
+            <a:spcBef>
+              <a:spcPct val="0"/>
+            </a:spcBef>
+            <a:spcAft>
+              <a:spcPct val="35000"/>
+            </a:spcAft>
+            <a:buFont typeface="+mj-lt"/>
+            <a:buNone/>
+          </a:pPr>
+          <a:r>
+            <a:rPr lang="en-US" sz="1300" b="1" i="0" kern="1200"/>
+            <a:t>Continuous Deployment</a:t>
+          </a:r>
+          <a:r>
+            <a:rPr lang="en-US" sz="1300" b="0" i="0" kern="1200"/>
+            <a:t>: Iterate rapidly with continuous updates.</a:t>
+          </a:r>
+        </a:p>
+      </dsp:txBody>
+      <dsp:txXfrm>
+        <a:off x="15221" y="1870998"/>
+        <a:ext cx="10027957" cy="281363"/>
+      </dsp:txXfrm>
+    </dsp:sp>
+    <dsp:sp modelId="{F06063E1-14AF-4349-831E-7C7FDEE9A7FE}">
+      <dsp:nvSpPr>
+        <dsp:cNvPr id="0" name=""/>
+        <dsp:cNvSpPr/>
+      </dsp:nvSpPr>
+      <dsp:spPr>
+        <a:xfrm>
+          <a:off x="0" y="2205022"/>
+          <a:ext cx="10058399" cy="311805"/>
+        </a:xfrm>
+        <a:prstGeom prst="roundRect">
+          <a:avLst/>
+        </a:prstGeom>
+        <a:solidFill>
+          <a:schemeClr val="accent1">
+            <a:hueOff val="0"/>
+            <a:satOff val="0"/>
+            <a:lumOff val="0"/>
+            <a:alphaOff val="0"/>
+          </a:schemeClr>
+        </a:solidFill>
+        <a:ln w="15875" cap="flat" cmpd="sng" algn="ctr">
+          <a:solidFill>
+            <a:schemeClr val="lt1">
+              <a:hueOff val="0"/>
+              <a:satOff val="0"/>
+              <a:lumOff val="0"/>
+              <a:alphaOff val="0"/>
+            </a:schemeClr>
+          </a:solidFill>
+          <a:prstDash val="solid"/>
+        </a:ln>
+        <a:effectLst/>
+      </dsp:spPr>
+      <dsp:style>
+        <a:lnRef idx="2">
+          <a:scrgbClr r="0" g="0" b="0"/>
+        </a:lnRef>
+        <a:fillRef idx="1">
+          <a:scrgbClr r="0" g="0" b="0"/>
+        </a:fillRef>
+        <a:effectRef idx="0">
+          <a:scrgbClr r="0" g="0" b="0"/>
+        </a:effectRef>
+        <a:fontRef idx="minor">
+          <a:schemeClr val="lt1"/>
+        </a:fontRef>
+      </dsp:style>
+      <dsp:txBody>
+        <a:bodyPr spcFirstLastPara="0" vert="horz" wrap="square" lIns="49530" tIns="49530" rIns="49530" bIns="49530" numCol="1" spcCol="1270" anchor="ctr" anchorCtr="0">
+          <a:noAutofit/>
+        </a:bodyPr>
+        <a:lstStyle/>
+        <a:p>
+          <a:pPr marL="0" lvl="0" indent="0" algn="l" defTabSz="577850">
+            <a:lnSpc>
+              <a:spcPct val="90000"/>
+            </a:lnSpc>
+            <a:spcBef>
+              <a:spcPct val="0"/>
+            </a:spcBef>
+            <a:spcAft>
+              <a:spcPct val="35000"/>
+            </a:spcAft>
+            <a:buFont typeface="+mj-lt"/>
+            <a:buNone/>
+          </a:pPr>
+          <a:r>
+            <a:rPr lang="en-US" sz="1300" b="1" i="0" kern="1200"/>
+            <a:t>Actionable Metrics</a:t>
+          </a:r>
+          <a:r>
+            <a:rPr lang="en-US" sz="1300" b="0" i="0" kern="1200"/>
+            <a:t>: Prioritize metrics that inform your decisions.</a:t>
+          </a:r>
+        </a:p>
+      </dsp:txBody>
+      <dsp:txXfrm>
+        <a:off x="15221" y="2220243"/>
+        <a:ext cx="10027957" cy="281363"/>
+      </dsp:txXfrm>
+    </dsp:sp>
+    <dsp:sp modelId="{CC9A9652-5FD0-48A4-88AA-4C289BFFA85D}">
+      <dsp:nvSpPr>
+        <dsp:cNvPr id="0" name=""/>
+        <dsp:cNvSpPr/>
+      </dsp:nvSpPr>
+      <dsp:spPr>
+        <a:xfrm>
+          <a:off x="0" y="2554267"/>
+          <a:ext cx="10058399" cy="311805"/>
+        </a:xfrm>
+        <a:prstGeom prst="roundRect">
+          <a:avLst/>
+        </a:prstGeom>
+        <a:solidFill>
+          <a:schemeClr val="accent1">
+            <a:hueOff val="0"/>
+            <a:satOff val="0"/>
+            <a:lumOff val="0"/>
+            <a:alphaOff val="0"/>
+          </a:schemeClr>
+        </a:solidFill>
+        <a:ln w="15875" cap="flat" cmpd="sng" algn="ctr">
+          <a:solidFill>
+            <a:schemeClr val="lt1">
+              <a:hueOff val="0"/>
+              <a:satOff val="0"/>
+              <a:lumOff val="0"/>
+              <a:alphaOff val="0"/>
+            </a:schemeClr>
+          </a:solidFill>
+          <a:prstDash val="solid"/>
+        </a:ln>
+        <a:effectLst/>
+      </dsp:spPr>
+      <dsp:style>
+        <a:lnRef idx="2">
+          <a:scrgbClr r="0" g="0" b="0"/>
+        </a:lnRef>
+        <a:fillRef idx="1">
+          <a:scrgbClr r="0" g="0" b="0"/>
+        </a:fillRef>
+        <a:effectRef idx="0">
+          <a:scrgbClr r="0" g="0" b="0"/>
+        </a:effectRef>
+        <a:fontRef idx="minor">
+          <a:schemeClr val="lt1"/>
+        </a:fontRef>
+      </dsp:style>
+      <dsp:txBody>
+        <a:bodyPr spcFirstLastPara="0" vert="horz" wrap="square" lIns="49530" tIns="49530" rIns="49530" bIns="49530" numCol="1" spcCol="1270" anchor="ctr" anchorCtr="0">
+          <a:noAutofit/>
+        </a:bodyPr>
+        <a:lstStyle/>
+        <a:p>
+          <a:pPr marL="0" lvl="0" indent="0" algn="l" defTabSz="577850">
+            <a:lnSpc>
+              <a:spcPct val="90000"/>
+            </a:lnSpc>
+            <a:spcBef>
+              <a:spcPct val="0"/>
+            </a:spcBef>
+            <a:spcAft>
+              <a:spcPct val="35000"/>
+            </a:spcAft>
+            <a:buFont typeface="+mj-lt"/>
+            <a:buNone/>
+          </a:pPr>
+          <a:r>
+            <a:rPr lang="en-US" sz="1300" b="1" i="0" kern="1200"/>
+            <a:t>Lean Thinking</a:t>
+          </a:r>
+          <a:r>
+            <a:rPr lang="en-US" sz="1300" b="0" i="0" kern="1200"/>
+            <a:t>: Apply lean principles to eliminate waste and create value.</a:t>
+          </a:r>
+        </a:p>
+      </dsp:txBody>
+      <dsp:txXfrm>
+        <a:off x="15221" y="2569488"/>
+        <a:ext cx="10027957" cy="281363"/>
+      </dsp:txXfrm>
+    </dsp:sp>
+    <dsp:sp modelId="{B5C7E68A-A31C-47DF-BD5D-9693CFE9CF7C}">
+      <dsp:nvSpPr>
+        <dsp:cNvPr id="0" name=""/>
+        <dsp:cNvSpPr/>
+      </dsp:nvSpPr>
+      <dsp:spPr>
+        <a:xfrm>
+          <a:off x="0" y="2903512"/>
+          <a:ext cx="10058399" cy="311805"/>
+        </a:xfrm>
+        <a:prstGeom prst="roundRect">
+          <a:avLst/>
+        </a:prstGeom>
+        <a:solidFill>
+          <a:schemeClr val="accent1">
+            <a:hueOff val="0"/>
+            <a:satOff val="0"/>
+            <a:lumOff val="0"/>
+            <a:alphaOff val="0"/>
+          </a:schemeClr>
+        </a:solidFill>
+        <a:ln w="15875" cap="flat" cmpd="sng" algn="ctr">
+          <a:solidFill>
+            <a:schemeClr val="lt1">
+              <a:hueOff val="0"/>
+              <a:satOff val="0"/>
+              <a:lumOff val="0"/>
+              <a:alphaOff val="0"/>
+            </a:schemeClr>
+          </a:solidFill>
+          <a:prstDash val="solid"/>
+        </a:ln>
+        <a:effectLst/>
+      </dsp:spPr>
+      <dsp:style>
+        <a:lnRef idx="2">
+          <a:scrgbClr r="0" g="0" b="0"/>
+        </a:lnRef>
+        <a:fillRef idx="1">
+          <a:scrgbClr r="0" g="0" b="0"/>
+        </a:fillRef>
+        <a:effectRef idx="0">
+          <a:scrgbClr r="0" g="0" b="0"/>
+        </a:effectRef>
+        <a:fontRef idx="minor">
+          <a:schemeClr val="lt1"/>
+        </a:fontRef>
+      </dsp:style>
+      <dsp:txBody>
+        <a:bodyPr spcFirstLastPara="0" vert="horz" wrap="square" lIns="49530" tIns="49530" rIns="49530" bIns="49530" numCol="1" spcCol="1270" anchor="ctr" anchorCtr="0">
+          <a:noAutofit/>
+        </a:bodyPr>
+        <a:lstStyle/>
+        <a:p>
+          <a:pPr marL="0" lvl="0" indent="0" algn="l" defTabSz="577850">
+            <a:lnSpc>
+              <a:spcPct val="90000"/>
+            </a:lnSpc>
+            <a:spcBef>
+              <a:spcPct val="0"/>
+            </a:spcBef>
+            <a:spcAft>
+              <a:spcPct val="35000"/>
+            </a:spcAft>
+            <a:buFont typeface="+mj-lt"/>
+            <a:buNone/>
+          </a:pPr>
+          <a:r>
+            <a:rPr lang="en-US" sz="1300" b="1" i="0" kern="1200"/>
+            <a:t>Innovative Accounting</a:t>
+          </a:r>
+          <a:r>
+            <a:rPr lang="en-US" sz="1300" b="0" i="0" kern="1200"/>
+            <a:t>: Develop unique accounting practices for startups.</a:t>
+          </a:r>
+        </a:p>
+      </dsp:txBody>
+      <dsp:txXfrm>
+        <a:off x="15221" y="2918733"/>
+        <a:ext cx="10027957" cy="281363"/>
+      </dsp:txXfrm>
+    </dsp:sp>
+    <dsp:sp modelId="{A152CB62-C9BC-4C16-8E1A-ED38CA6C9FC3}">
+      <dsp:nvSpPr>
+        <dsp:cNvPr id="0" name=""/>
+        <dsp:cNvSpPr/>
+      </dsp:nvSpPr>
+      <dsp:spPr>
+        <a:xfrm>
+          <a:off x="0" y="3252757"/>
+          <a:ext cx="10058399" cy="311805"/>
+        </a:xfrm>
+        <a:prstGeom prst="roundRect">
+          <a:avLst/>
+        </a:prstGeom>
+        <a:solidFill>
+          <a:schemeClr val="accent1">
+            <a:hueOff val="0"/>
+            <a:satOff val="0"/>
+            <a:lumOff val="0"/>
+            <a:alphaOff val="0"/>
+          </a:schemeClr>
+        </a:solidFill>
+        <a:ln w="15875" cap="flat" cmpd="sng" algn="ctr">
+          <a:solidFill>
+            <a:schemeClr val="lt1">
+              <a:hueOff val="0"/>
+              <a:satOff val="0"/>
+              <a:lumOff val="0"/>
+              <a:alphaOff val="0"/>
+            </a:schemeClr>
+          </a:solidFill>
+          <a:prstDash val="solid"/>
+        </a:ln>
+        <a:effectLst/>
+      </dsp:spPr>
+      <dsp:style>
+        <a:lnRef idx="2">
+          <a:scrgbClr r="0" g="0" b="0"/>
+        </a:lnRef>
+        <a:fillRef idx="1">
+          <a:scrgbClr r="0" g="0" b="0"/>
+        </a:fillRef>
+        <a:effectRef idx="0">
+          <a:scrgbClr r="0" g="0" b="0"/>
+        </a:effectRef>
+        <a:fontRef idx="minor">
+          <a:schemeClr val="lt1"/>
+        </a:fontRef>
+      </dsp:style>
+      <dsp:txBody>
+        <a:bodyPr spcFirstLastPara="0" vert="horz" wrap="square" lIns="49530" tIns="49530" rIns="49530" bIns="49530" numCol="1" spcCol="1270" anchor="ctr" anchorCtr="0">
+          <a:noAutofit/>
+        </a:bodyPr>
+        <a:lstStyle/>
+        <a:p>
+          <a:pPr marL="0" lvl="0" indent="0" algn="l" defTabSz="577850">
+            <a:lnSpc>
+              <a:spcPct val="90000"/>
+            </a:lnSpc>
+            <a:spcBef>
+              <a:spcPct val="0"/>
+            </a:spcBef>
+            <a:spcAft>
+              <a:spcPct val="35000"/>
+            </a:spcAft>
+            <a:buFont typeface="+mj-lt"/>
+            <a:buNone/>
+          </a:pPr>
+          <a:r>
+            <a:rPr lang="en-US" sz="1300" b="1" i="0" kern="1200"/>
+            <a:t>Split Testing</a:t>
+          </a:r>
+          <a:r>
+            <a:rPr lang="en-US" sz="1300" b="0" i="0" kern="1200"/>
+            <a:t>: Experiment with different features and marketing strategies.</a:t>
+          </a:r>
+        </a:p>
+      </dsp:txBody>
+      <dsp:txXfrm>
+        <a:off x="15221" y="3267978"/>
+        <a:ext cx="10027957" cy="281363"/>
+      </dsp:txXfrm>
+    </dsp:sp>
+    <dsp:sp modelId="{00A5F823-2D53-4822-AA18-EC093F158C32}">
+      <dsp:nvSpPr>
+        <dsp:cNvPr id="0" name=""/>
+        <dsp:cNvSpPr/>
+      </dsp:nvSpPr>
+      <dsp:spPr>
+        <a:xfrm>
+          <a:off x="0" y="3602002"/>
+          <a:ext cx="10058399" cy="311805"/>
+        </a:xfrm>
+        <a:prstGeom prst="roundRect">
+          <a:avLst/>
+        </a:prstGeom>
+        <a:solidFill>
+          <a:schemeClr val="accent1">
+            <a:hueOff val="0"/>
+            <a:satOff val="0"/>
+            <a:lumOff val="0"/>
+            <a:alphaOff val="0"/>
+          </a:schemeClr>
+        </a:solidFill>
+        <a:ln w="15875" cap="flat" cmpd="sng" algn="ctr">
+          <a:solidFill>
+            <a:schemeClr val="lt1">
+              <a:hueOff val="0"/>
+              <a:satOff val="0"/>
+              <a:lumOff val="0"/>
+              <a:alphaOff val="0"/>
+            </a:schemeClr>
+          </a:solidFill>
+          <a:prstDash val="solid"/>
+        </a:ln>
+        <a:effectLst/>
+      </dsp:spPr>
+      <dsp:style>
+        <a:lnRef idx="2">
+          <a:scrgbClr r="0" g="0" b="0"/>
+        </a:lnRef>
+        <a:fillRef idx="1">
+          <a:scrgbClr r="0" g="0" b="0"/>
+        </a:fillRef>
+        <a:effectRef idx="0">
+          <a:scrgbClr r="0" g="0" b="0"/>
+        </a:effectRef>
+        <a:fontRef idx="minor">
+          <a:schemeClr val="lt1"/>
+        </a:fontRef>
+      </dsp:style>
+      <dsp:txBody>
+        <a:bodyPr spcFirstLastPara="0" vert="horz" wrap="square" lIns="49530" tIns="49530" rIns="49530" bIns="49530" numCol="1" spcCol="1270" anchor="ctr" anchorCtr="0">
+          <a:noAutofit/>
+        </a:bodyPr>
+        <a:lstStyle/>
+        <a:p>
+          <a:pPr marL="0" lvl="0" indent="0" algn="l" defTabSz="577850">
+            <a:lnSpc>
+              <a:spcPct val="90000"/>
+            </a:lnSpc>
+            <a:spcBef>
+              <a:spcPct val="0"/>
+            </a:spcBef>
+            <a:spcAft>
+              <a:spcPct val="35000"/>
+            </a:spcAft>
+            <a:buFont typeface="+mj-lt"/>
+            <a:buNone/>
+          </a:pPr>
+          <a:r>
+            <a:rPr lang="en-US" sz="1300" b="1" i="0" kern="1200"/>
+            <a:t>The Three Engines</a:t>
+          </a:r>
+          <a:r>
+            <a:rPr lang="en-US" sz="1300" b="0" i="0" kern="1200"/>
+            <a:t>: Explore viral, sticky, and paid growth strategies.</a:t>
+          </a:r>
+        </a:p>
+      </dsp:txBody>
+      <dsp:txXfrm>
+        <a:off x="15221" y="3617223"/>
+        <a:ext cx="10027957" cy="281363"/>
+      </dsp:txXfrm>
+    </dsp:sp>
+  </dsp:spTree>
+</dsp:drawing>
+</file>
+
+<file path=ppt/diagrams/drawing3.xml><?xml version="1.0" encoding="utf-8"?>
+<dsp:drawing xmlns:dgm="http://schemas.openxmlformats.org/drawingml/2006/diagram" xmlns:dsp="http://schemas.microsoft.com/office/drawing/2008/diagram" xmlns:a="http://schemas.openxmlformats.org/drawingml/2006/main">
+  <dsp:spTree>
+    <dsp:nvGrpSpPr>
+      <dsp:cNvPr id="0" name=""/>
+      <dsp:cNvGrpSpPr/>
+    </dsp:nvGrpSpPr>
+    <dsp:grpSpPr/>
+    <dsp:sp modelId="{9F72998D-FE9A-44AE-AC04-AB345C0AFAF4}">
+      <dsp:nvSpPr>
+        <dsp:cNvPr id="0" name=""/>
+        <dsp:cNvSpPr/>
+      </dsp:nvSpPr>
+      <dsp:spPr>
+        <a:xfrm>
+          <a:off x="0" y="109552"/>
+          <a:ext cx="10058399" cy="311805"/>
+        </a:xfrm>
+        <a:prstGeom prst="roundRect">
+          <a:avLst/>
+        </a:prstGeom>
+        <a:solidFill>
+          <a:schemeClr val="accent1">
+            <a:hueOff val="0"/>
+            <a:satOff val="0"/>
+            <a:lumOff val="0"/>
+            <a:alphaOff val="0"/>
+          </a:schemeClr>
+        </a:solidFill>
+        <a:ln w="15875" cap="flat" cmpd="sng" algn="ctr">
+          <a:solidFill>
+            <a:schemeClr val="lt1">
+              <a:hueOff val="0"/>
+              <a:satOff val="0"/>
+              <a:lumOff val="0"/>
+              <a:alphaOff val="0"/>
+            </a:schemeClr>
+          </a:solidFill>
+          <a:prstDash val="solid"/>
+        </a:ln>
+        <a:effectLst/>
+      </dsp:spPr>
+      <dsp:style>
+        <a:lnRef idx="2">
+          <a:scrgbClr r="0" g="0" b="0"/>
+        </a:lnRef>
+        <a:fillRef idx="1">
+          <a:scrgbClr r="0" g="0" b="0"/>
+        </a:fillRef>
+        <a:effectRef idx="0">
+          <a:scrgbClr r="0" g="0" b="0"/>
+        </a:effectRef>
+        <a:fontRef idx="minor">
+          <a:schemeClr val="lt1"/>
+        </a:fontRef>
+      </dsp:style>
+      <dsp:txBody>
+        <a:bodyPr spcFirstLastPara="0" vert="horz" wrap="square" lIns="49530" tIns="49530" rIns="49530" bIns="49530" numCol="1" spcCol="1270" anchor="ctr" anchorCtr="0">
+          <a:noAutofit/>
+        </a:bodyPr>
+        <a:lstStyle/>
+        <a:p>
+          <a:pPr marL="0" lvl="0" indent="0" algn="l" defTabSz="577850">
+            <a:lnSpc>
+              <a:spcPct val="90000"/>
+            </a:lnSpc>
+            <a:spcBef>
+              <a:spcPct val="0"/>
+            </a:spcBef>
+            <a:spcAft>
+              <a:spcPct val="35000"/>
+            </a:spcAft>
+            <a:buNone/>
+          </a:pPr>
+          <a:r>
+            <a:rPr lang="en-US" sz="1300" b="1" i="0" kern="1200"/>
+            <a:t>Hypothesize</a:t>
+          </a:r>
+          <a:r>
+            <a:rPr lang="en-US" sz="1300" b="0" i="0" kern="1200"/>
+            <a:t>: Start with assumptions about your job board's value and user experience.</a:t>
+          </a:r>
+          <a:endParaRPr lang="fr-FR" sz="1300" kern="1200" dirty="0"/>
+        </a:p>
+      </dsp:txBody>
+      <dsp:txXfrm>
+        <a:off x="15221" y="124773"/>
+        <a:ext cx="10027957" cy="281363"/>
+      </dsp:txXfrm>
+    </dsp:sp>
+    <dsp:sp modelId="{D8D299F6-92D6-4AAD-81B0-1C700A3B3A16}">
+      <dsp:nvSpPr>
+        <dsp:cNvPr id="0" name=""/>
+        <dsp:cNvSpPr/>
+      </dsp:nvSpPr>
+      <dsp:spPr>
+        <a:xfrm>
+          <a:off x="0" y="458797"/>
+          <a:ext cx="10058399" cy="311805"/>
+        </a:xfrm>
+        <a:prstGeom prst="roundRect">
+          <a:avLst/>
+        </a:prstGeom>
+        <a:solidFill>
+          <a:schemeClr val="accent1">
+            <a:hueOff val="0"/>
+            <a:satOff val="0"/>
+            <a:lumOff val="0"/>
+            <a:alphaOff val="0"/>
+          </a:schemeClr>
+        </a:solidFill>
+        <a:ln w="15875" cap="flat" cmpd="sng" algn="ctr">
+          <a:solidFill>
+            <a:schemeClr val="lt1">
+              <a:hueOff val="0"/>
+              <a:satOff val="0"/>
+              <a:lumOff val="0"/>
+              <a:alphaOff val="0"/>
+            </a:schemeClr>
+          </a:solidFill>
+          <a:prstDash val="solid"/>
+        </a:ln>
+        <a:effectLst/>
+      </dsp:spPr>
+      <dsp:style>
+        <a:lnRef idx="2">
+          <a:scrgbClr r="0" g="0" b="0"/>
+        </a:lnRef>
+        <a:fillRef idx="1">
+          <a:scrgbClr r="0" g="0" b="0"/>
+        </a:fillRef>
+        <a:effectRef idx="0">
+          <a:scrgbClr r="0" g="0" b="0"/>
+        </a:effectRef>
+        <a:fontRef idx="minor">
+          <a:schemeClr val="lt1"/>
+        </a:fontRef>
+      </dsp:style>
+      <dsp:txBody>
+        <a:bodyPr spcFirstLastPara="0" vert="horz" wrap="square" lIns="49530" tIns="49530" rIns="49530" bIns="49530" numCol="1" spcCol="1270" anchor="ctr" anchorCtr="0">
+          <a:noAutofit/>
+        </a:bodyPr>
+        <a:lstStyle/>
+        <a:p>
+          <a:pPr marL="0" lvl="0" indent="0" algn="l" defTabSz="577850">
+            <a:lnSpc>
+              <a:spcPct val="90000"/>
+            </a:lnSpc>
+            <a:spcBef>
+              <a:spcPct val="0"/>
+            </a:spcBef>
+            <a:spcAft>
+              <a:spcPct val="35000"/>
+            </a:spcAft>
+            <a:buFont typeface="+mj-lt"/>
+            <a:buNone/>
+          </a:pPr>
+          <a:r>
+            <a:rPr lang="en-US" sz="1300" b="1" i="0" kern="1200" dirty="0"/>
+            <a:t>MVP</a:t>
+          </a:r>
+          <a:r>
+            <a:rPr lang="en-US" sz="1300" b="0" i="0" kern="1200" dirty="0"/>
+            <a:t>: Develop a basic job board to test your assumptions.</a:t>
+          </a:r>
+        </a:p>
+      </dsp:txBody>
+      <dsp:txXfrm>
+        <a:off x="15221" y="474018"/>
+        <a:ext cx="10027957" cy="281363"/>
+      </dsp:txXfrm>
+    </dsp:sp>
+    <dsp:sp modelId="{72AE0A90-D184-4E26-A1D2-A443D8A680C2}">
+      <dsp:nvSpPr>
+        <dsp:cNvPr id="0" name=""/>
+        <dsp:cNvSpPr/>
+      </dsp:nvSpPr>
+      <dsp:spPr>
+        <a:xfrm>
+          <a:off x="0" y="808042"/>
+          <a:ext cx="10058399" cy="311805"/>
+        </a:xfrm>
+        <a:prstGeom prst="roundRect">
+          <a:avLst/>
+        </a:prstGeom>
+        <a:solidFill>
+          <a:schemeClr val="accent1">
+            <a:hueOff val="0"/>
+            <a:satOff val="0"/>
+            <a:lumOff val="0"/>
+            <a:alphaOff val="0"/>
+          </a:schemeClr>
+        </a:solidFill>
+        <a:ln w="15875" cap="flat" cmpd="sng" algn="ctr">
+          <a:solidFill>
+            <a:schemeClr val="lt1">
+              <a:hueOff val="0"/>
+              <a:satOff val="0"/>
+              <a:lumOff val="0"/>
+              <a:alphaOff val="0"/>
+            </a:schemeClr>
+          </a:solidFill>
+          <a:prstDash val="solid"/>
+        </a:ln>
+        <a:effectLst/>
+      </dsp:spPr>
+      <dsp:style>
+        <a:lnRef idx="2">
+          <a:scrgbClr r="0" g="0" b="0"/>
+        </a:lnRef>
+        <a:fillRef idx="1">
+          <a:scrgbClr r="0" g="0" b="0"/>
+        </a:fillRef>
+        <a:effectRef idx="0">
+          <a:scrgbClr r="0" g="0" b="0"/>
+        </a:effectRef>
+        <a:fontRef idx="minor">
+          <a:schemeClr val="lt1"/>
+        </a:fontRef>
+      </dsp:style>
+      <dsp:txBody>
+        <a:bodyPr spcFirstLastPara="0" vert="horz" wrap="square" lIns="49530" tIns="49530" rIns="49530" bIns="49530" numCol="1" spcCol="1270" anchor="ctr" anchorCtr="0">
+          <a:noAutofit/>
+        </a:bodyPr>
+        <a:lstStyle/>
+        <a:p>
+          <a:pPr marL="0" lvl="0" indent="0" algn="l" defTabSz="577850">
+            <a:lnSpc>
+              <a:spcPct val="90000"/>
+            </a:lnSpc>
+            <a:spcBef>
+              <a:spcPct val="0"/>
+            </a:spcBef>
+            <a:spcAft>
+              <a:spcPct val="35000"/>
+            </a:spcAft>
+            <a:buFont typeface="+mj-lt"/>
+            <a:buNone/>
+          </a:pPr>
+          <a:r>
+            <a:rPr lang="en-US" sz="1300" b="1" i="0" kern="1200"/>
+            <a:t>Measure</a:t>
+          </a:r>
+          <a:r>
+            <a:rPr lang="en-US" sz="1300" b="0" i="0" kern="1200"/>
+            <a:t>: Track key metrics like user engagement, job postings, and user feedback.</a:t>
+          </a:r>
+        </a:p>
+      </dsp:txBody>
+      <dsp:txXfrm>
+        <a:off x="15221" y="823263"/>
+        <a:ext cx="10027957" cy="281363"/>
+      </dsp:txXfrm>
+    </dsp:sp>
+    <dsp:sp modelId="{61E894F1-E58E-4F9B-BC6D-F1D0789BF833}">
+      <dsp:nvSpPr>
+        <dsp:cNvPr id="0" name=""/>
+        <dsp:cNvSpPr/>
+      </dsp:nvSpPr>
+      <dsp:spPr>
+        <a:xfrm>
+          <a:off x="0" y="1157287"/>
+          <a:ext cx="10058399" cy="311805"/>
+        </a:xfrm>
+        <a:prstGeom prst="roundRect">
+          <a:avLst/>
+        </a:prstGeom>
+        <a:solidFill>
+          <a:schemeClr val="accent1">
+            <a:hueOff val="0"/>
+            <a:satOff val="0"/>
+            <a:lumOff val="0"/>
+            <a:alphaOff val="0"/>
+          </a:schemeClr>
+        </a:solidFill>
+        <a:ln w="15875" cap="flat" cmpd="sng" algn="ctr">
+          <a:solidFill>
+            <a:schemeClr val="lt1">
+              <a:hueOff val="0"/>
+              <a:satOff val="0"/>
+              <a:lumOff val="0"/>
+              <a:alphaOff val="0"/>
+            </a:schemeClr>
+          </a:solidFill>
+          <a:prstDash val="solid"/>
+        </a:ln>
+        <a:effectLst/>
+      </dsp:spPr>
+      <dsp:style>
+        <a:lnRef idx="2">
+          <a:scrgbClr r="0" g="0" b="0"/>
+        </a:lnRef>
+        <a:fillRef idx="1">
+          <a:scrgbClr r="0" g="0" b="0"/>
+        </a:fillRef>
+        <a:effectRef idx="0">
+          <a:scrgbClr r="0" g="0" b="0"/>
+        </a:effectRef>
+        <a:fontRef idx="minor">
+          <a:schemeClr val="lt1"/>
+        </a:fontRef>
+      </dsp:style>
+      <dsp:txBody>
+        <a:bodyPr spcFirstLastPara="0" vert="horz" wrap="square" lIns="49530" tIns="49530" rIns="49530" bIns="49530" numCol="1" spcCol="1270" anchor="ctr" anchorCtr="0">
+          <a:noAutofit/>
+        </a:bodyPr>
+        <a:lstStyle/>
+        <a:p>
+          <a:pPr marL="0" lvl="0" indent="0" algn="l" defTabSz="577850">
+            <a:lnSpc>
+              <a:spcPct val="90000"/>
+            </a:lnSpc>
+            <a:spcBef>
+              <a:spcPct val="0"/>
+            </a:spcBef>
+            <a:spcAft>
+              <a:spcPct val="35000"/>
+            </a:spcAft>
+            <a:buFont typeface="+mj-lt"/>
+            <a:buNone/>
+          </a:pPr>
+          <a:r>
+            <a:rPr lang="en-US" sz="1300" b="1" i="0" kern="1200" dirty="0"/>
+            <a:t>Learn</a:t>
+          </a:r>
+          <a:r>
+            <a:rPr lang="en-US" sz="1300" b="0" i="0" kern="1200" dirty="0"/>
+            <a:t>: Analyze data to validate assumptions and identify areas for improvement.</a:t>
+          </a:r>
+        </a:p>
+      </dsp:txBody>
+      <dsp:txXfrm>
+        <a:off x="15221" y="1172508"/>
+        <a:ext cx="10027957" cy="281363"/>
+      </dsp:txXfrm>
+    </dsp:sp>
+    <dsp:sp modelId="{C3938E9E-AA62-4842-9FC1-6C99C2B82FBF}">
+      <dsp:nvSpPr>
+        <dsp:cNvPr id="0" name=""/>
+        <dsp:cNvSpPr/>
+      </dsp:nvSpPr>
+      <dsp:spPr>
+        <a:xfrm>
+          <a:off x="0" y="1506532"/>
+          <a:ext cx="10058399" cy="311805"/>
+        </a:xfrm>
+        <a:prstGeom prst="roundRect">
+          <a:avLst/>
+        </a:prstGeom>
+        <a:solidFill>
+          <a:schemeClr val="accent1">
+            <a:hueOff val="0"/>
+            <a:satOff val="0"/>
+            <a:lumOff val="0"/>
+            <a:alphaOff val="0"/>
+          </a:schemeClr>
+        </a:solidFill>
+        <a:ln w="15875" cap="flat" cmpd="sng" algn="ctr">
+          <a:solidFill>
+            <a:schemeClr val="lt1">
+              <a:hueOff val="0"/>
+              <a:satOff val="0"/>
+              <a:lumOff val="0"/>
+              <a:alphaOff val="0"/>
+            </a:schemeClr>
+          </a:solidFill>
+          <a:prstDash val="solid"/>
+        </a:ln>
+        <a:effectLst/>
+      </dsp:spPr>
+      <dsp:style>
+        <a:lnRef idx="2">
+          <a:scrgbClr r="0" g="0" b="0"/>
+        </a:lnRef>
+        <a:fillRef idx="1">
+          <a:scrgbClr r="0" g="0" b="0"/>
+        </a:fillRef>
+        <a:effectRef idx="0">
+          <a:scrgbClr r="0" g="0" b="0"/>
+        </a:effectRef>
+        <a:fontRef idx="minor">
+          <a:schemeClr val="lt1"/>
+        </a:fontRef>
+      </dsp:style>
+      <dsp:txBody>
+        <a:bodyPr spcFirstLastPara="0" vert="horz" wrap="square" lIns="49530" tIns="49530" rIns="49530" bIns="49530" numCol="1" spcCol="1270" anchor="ctr" anchorCtr="0">
+          <a:noAutofit/>
+        </a:bodyPr>
+        <a:lstStyle/>
+        <a:p>
+          <a:pPr marL="0" lvl="0" indent="0" algn="l" defTabSz="577850">
+            <a:lnSpc>
+              <a:spcPct val="90000"/>
+            </a:lnSpc>
+            <a:spcBef>
+              <a:spcPct val="0"/>
+            </a:spcBef>
+            <a:spcAft>
+              <a:spcPct val="35000"/>
+            </a:spcAft>
+            <a:buFont typeface="+mj-lt"/>
+            <a:buNone/>
+          </a:pPr>
+          <a:r>
+            <a:rPr lang="en-US" sz="1300" b="1" i="0" kern="1200" dirty="0"/>
+            <a:t>Pivot or Persevere</a:t>
+          </a:r>
+          <a:r>
+            <a:rPr lang="en-US" sz="1300" b="0" i="0" kern="1200" dirty="0"/>
+            <a:t>: Be ready to change if needed, or continue refining what works.</a:t>
+          </a:r>
+        </a:p>
+      </dsp:txBody>
+      <dsp:txXfrm>
+        <a:off x="15221" y="1521753"/>
+        <a:ext cx="10027957" cy="281363"/>
+      </dsp:txXfrm>
+    </dsp:sp>
+    <dsp:sp modelId="{141E9668-F820-475E-877B-9F4FEE6872B6}">
+      <dsp:nvSpPr>
+        <dsp:cNvPr id="0" name=""/>
+        <dsp:cNvSpPr/>
+      </dsp:nvSpPr>
+      <dsp:spPr>
+        <a:xfrm>
+          <a:off x="0" y="1855777"/>
+          <a:ext cx="10058399" cy="311805"/>
+        </a:xfrm>
+        <a:prstGeom prst="roundRect">
+          <a:avLst/>
+        </a:prstGeom>
+        <a:solidFill>
+          <a:schemeClr val="accent1">
+            <a:hueOff val="0"/>
+            <a:satOff val="0"/>
+            <a:lumOff val="0"/>
+            <a:alphaOff val="0"/>
+          </a:schemeClr>
+        </a:solidFill>
+        <a:ln w="15875" cap="flat" cmpd="sng" algn="ctr">
+          <a:solidFill>
+            <a:schemeClr val="lt1">
+              <a:hueOff val="0"/>
+              <a:satOff val="0"/>
+              <a:lumOff val="0"/>
+              <a:alphaOff val="0"/>
+            </a:schemeClr>
+          </a:solidFill>
+          <a:prstDash val="solid"/>
+        </a:ln>
+        <a:effectLst/>
+      </dsp:spPr>
+      <dsp:style>
+        <a:lnRef idx="2">
+          <a:scrgbClr r="0" g="0" b="0"/>
+        </a:lnRef>
+        <a:fillRef idx="1">
+          <a:scrgbClr r="0" g="0" b="0"/>
+        </a:fillRef>
+        <a:effectRef idx="0">
+          <a:scrgbClr r="0" g="0" b="0"/>
+        </a:effectRef>
+        <a:fontRef idx="minor">
+          <a:schemeClr val="lt1"/>
+        </a:fontRef>
+      </dsp:style>
+      <dsp:txBody>
+        <a:bodyPr spcFirstLastPara="0" vert="horz" wrap="square" lIns="49530" tIns="49530" rIns="49530" bIns="49530" numCol="1" spcCol="1270" anchor="ctr" anchorCtr="0">
+          <a:noAutofit/>
+        </a:bodyPr>
+        <a:lstStyle/>
+        <a:p>
+          <a:pPr marL="0" lvl="0" indent="0" algn="l" defTabSz="577850">
+            <a:lnSpc>
+              <a:spcPct val="90000"/>
+            </a:lnSpc>
+            <a:spcBef>
+              <a:spcPct val="0"/>
+            </a:spcBef>
+            <a:spcAft>
+              <a:spcPct val="35000"/>
+            </a:spcAft>
+            <a:buFont typeface="+mj-lt"/>
+            <a:buNone/>
+          </a:pPr>
+          <a:r>
+            <a:rPr lang="en-US" sz="1300" b="1" i="0" kern="1200"/>
+            <a:t>Customer Feedback</a:t>
+          </a:r>
+          <a:r>
+            <a:rPr lang="en-US" sz="1300" b="0" i="0" kern="1200"/>
+            <a:t>: Engage with users to understand their needs and preferences.</a:t>
+          </a:r>
+        </a:p>
+      </dsp:txBody>
+      <dsp:txXfrm>
+        <a:off x="15221" y="1870998"/>
+        <a:ext cx="10027957" cy="281363"/>
+      </dsp:txXfrm>
+    </dsp:sp>
+    <dsp:sp modelId="{F0ABBED6-AA03-4DB2-8BA8-E0B79D079AE2}">
+      <dsp:nvSpPr>
+        <dsp:cNvPr id="0" name=""/>
+        <dsp:cNvSpPr/>
+      </dsp:nvSpPr>
+      <dsp:spPr>
+        <a:xfrm>
+          <a:off x="0" y="2205022"/>
+          <a:ext cx="10058399" cy="311805"/>
+        </a:xfrm>
+        <a:prstGeom prst="roundRect">
+          <a:avLst/>
+        </a:prstGeom>
+        <a:solidFill>
+          <a:schemeClr val="accent1">
+            <a:hueOff val="0"/>
+            <a:satOff val="0"/>
+            <a:lumOff val="0"/>
+            <a:alphaOff val="0"/>
+          </a:schemeClr>
+        </a:solidFill>
+        <a:ln w="15875" cap="flat" cmpd="sng" algn="ctr">
+          <a:solidFill>
+            <a:schemeClr val="lt1">
+              <a:hueOff val="0"/>
+              <a:satOff val="0"/>
+              <a:lumOff val="0"/>
+              <a:alphaOff val="0"/>
+            </a:schemeClr>
+          </a:solidFill>
+          <a:prstDash val="solid"/>
+        </a:ln>
+        <a:effectLst/>
+      </dsp:spPr>
+      <dsp:style>
+        <a:lnRef idx="2">
+          <a:scrgbClr r="0" g="0" b="0"/>
+        </a:lnRef>
+        <a:fillRef idx="1">
+          <a:scrgbClr r="0" g="0" b="0"/>
+        </a:fillRef>
+        <a:effectRef idx="0">
+          <a:scrgbClr r="0" g="0" b="0"/>
+        </a:effectRef>
+        <a:fontRef idx="minor">
+          <a:schemeClr val="lt1"/>
+        </a:fontRef>
+      </dsp:style>
+      <dsp:txBody>
+        <a:bodyPr spcFirstLastPara="0" vert="horz" wrap="square" lIns="49530" tIns="49530" rIns="49530" bIns="49530" numCol="1" spcCol="1270" anchor="ctr" anchorCtr="0">
+          <a:noAutofit/>
+        </a:bodyPr>
+        <a:lstStyle/>
+        <a:p>
+          <a:pPr marL="0" lvl="0" indent="0" algn="l" defTabSz="577850">
+            <a:lnSpc>
+              <a:spcPct val="90000"/>
+            </a:lnSpc>
+            <a:spcBef>
+              <a:spcPct val="0"/>
+            </a:spcBef>
+            <a:spcAft>
+              <a:spcPct val="35000"/>
+            </a:spcAft>
+            <a:buFont typeface="+mj-lt"/>
+            <a:buNone/>
+          </a:pPr>
+          <a:r>
+            <a:rPr lang="en-US" sz="1300" b="1" i="0" kern="1200"/>
+            <a:t>Continuous Updates</a:t>
+          </a:r>
+          <a:r>
+            <a:rPr lang="en-US" sz="1300" b="0" i="0" kern="1200"/>
+            <a:t>: Regularly improve the job board based on feedback and data.</a:t>
+          </a:r>
+        </a:p>
+      </dsp:txBody>
+      <dsp:txXfrm>
+        <a:off x="15221" y="2220243"/>
+        <a:ext cx="10027957" cy="281363"/>
+      </dsp:txXfrm>
+    </dsp:sp>
+    <dsp:sp modelId="{AEE666A9-6B19-45DF-86C4-A6F2A7D7F72E}">
+      <dsp:nvSpPr>
+        <dsp:cNvPr id="0" name=""/>
+        <dsp:cNvSpPr/>
+      </dsp:nvSpPr>
+      <dsp:spPr>
+        <a:xfrm>
+          <a:off x="0" y="2554267"/>
+          <a:ext cx="10058399" cy="311805"/>
+        </a:xfrm>
+        <a:prstGeom prst="roundRect">
+          <a:avLst/>
+        </a:prstGeom>
+        <a:solidFill>
+          <a:schemeClr val="accent1">
+            <a:hueOff val="0"/>
+            <a:satOff val="0"/>
+            <a:lumOff val="0"/>
+            <a:alphaOff val="0"/>
+          </a:schemeClr>
+        </a:solidFill>
+        <a:ln w="15875" cap="flat" cmpd="sng" algn="ctr">
+          <a:solidFill>
+            <a:schemeClr val="lt1">
+              <a:hueOff val="0"/>
+              <a:satOff val="0"/>
+              <a:lumOff val="0"/>
+              <a:alphaOff val="0"/>
+            </a:schemeClr>
+          </a:solidFill>
+          <a:prstDash val="solid"/>
+        </a:ln>
+        <a:effectLst/>
+      </dsp:spPr>
+      <dsp:style>
+        <a:lnRef idx="2">
+          <a:scrgbClr r="0" g="0" b="0"/>
+        </a:lnRef>
+        <a:fillRef idx="1">
+          <a:scrgbClr r="0" g="0" b="0"/>
+        </a:fillRef>
+        <a:effectRef idx="0">
+          <a:scrgbClr r="0" g="0" b="0"/>
+        </a:effectRef>
+        <a:fontRef idx="minor">
+          <a:schemeClr val="lt1"/>
+        </a:fontRef>
+      </dsp:style>
+      <dsp:txBody>
+        <a:bodyPr spcFirstLastPara="0" vert="horz" wrap="square" lIns="49530" tIns="49530" rIns="49530" bIns="49530" numCol="1" spcCol="1270" anchor="ctr" anchorCtr="0">
+          <a:noAutofit/>
+        </a:bodyPr>
+        <a:lstStyle/>
+        <a:p>
+          <a:pPr marL="0" lvl="0" indent="0" algn="l" defTabSz="577850">
+            <a:lnSpc>
+              <a:spcPct val="90000"/>
+            </a:lnSpc>
+            <a:spcBef>
+              <a:spcPct val="0"/>
+            </a:spcBef>
+            <a:spcAft>
+              <a:spcPct val="35000"/>
+            </a:spcAft>
+            <a:buFont typeface="+mj-lt"/>
+            <a:buNone/>
+          </a:pPr>
+          <a:r>
+            <a:rPr lang="en-US" sz="1300" b="1" i="0" kern="1200"/>
+            <a:t>Actionable Metrics</a:t>
+          </a:r>
+          <a:r>
+            <a:rPr lang="en-US" sz="1300" b="0" i="0" kern="1200"/>
+            <a:t>: Focus on metrics that guide your decisions, like successful placements.</a:t>
+          </a:r>
+        </a:p>
+      </dsp:txBody>
+      <dsp:txXfrm>
+        <a:off x="15221" y="2569488"/>
+        <a:ext cx="10027957" cy="281363"/>
+      </dsp:txXfrm>
+    </dsp:sp>
+    <dsp:sp modelId="{85298FEE-85EB-4DDE-BD88-AD3F95B82FE3}">
+      <dsp:nvSpPr>
+        <dsp:cNvPr id="0" name=""/>
+        <dsp:cNvSpPr/>
+      </dsp:nvSpPr>
+      <dsp:spPr>
+        <a:xfrm>
+          <a:off x="0" y="2903512"/>
+          <a:ext cx="10058399" cy="311805"/>
+        </a:xfrm>
+        <a:prstGeom prst="roundRect">
+          <a:avLst/>
+        </a:prstGeom>
+        <a:solidFill>
+          <a:schemeClr val="accent1">
+            <a:hueOff val="0"/>
+            <a:satOff val="0"/>
+            <a:lumOff val="0"/>
+            <a:alphaOff val="0"/>
+          </a:schemeClr>
+        </a:solidFill>
+        <a:ln w="15875" cap="flat" cmpd="sng" algn="ctr">
+          <a:solidFill>
+            <a:schemeClr val="lt1">
+              <a:hueOff val="0"/>
+              <a:satOff val="0"/>
+              <a:lumOff val="0"/>
+              <a:alphaOff val="0"/>
+            </a:schemeClr>
+          </a:solidFill>
+          <a:prstDash val="solid"/>
+        </a:ln>
+        <a:effectLst/>
+      </dsp:spPr>
+      <dsp:style>
+        <a:lnRef idx="2">
+          <a:scrgbClr r="0" g="0" b="0"/>
+        </a:lnRef>
+        <a:fillRef idx="1">
+          <a:scrgbClr r="0" g="0" b="0"/>
+        </a:fillRef>
+        <a:effectRef idx="0">
+          <a:scrgbClr r="0" g="0" b="0"/>
+        </a:effectRef>
+        <a:fontRef idx="minor">
+          <a:schemeClr val="lt1"/>
+        </a:fontRef>
+      </dsp:style>
+      <dsp:txBody>
+        <a:bodyPr spcFirstLastPara="0" vert="horz" wrap="square" lIns="49530" tIns="49530" rIns="49530" bIns="49530" numCol="1" spcCol="1270" anchor="ctr" anchorCtr="0">
+          <a:noAutofit/>
+        </a:bodyPr>
+        <a:lstStyle/>
+        <a:p>
+          <a:pPr marL="0" lvl="0" indent="0" algn="l" defTabSz="577850">
+            <a:lnSpc>
+              <a:spcPct val="90000"/>
+            </a:lnSpc>
+            <a:spcBef>
+              <a:spcPct val="0"/>
+            </a:spcBef>
+            <a:spcAft>
+              <a:spcPct val="35000"/>
+            </a:spcAft>
+            <a:buFont typeface="+mj-lt"/>
+            <a:buNone/>
+          </a:pPr>
+          <a:r>
+            <a:rPr lang="en-US" sz="1300" b="1" i="0" kern="1200"/>
+            <a:t>Financial Insights</a:t>
+          </a:r>
+          <a:r>
+            <a:rPr lang="en-US" sz="1300" b="0" i="0" kern="1200"/>
+            <a:t>: Apply innovative financial tracking to assess costs and revenue.</a:t>
+          </a:r>
+        </a:p>
+      </dsp:txBody>
+      <dsp:txXfrm>
+        <a:off x="15221" y="2918733"/>
+        <a:ext cx="10027957" cy="281363"/>
+      </dsp:txXfrm>
+    </dsp:sp>
+    <dsp:sp modelId="{8AE22C04-655D-4715-9BE9-ED2272540DFB}">
+      <dsp:nvSpPr>
+        <dsp:cNvPr id="0" name=""/>
+        <dsp:cNvSpPr/>
+      </dsp:nvSpPr>
+      <dsp:spPr>
+        <a:xfrm>
+          <a:off x="0" y="3252757"/>
+          <a:ext cx="10058399" cy="311805"/>
+        </a:xfrm>
+        <a:prstGeom prst="roundRect">
+          <a:avLst/>
+        </a:prstGeom>
+        <a:solidFill>
+          <a:schemeClr val="accent1">
+            <a:hueOff val="0"/>
+            <a:satOff val="0"/>
+            <a:lumOff val="0"/>
+            <a:alphaOff val="0"/>
+          </a:schemeClr>
+        </a:solidFill>
+        <a:ln w="15875" cap="flat" cmpd="sng" algn="ctr">
+          <a:solidFill>
+            <a:schemeClr val="lt1">
+              <a:hueOff val="0"/>
+              <a:satOff val="0"/>
+              <a:lumOff val="0"/>
+              <a:alphaOff val="0"/>
+            </a:schemeClr>
+          </a:solidFill>
+          <a:prstDash val="solid"/>
+        </a:ln>
+        <a:effectLst/>
+      </dsp:spPr>
+      <dsp:style>
+        <a:lnRef idx="2">
+          <a:scrgbClr r="0" g="0" b="0"/>
+        </a:lnRef>
+        <a:fillRef idx="1">
+          <a:scrgbClr r="0" g="0" b="0"/>
+        </a:fillRef>
+        <a:effectRef idx="0">
+          <a:scrgbClr r="0" g="0" b="0"/>
+        </a:effectRef>
+        <a:fontRef idx="minor">
+          <a:schemeClr val="lt1"/>
+        </a:fontRef>
+      </dsp:style>
+      <dsp:txBody>
+        <a:bodyPr spcFirstLastPara="0" vert="horz" wrap="square" lIns="49530" tIns="49530" rIns="49530" bIns="49530" numCol="1" spcCol="1270" anchor="ctr" anchorCtr="0">
+          <a:noAutofit/>
+        </a:bodyPr>
+        <a:lstStyle/>
+        <a:p>
+          <a:pPr marL="0" lvl="0" indent="0" algn="l" defTabSz="577850">
+            <a:lnSpc>
+              <a:spcPct val="90000"/>
+            </a:lnSpc>
+            <a:spcBef>
+              <a:spcPct val="0"/>
+            </a:spcBef>
+            <a:spcAft>
+              <a:spcPct val="35000"/>
+            </a:spcAft>
+            <a:buFont typeface="+mj-lt"/>
+            <a:buNone/>
+          </a:pPr>
+          <a:r>
+            <a:rPr lang="en-US" sz="1300" b="1" i="0" kern="1200"/>
+            <a:t>Growth Strategies</a:t>
+          </a:r>
+          <a:r>
+            <a:rPr lang="en-US" sz="1300" b="0" i="0" kern="1200"/>
+            <a:t>: Experiment with user acquisition and engagement tactics.</a:t>
+          </a:r>
+        </a:p>
+      </dsp:txBody>
+      <dsp:txXfrm>
+        <a:off x="15221" y="3267978"/>
+        <a:ext cx="10027957" cy="281363"/>
+      </dsp:txXfrm>
+    </dsp:sp>
+    <dsp:sp modelId="{7FE9D65B-FACF-4EA5-8E9E-12A0DEAA8E28}">
+      <dsp:nvSpPr>
+        <dsp:cNvPr id="0" name=""/>
+        <dsp:cNvSpPr/>
+      </dsp:nvSpPr>
+      <dsp:spPr>
+        <a:xfrm>
+          <a:off x="0" y="3602002"/>
+          <a:ext cx="10058399" cy="311805"/>
+        </a:xfrm>
+        <a:prstGeom prst="roundRect">
+          <a:avLst/>
+        </a:prstGeom>
+        <a:solidFill>
+          <a:schemeClr val="accent1">
+            <a:hueOff val="0"/>
+            <a:satOff val="0"/>
+            <a:lumOff val="0"/>
+            <a:alphaOff val="0"/>
+          </a:schemeClr>
+        </a:solidFill>
+        <a:ln w="15875" cap="flat" cmpd="sng" algn="ctr">
+          <a:solidFill>
+            <a:schemeClr val="lt1">
+              <a:hueOff val="0"/>
+              <a:satOff val="0"/>
+              <a:lumOff val="0"/>
+              <a:alphaOff val="0"/>
+            </a:schemeClr>
+          </a:solidFill>
+          <a:prstDash val="solid"/>
+        </a:ln>
+        <a:effectLst/>
+      </dsp:spPr>
+      <dsp:style>
+        <a:lnRef idx="2">
+          <a:scrgbClr r="0" g="0" b="0"/>
+        </a:lnRef>
+        <a:fillRef idx="1">
+          <a:scrgbClr r="0" g="0" b="0"/>
+        </a:fillRef>
+        <a:effectRef idx="0">
+          <a:scrgbClr r="0" g="0" b="0"/>
+        </a:effectRef>
+        <a:fontRef idx="minor">
+          <a:schemeClr val="lt1"/>
+        </a:fontRef>
+      </dsp:style>
+      <dsp:txBody>
+        <a:bodyPr spcFirstLastPara="0" vert="horz" wrap="square" lIns="49530" tIns="49530" rIns="49530" bIns="49530" numCol="1" spcCol="1270" anchor="ctr" anchorCtr="0">
+          <a:noAutofit/>
+        </a:bodyPr>
+        <a:lstStyle/>
+        <a:p>
+          <a:pPr marL="0" lvl="0" indent="0" algn="l" defTabSz="577850">
+            <a:lnSpc>
+              <a:spcPct val="90000"/>
+            </a:lnSpc>
+            <a:spcBef>
+              <a:spcPct val="0"/>
+            </a:spcBef>
+            <a:spcAft>
+              <a:spcPct val="35000"/>
+            </a:spcAft>
+            <a:buFont typeface="+mj-lt"/>
+            <a:buNone/>
+          </a:pPr>
+          <a:r>
+            <a:rPr lang="en-US" sz="1300" b="1" i="0" kern="1200"/>
+            <a:t>User-Centric Design</a:t>
+          </a:r>
+          <a:r>
+            <a:rPr lang="en-US" sz="1300" b="0" i="0" kern="1200"/>
+            <a:t>: Prioritize user experience, continually enhancing based on feedback.</a:t>
+          </a:r>
+        </a:p>
+      </dsp:txBody>
+      <dsp:txXfrm>
+        <a:off x="15221" y="3617223"/>
+        <a:ext cx="10027957" cy="281363"/>
+      </dsp:txXfrm>
+    </dsp:sp>
+  </dsp:spTree>
+</dsp:drawing>
+</file>
+
 <file path=ppt/diagrams/layout1.xml><?xml version="1.0" encoding="utf-8"?>
 <dgm:layoutDef xmlns:dgm="http://schemas.openxmlformats.org/drawingml/2006/diagram" xmlns:a="http://schemas.openxmlformats.org/drawingml/2006/main" uniqueId="urn:microsoft.com/office/officeart/2005/8/layout/vList2">
   <dgm:title val=""/>
@@ -1878,7 +6602,2409 @@
 </dgm:layoutDef>
 </file>
 
+<file path=ppt/diagrams/layout2.xml><?xml version="1.0" encoding="utf-8"?>
+<dgm:layoutDef xmlns:dgm="http://schemas.openxmlformats.org/drawingml/2006/diagram" xmlns:a="http://schemas.openxmlformats.org/drawingml/2006/main" uniqueId="urn:microsoft.com/office/officeart/2005/8/layout/vList2">
+  <dgm:title val=""/>
+  <dgm:desc val=""/>
+  <dgm:catLst>
+    <dgm:cat type="list" pri="3000"/>
+    <dgm:cat type="convert" pri="1000"/>
+  </dgm:catLst>
+  <dgm:sampData>
+    <dgm:dataModel>
+      <dgm:ptLst>
+        <dgm:pt modelId="0" type="doc"/>
+        <dgm:pt modelId="1">
+          <dgm:prSet phldr="1"/>
+        </dgm:pt>
+        <dgm:pt modelId="11">
+          <dgm:prSet phldr="1"/>
+        </dgm:pt>
+        <dgm:pt modelId="2">
+          <dgm:prSet phldr="1"/>
+        </dgm:pt>
+        <dgm:pt modelId="21">
+          <dgm:prSet phldr="1"/>
+        </dgm:pt>
+      </dgm:ptLst>
+      <dgm:cxnLst>
+        <dgm:cxn modelId="4" srcId="0" destId="1" srcOrd="0" destOrd="0"/>
+        <dgm:cxn modelId="5" srcId="0" destId="2" srcOrd="1" destOrd="0"/>
+        <dgm:cxn modelId="12" srcId="1" destId="11" srcOrd="0" destOrd="0"/>
+        <dgm:cxn modelId="23" srcId="2" destId="21" srcOrd="0" destOrd="0"/>
+      </dgm:cxnLst>
+      <dgm:bg/>
+      <dgm:whole/>
+    </dgm:dataModel>
+  </dgm:sampData>
+  <dgm:styleData>
+    <dgm:dataModel>
+      <dgm:ptLst>
+        <dgm:pt modelId="0" type="doc"/>
+        <dgm:pt modelId="1"/>
+        <dgm:pt modelId="2"/>
+      </dgm:ptLst>
+      <dgm:cxnLst>
+        <dgm:cxn modelId="3" srcId="0" destId="1" srcOrd="0" destOrd="0"/>
+        <dgm:cxn modelId="4" srcId="0" destId="2" srcOrd="1" destOrd="0"/>
+      </dgm:cxnLst>
+      <dgm:bg/>
+      <dgm:whole/>
+    </dgm:dataModel>
+  </dgm:styleData>
+  <dgm:clrData>
+    <dgm:dataModel>
+      <dgm:ptLst>
+        <dgm:pt modelId="0" type="doc"/>
+        <dgm:pt modelId="1"/>
+        <dgm:pt modelId="2"/>
+        <dgm:pt modelId="3"/>
+        <dgm:pt modelId="4"/>
+      </dgm:ptLst>
+      <dgm:cxnLst>
+        <dgm:cxn modelId="5" srcId="0" destId="1" srcOrd="0" destOrd="0"/>
+        <dgm:cxn modelId="6" srcId="0" destId="2" srcOrd="1" destOrd="0"/>
+        <dgm:cxn modelId="7" srcId="0" destId="3" srcOrd="2" destOrd="0"/>
+        <dgm:cxn modelId="8" srcId="0" destId="4" srcOrd="3" destOrd="0"/>
+      </dgm:cxnLst>
+      <dgm:bg/>
+      <dgm:whole/>
+    </dgm:dataModel>
+  </dgm:clrData>
+  <dgm:layoutNode name="linear">
+    <dgm:varLst>
+      <dgm:animLvl val="lvl"/>
+      <dgm:resizeHandles val="exact"/>
+    </dgm:varLst>
+    <dgm:alg type="lin">
+      <dgm:param type="linDir" val="fromT"/>
+      <dgm:param type="vertAlign" val="mid"/>
+    </dgm:alg>
+    <dgm:shape xmlns:r="http://schemas.openxmlformats.org/officeDocument/2006/relationships" r:blip="">
+      <dgm:adjLst/>
+    </dgm:shape>
+    <dgm:presOf/>
+    <dgm:constrLst>
+      <dgm:constr type="w" for="ch" forName="parentText" refType="w"/>
+      <dgm:constr type="h" for="ch" forName="parentText" refType="primFontSz" refFor="ch" refForName="parentText" fact="0.52"/>
+      <dgm:constr type="w" for="ch" forName="childText" refType="w"/>
+      <dgm:constr type="h" for="ch" forName="childText" refType="primFontSz" refFor="ch" refForName="parentText" fact="0.46"/>
+      <dgm:constr type="h" for="ch" forName="parentText" op="equ"/>
+      <dgm:constr type="primFontSz" for="ch" forName="parentText" op="equ" val="65"/>
+      <dgm:constr type="primFontSz" for="ch" forName="childText" refType="primFontSz" refFor="ch" refForName="parentText" op="equ"/>
+      <dgm:constr type="h" for="ch" forName="spacer" refType="primFontSz" refFor="ch" refForName="parentText" fact="0.08"/>
+    </dgm:constrLst>
+    <dgm:ruleLst>
+      <dgm:rule type="primFontSz" for="ch" forName="parentText" val="5" fact="NaN" max="NaN"/>
+    </dgm:ruleLst>
+    <dgm:forEach name="Name0" axis="ch" ptType="node">
+      <dgm:layoutNode name="parentText" styleLbl="node1">
+        <dgm:varLst>
+          <dgm:chMax val="0"/>
+          <dgm:bulletEnabled val="1"/>
+        </dgm:varLst>
+        <dgm:alg type="tx">
+          <dgm:param type="parTxLTRAlign" val="l"/>
+          <dgm:param type="parTxRTLAlign" val="r"/>
+        </dgm:alg>
+        <dgm:shape xmlns:r="http://schemas.openxmlformats.org/officeDocument/2006/relationships" type="roundRect" r:blip="">
+          <dgm:adjLst/>
+        </dgm:shape>
+        <dgm:presOf axis="self"/>
+        <dgm:constrLst>
+          <dgm:constr type="tMarg" refType="primFontSz" fact="0.3"/>
+          <dgm:constr type="bMarg" refType="primFontSz" fact="0.3"/>
+          <dgm:constr type="lMarg" refType="primFontSz" fact="0.3"/>
+          <dgm:constr type="rMarg" refType="primFontSz" fact="0.3"/>
+        </dgm:constrLst>
+        <dgm:ruleLst>
+          <dgm:rule type="h" val="INF" fact="NaN" max="NaN"/>
+        </dgm:ruleLst>
+      </dgm:layoutNode>
+      <dgm:choose name="Name1">
+        <dgm:if name="Name2" axis="ch" ptType="node" func="cnt" op="gte" val="1">
+          <dgm:layoutNode name="childText" styleLbl="revTx">
+            <dgm:varLst>
+              <dgm:bulletEnabled val="1"/>
+            </dgm:varLst>
+            <dgm:alg type="tx">
+              <dgm:param type="stBulletLvl" val="1"/>
+              <dgm:param type="lnSpAfChP" val="20"/>
+            </dgm:alg>
+            <dgm:shape xmlns:r="http://schemas.openxmlformats.org/officeDocument/2006/relationships" type="rect" r:blip="">
+              <dgm:adjLst/>
+            </dgm:shape>
+            <dgm:presOf axis="des" ptType="node"/>
+            <dgm:constrLst>
+              <dgm:constr type="tMarg" refType="primFontSz" fact="0.1"/>
+              <dgm:constr type="bMarg" refType="primFontSz" fact="0.1"/>
+              <dgm:constr type="lMarg" refType="w" fact="0.09"/>
+            </dgm:constrLst>
+            <dgm:ruleLst>
+              <dgm:rule type="h" val="INF" fact="NaN" max="NaN"/>
+            </dgm:ruleLst>
+          </dgm:layoutNode>
+        </dgm:if>
+        <dgm:else name="Name3">
+          <dgm:choose name="Name4">
+            <dgm:if name="Name5" axis="par ch" ptType="doc node" func="cnt" op="gte" val="2">
+              <dgm:forEach name="Name6" axis="followSib" ptType="sibTrans" cnt="1">
+                <dgm:layoutNode name="spacer">
+                  <dgm:alg type="sp"/>
+                  <dgm:shape xmlns:r="http://schemas.openxmlformats.org/officeDocument/2006/relationships" r:blip="">
+                    <dgm:adjLst/>
+                  </dgm:shape>
+                  <dgm:presOf/>
+                  <dgm:constrLst/>
+                  <dgm:ruleLst/>
+                </dgm:layoutNode>
+              </dgm:forEach>
+            </dgm:if>
+            <dgm:else name="Name7"/>
+          </dgm:choose>
+        </dgm:else>
+      </dgm:choose>
+    </dgm:forEach>
+  </dgm:layoutNode>
+</dgm:layoutDef>
+</file>
+
+<file path=ppt/diagrams/layout3.xml><?xml version="1.0" encoding="utf-8"?>
+<dgm:layoutDef xmlns:dgm="http://schemas.openxmlformats.org/drawingml/2006/diagram" xmlns:a="http://schemas.openxmlformats.org/drawingml/2006/main" uniqueId="urn:microsoft.com/office/officeart/2005/8/layout/vList2">
+  <dgm:title val=""/>
+  <dgm:desc val=""/>
+  <dgm:catLst>
+    <dgm:cat type="list" pri="3000"/>
+    <dgm:cat type="convert" pri="1000"/>
+  </dgm:catLst>
+  <dgm:sampData>
+    <dgm:dataModel>
+      <dgm:ptLst>
+        <dgm:pt modelId="0" type="doc"/>
+        <dgm:pt modelId="1">
+          <dgm:prSet phldr="1"/>
+        </dgm:pt>
+        <dgm:pt modelId="11">
+          <dgm:prSet phldr="1"/>
+        </dgm:pt>
+        <dgm:pt modelId="2">
+          <dgm:prSet phldr="1"/>
+        </dgm:pt>
+        <dgm:pt modelId="21">
+          <dgm:prSet phldr="1"/>
+        </dgm:pt>
+      </dgm:ptLst>
+      <dgm:cxnLst>
+        <dgm:cxn modelId="4" srcId="0" destId="1" srcOrd="0" destOrd="0"/>
+        <dgm:cxn modelId="5" srcId="0" destId="2" srcOrd="1" destOrd="0"/>
+        <dgm:cxn modelId="12" srcId="1" destId="11" srcOrd="0" destOrd="0"/>
+        <dgm:cxn modelId="23" srcId="2" destId="21" srcOrd="0" destOrd="0"/>
+      </dgm:cxnLst>
+      <dgm:bg/>
+      <dgm:whole/>
+    </dgm:dataModel>
+  </dgm:sampData>
+  <dgm:styleData>
+    <dgm:dataModel>
+      <dgm:ptLst>
+        <dgm:pt modelId="0" type="doc"/>
+        <dgm:pt modelId="1"/>
+        <dgm:pt modelId="2"/>
+      </dgm:ptLst>
+      <dgm:cxnLst>
+        <dgm:cxn modelId="3" srcId="0" destId="1" srcOrd="0" destOrd="0"/>
+        <dgm:cxn modelId="4" srcId="0" destId="2" srcOrd="1" destOrd="0"/>
+      </dgm:cxnLst>
+      <dgm:bg/>
+      <dgm:whole/>
+    </dgm:dataModel>
+  </dgm:styleData>
+  <dgm:clrData>
+    <dgm:dataModel>
+      <dgm:ptLst>
+        <dgm:pt modelId="0" type="doc"/>
+        <dgm:pt modelId="1"/>
+        <dgm:pt modelId="2"/>
+        <dgm:pt modelId="3"/>
+        <dgm:pt modelId="4"/>
+      </dgm:ptLst>
+      <dgm:cxnLst>
+        <dgm:cxn modelId="5" srcId="0" destId="1" srcOrd="0" destOrd="0"/>
+        <dgm:cxn modelId="6" srcId="0" destId="2" srcOrd="1" destOrd="0"/>
+        <dgm:cxn modelId="7" srcId="0" destId="3" srcOrd="2" destOrd="0"/>
+        <dgm:cxn modelId="8" srcId="0" destId="4" srcOrd="3" destOrd="0"/>
+      </dgm:cxnLst>
+      <dgm:bg/>
+      <dgm:whole/>
+    </dgm:dataModel>
+  </dgm:clrData>
+  <dgm:layoutNode name="linear">
+    <dgm:varLst>
+      <dgm:animLvl val="lvl"/>
+      <dgm:resizeHandles val="exact"/>
+    </dgm:varLst>
+    <dgm:alg type="lin">
+      <dgm:param type="linDir" val="fromT"/>
+      <dgm:param type="vertAlign" val="mid"/>
+    </dgm:alg>
+    <dgm:shape xmlns:r="http://schemas.openxmlformats.org/officeDocument/2006/relationships" r:blip="">
+      <dgm:adjLst/>
+    </dgm:shape>
+    <dgm:presOf/>
+    <dgm:constrLst>
+      <dgm:constr type="w" for="ch" forName="parentText" refType="w"/>
+      <dgm:constr type="h" for="ch" forName="parentText" refType="primFontSz" refFor="ch" refForName="parentText" fact="0.52"/>
+      <dgm:constr type="w" for="ch" forName="childText" refType="w"/>
+      <dgm:constr type="h" for="ch" forName="childText" refType="primFontSz" refFor="ch" refForName="parentText" fact="0.46"/>
+      <dgm:constr type="h" for="ch" forName="parentText" op="equ"/>
+      <dgm:constr type="primFontSz" for="ch" forName="parentText" op="equ" val="65"/>
+      <dgm:constr type="primFontSz" for="ch" forName="childText" refType="primFontSz" refFor="ch" refForName="parentText" op="equ"/>
+      <dgm:constr type="h" for="ch" forName="spacer" refType="primFontSz" refFor="ch" refForName="parentText" fact="0.08"/>
+    </dgm:constrLst>
+    <dgm:ruleLst>
+      <dgm:rule type="primFontSz" for="ch" forName="parentText" val="5" fact="NaN" max="NaN"/>
+    </dgm:ruleLst>
+    <dgm:forEach name="Name0" axis="ch" ptType="node">
+      <dgm:layoutNode name="parentText" styleLbl="node1">
+        <dgm:varLst>
+          <dgm:chMax val="0"/>
+          <dgm:bulletEnabled val="1"/>
+        </dgm:varLst>
+        <dgm:alg type="tx">
+          <dgm:param type="parTxLTRAlign" val="l"/>
+          <dgm:param type="parTxRTLAlign" val="r"/>
+        </dgm:alg>
+        <dgm:shape xmlns:r="http://schemas.openxmlformats.org/officeDocument/2006/relationships" type="roundRect" r:blip="">
+          <dgm:adjLst/>
+        </dgm:shape>
+        <dgm:presOf axis="self"/>
+        <dgm:constrLst>
+          <dgm:constr type="tMarg" refType="primFontSz" fact="0.3"/>
+          <dgm:constr type="bMarg" refType="primFontSz" fact="0.3"/>
+          <dgm:constr type="lMarg" refType="primFontSz" fact="0.3"/>
+          <dgm:constr type="rMarg" refType="primFontSz" fact="0.3"/>
+        </dgm:constrLst>
+        <dgm:ruleLst>
+          <dgm:rule type="h" val="INF" fact="NaN" max="NaN"/>
+        </dgm:ruleLst>
+      </dgm:layoutNode>
+      <dgm:choose name="Name1">
+        <dgm:if name="Name2" axis="ch" ptType="node" func="cnt" op="gte" val="1">
+          <dgm:layoutNode name="childText" styleLbl="revTx">
+            <dgm:varLst>
+              <dgm:bulletEnabled val="1"/>
+            </dgm:varLst>
+            <dgm:alg type="tx">
+              <dgm:param type="stBulletLvl" val="1"/>
+              <dgm:param type="lnSpAfChP" val="20"/>
+            </dgm:alg>
+            <dgm:shape xmlns:r="http://schemas.openxmlformats.org/officeDocument/2006/relationships" type="rect" r:blip="">
+              <dgm:adjLst/>
+            </dgm:shape>
+            <dgm:presOf axis="des" ptType="node"/>
+            <dgm:constrLst>
+              <dgm:constr type="tMarg" refType="primFontSz" fact="0.1"/>
+              <dgm:constr type="bMarg" refType="primFontSz" fact="0.1"/>
+              <dgm:constr type="lMarg" refType="w" fact="0.09"/>
+            </dgm:constrLst>
+            <dgm:ruleLst>
+              <dgm:rule type="h" val="INF" fact="NaN" max="NaN"/>
+            </dgm:ruleLst>
+          </dgm:layoutNode>
+        </dgm:if>
+        <dgm:else name="Name3">
+          <dgm:choose name="Name4">
+            <dgm:if name="Name5" axis="par ch" ptType="doc node" func="cnt" op="gte" val="2">
+              <dgm:forEach name="Name6" axis="followSib" ptType="sibTrans" cnt="1">
+                <dgm:layoutNode name="spacer">
+                  <dgm:alg type="sp"/>
+                  <dgm:shape xmlns:r="http://schemas.openxmlformats.org/officeDocument/2006/relationships" r:blip="">
+                    <dgm:adjLst/>
+                  </dgm:shape>
+                  <dgm:presOf/>
+                  <dgm:constrLst/>
+                  <dgm:ruleLst/>
+                </dgm:layoutNode>
+              </dgm:forEach>
+            </dgm:if>
+            <dgm:else name="Name7"/>
+          </dgm:choose>
+        </dgm:else>
+      </dgm:choose>
+    </dgm:forEach>
+  </dgm:layoutNode>
+</dgm:layoutDef>
+</file>
+
 <file path=ppt/diagrams/quickStyle1.xml><?xml version="1.0" encoding="utf-8"?>
+<dgm:styleDef xmlns:dgm="http://schemas.openxmlformats.org/drawingml/2006/diagram" xmlns:a="http://schemas.openxmlformats.org/drawingml/2006/main" uniqueId="urn:microsoft.com/office/officeart/2005/8/quickstyle/simple1">
+  <dgm:title val=""/>
+  <dgm:desc val=""/>
+  <dgm:catLst>
+    <dgm:cat type="simple" pri="10100"/>
+  </dgm:catLst>
+  <dgm:scene3d>
+    <a:camera prst="orthographicFront"/>
+    <a:lightRig rig="threePt" dir="t"/>
+  </dgm:scene3d>
+  <dgm:styleLbl name="node0">
+    <dgm:scene3d>
+      <a:camera prst="orthographicFront"/>
+      <a:lightRig rig="threePt" dir="t"/>
+    </dgm:scene3d>
+    <dgm:sp3d/>
+    <dgm:txPr/>
+    <dgm:style>
+      <a:lnRef idx="2">
+        <a:scrgbClr r="0" g="0" b="0"/>
+      </a:lnRef>
+      <a:fillRef idx="1">
+        <a:scrgbClr r="0" g="0" b="0"/>
+      </a:fillRef>
+      <a:effectRef idx="0">
+        <a:scrgbClr r="0" g="0" b="0"/>
+      </a:effectRef>
+      <a:fontRef idx="minor">
+        <a:schemeClr val="lt1"/>
+      </a:fontRef>
+    </dgm:style>
+  </dgm:styleLbl>
+  <dgm:styleLbl name="lnNode1">
+    <dgm:scene3d>
+      <a:camera prst="orthographicFront"/>
+      <a:lightRig rig="threePt" dir="t"/>
+    </dgm:scene3d>
+    <dgm:sp3d/>
+    <dgm:txPr/>
+    <dgm:style>
+      <a:lnRef idx="2">
+        <a:scrgbClr r="0" g="0" b="0"/>
+      </a:lnRef>
+      <a:fillRef idx="1">
+        <a:scrgbClr r="0" g="0" b="0"/>
+      </a:fillRef>
+      <a:effectRef idx="0">
+        <a:scrgbClr r="0" g="0" b="0"/>
+      </a:effectRef>
+      <a:fontRef idx="minor">
+        <a:schemeClr val="lt1"/>
+      </a:fontRef>
+    </dgm:style>
+  </dgm:styleLbl>
+  <dgm:styleLbl name="vennNode1">
+    <dgm:scene3d>
+      <a:camera prst="orthographicFront"/>
+      <a:lightRig rig="threePt" dir="t"/>
+    </dgm:scene3d>
+    <dgm:sp3d/>
+    <dgm:txPr/>
+    <dgm:style>
+      <a:lnRef idx="2">
+        <a:scrgbClr r="0" g="0" b="0"/>
+      </a:lnRef>
+      <a:fillRef idx="1">
+        <a:scrgbClr r="0" g="0" b="0"/>
+      </a:fillRef>
+      <a:effectRef idx="0">
+        <a:scrgbClr r="0" g="0" b="0"/>
+      </a:effectRef>
+      <a:fontRef idx="minor">
+        <a:schemeClr val="tx1"/>
+      </a:fontRef>
+    </dgm:style>
+  </dgm:styleLbl>
+  <dgm:styleLbl name="alignNode1">
+    <dgm:scene3d>
+      <a:camera prst="orthographicFront"/>
+      <a:lightRig rig="threePt" dir="t"/>
+    </dgm:scene3d>
+    <dgm:sp3d/>
+    <dgm:txPr/>
+    <dgm:style>
+      <a:lnRef idx="2">
+        <a:scrgbClr r="0" g="0" b="0"/>
+      </a:lnRef>
+      <a:fillRef idx="1">
+        <a:scrgbClr r="0" g="0" b="0"/>
+      </a:fillRef>
+      <a:effectRef idx="0">
+        <a:scrgbClr r="0" g="0" b="0"/>
+      </a:effectRef>
+      <a:fontRef idx="minor">
+        <a:schemeClr val="lt1"/>
+      </a:fontRef>
+    </dgm:style>
+  </dgm:styleLbl>
+  <dgm:styleLbl name="node1">
+    <dgm:scene3d>
+      <a:camera prst="orthographicFront"/>
+      <a:lightRig rig="threePt" dir="t"/>
+    </dgm:scene3d>
+    <dgm:sp3d/>
+    <dgm:txPr/>
+    <dgm:style>
+      <a:lnRef idx="2">
+        <a:scrgbClr r="0" g="0" b="0"/>
+      </a:lnRef>
+      <a:fillRef idx="1">
+        <a:scrgbClr r="0" g="0" b="0"/>
+      </a:fillRef>
+      <a:effectRef idx="0">
+        <a:scrgbClr r="0" g="0" b="0"/>
+      </a:effectRef>
+      <a:fontRef idx="minor">
+        <a:schemeClr val="lt1"/>
+      </a:fontRef>
+    </dgm:style>
+  </dgm:styleLbl>
+  <dgm:styleLbl name="node2">
+    <dgm:scene3d>
+      <a:camera prst="orthographicFront"/>
+      <a:lightRig rig="threePt" dir="t"/>
+    </dgm:scene3d>
+    <dgm:sp3d/>
+    <dgm:txPr/>
+    <dgm:style>
+      <a:lnRef idx="2">
+        <a:scrgbClr r="0" g="0" b="0"/>
+      </a:lnRef>
+      <a:fillRef idx="1">
+        <a:scrgbClr r="0" g="0" b="0"/>
+      </a:fillRef>
+      <a:effectRef idx="0">
+        <a:scrgbClr r="0" g="0" b="0"/>
+      </a:effectRef>
+      <a:fontRef idx="minor">
+        <a:schemeClr val="lt1"/>
+      </a:fontRef>
+    </dgm:style>
+  </dgm:styleLbl>
+  <dgm:styleLbl name="node3">
+    <dgm:scene3d>
+      <a:camera prst="orthographicFront"/>
+      <a:lightRig rig="threePt" dir="t"/>
+    </dgm:scene3d>
+    <dgm:sp3d/>
+    <dgm:txPr/>
+    <dgm:style>
+      <a:lnRef idx="2">
+        <a:scrgbClr r="0" g="0" b="0"/>
+      </a:lnRef>
+      <a:fillRef idx="1">
+        <a:scrgbClr r="0" g="0" b="0"/>
+      </a:fillRef>
+      <a:effectRef idx="0">
+        <a:scrgbClr r="0" g="0" b="0"/>
+      </a:effectRef>
+      <a:fontRef idx="minor">
+        <a:schemeClr val="lt1"/>
+      </a:fontRef>
+    </dgm:style>
+  </dgm:styleLbl>
+  <dgm:styleLbl name="node4">
+    <dgm:scene3d>
+      <a:camera prst="orthographicFront"/>
+      <a:lightRig rig="threePt" dir="t"/>
+    </dgm:scene3d>
+    <dgm:sp3d/>
+    <dgm:txPr/>
+    <dgm:style>
+      <a:lnRef idx="2">
+        <a:scrgbClr r="0" g="0" b="0"/>
+      </a:lnRef>
+      <a:fillRef idx="1">
+        <a:scrgbClr r="0" g="0" b="0"/>
+      </a:fillRef>
+      <a:effectRef idx="0">
+        <a:scrgbClr r="0" g="0" b="0"/>
+      </a:effectRef>
+      <a:fontRef idx="minor">
+        <a:schemeClr val="lt1"/>
+      </a:fontRef>
+    </dgm:style>
+  </dgm:styleLbl>
+  <dgm:styleLbl name="fgImgPlace1">
+    <dgm:scene3d>
+      <a:camera prst="orthographicFront"/>
+      <a:lightRig rig="threePt" dir="t"/>
+    </dgm:scene3d>
+    <dgm:sp3d/>
+    <dgm:txPr/>
+    <dgm:style>
+      <a:lnRef idx="2">
+        <a:scrgbClr r="0" g="0" b="0"/>
+      </a:lnRef>
+      <a:fillRef idx="1">
+        <a:scrgbClr r="0" g="0" b="0"/>
+      </a:fillRef>
+      <a:effectRef idx="0">
+        <a:scrgbClr r="0" g="0" b="0"/>
+      </a:effectRef>
+      <a:fontRef idx="minor"/>
+    </dgm:style>
+  </dgm:styleLbl>
+  <dgm:styleLbl name="alignImgPlace1">
+    <dgm:scene3d>
+      <a:camera prst="orthographicFront"/>
+      <a:lightRig rig="threePt" dir="t"/>
+    </dgm:scene3d>
+    <dgm:sp3d/>
+    <dgm:txPr/>
+    <dgm:style>
+      <a:lnRef idx="2">
+        <a:scrgbClr r="0" g="0" b="0"/>
+      </a:lnRef>
+      <a:fillRef idx="1">
+        <a:scrgbClr r="0" g="0" b="0"/>
+      </a:fillRef>
+      <a:effectRef idx="0">
+        <a:scrgbClr r="0" g="0" b="0"/>
+      </a:effectRef>
+      <a:fontRef idx="minor"/>
+    </dgm:style>
+  </dgm:styleLbl>
+  <dgm:styleLbl name="bgImgPlace1">
+    <dgm:scene3d>
+      <a:camera prst="orthographicFront"/>
+      <a:lightRig rig="threePt" dir="t"/>
+    </dgm:scene3d>
+    <dgm:sp3d/>
+    <dgm:txPr/>
+    <dgm:style>
+      <a:lnRef idx="2">
+        <a:scrgbClr r="0" g="0" b="0"/>
+      </a:lnRef>
+      <a:fillRef idx="1">
+        <a:scrgbClr r="0" g="0" b="0"/>
+      </a:fillRef>
+      <a:effectRef idx="0">
+        <a:scrgbClr r="0" g="0" b="0"/>
+      </a:effectRef>
+      <a:fontRef idx="minor"/>
+    </dgm:style>
+  </dgm:styleLbl>
+  <dgm:styleLbl name="sibTrans2D1">
+    <dgm:scene3d>
+      <a:camera prst="orthographicFront"/>
+      <a:lightRig rig="threePt" dir="t"/>
+    </dgm:scene3d>
+    <dgm:sp3d/>
+    <dgm:txPr/>
+    <dgm:style>
+      <a:lnRef idx="0">
+        <a:scrgbClr r="0" g="0" b="0"/>
+      </a:lnRef>
+      <a:fillRef idx="1">
+        <a:scrgbClr r="0" g="0" b="0"/>
+      </a:fillRef>
+      <a:effectRef idx="0">
+        <a:scrgbClr r="0" g="0" b="0"/>
+      </a:effectRef>
+      <a:fontRef idx="minor">
+        <a:schemeClr val="lt1"/>
+      </a:fontRef>
+    </dgm:style>
+  </dgm:styleLbl>
+  <dgm:styleLbl name="fgSibTrans2D1">
+    <dgm:scene3d>
+      <a:camera prst="orthographicFront"/>
+      <a:lightRig rig="threePt" dir="t"/>
+    </dgm:scene3d>
+    <dgm:sp3d/>
+    <dgm:txPr/>
+    <dgm:style>
+      <a:lnRef idx="0">
+        <a:scrgbClr r="0" g="0" b="0"/>
+      </a:lnRef>
+      <a:fillRef idx="1">
+        <a:scrgbClr r="0" g="0" b="0"/>
+      </a:fillRef>
+      <a:effectRef idx="0">
+        <a:scrgbClr r="0" g="0" b="0"/>
+      </a:effectRef>
+      <a:fontRef idx="minor">
+        <a:schemeClr val="lt1"/>
+      </a:fontRef>
+    </dgm:style>
+  </dgm:styleLbl>
+  <dgm:styleLbl name="bgSibTrans2D1">
+    <dgm:scene3d>
+      <a:camera prst="orthographicFront"/>
+      <a:lightRig rig="threePt" dir="t"/>
+    </dgm:scene3d>
+    <dgm:sp3d/>
+    <dgm:txPr/>
+    <dgm:style>
+      <a:lnRef idx="0">
+        <a:scrgbClr r="0" g="0" b="0"/>
+      </a:lnRef>
+      <a:fillRef idx="1">
+        <a:scrgbClr r="0" g="0" b="0"/>
+      </a:fillRef>
+      <a:effectRef idx="0">
+        <a:scrgbClr r="0" g="0" b="0"/>
+      </a:effectRef>
+      <a:fontRef idx="minor">
+        <a:schemeClr val="lt1"/>
+      </a:fontRef>
+    </dgm:style>
+  </dgm:styleLbl>
+  <dgm:styleLbl name="sibTrans1D1">
+    <dgm:scene3d>
+      <a:camera prst="orthographicFront"/>
+      <a:lightRig rig="threePt" dir="t"/>
+    </dgm:scene3d>
+    <dgm:sp3d/>
+    <dgm:txPr/>
+    <dgm:style>
+      <a:lnRef idx="1">
+        <a:scrgbClr r="0" g="0" b="0"/>
+      </a:lnRef>
+      <a:fillRef idx="0">
+        <a:scrgbClr r="0" g="0" b="0"/>
+      </a:fillRef>
+      <a:effectRef idx="0">
+        <a:scrgbClr r="0" g="0" b="0"/>
+      </a:effectRef>
+      <a:fontRef idx="minor"/>
+    </dgm:style>
+  </dgm:styleLbl>
+  <dgm:styleLbl name="callout">
+    <dgm:scene3d>
+      <a:camera prst="orthographicFront"/>
+      <a:lightRig rig="threePt" dir="t"/>
+    </dgm:scene3d>
+    <dgm:sp3d/>
+    <dgm:txPr/>
+    <dgm:style>
+      <a:lnRef idx="2">
+        <a:scrgbClr r="0" g="0" b="0"/>
+      </a:lnRef>
+      <a:fillRef idx="1">
+        <a:scrgbClr r="0" g="0" b="0"/>
+      </a:fillRef>
+      <a:effectRef idx="0">
+        <a:scrgbClr r="0" g="0" b="0"/>
+      </a:effectRef>
+      <a:fontRef idx="minor"/>
+    </dgm:style>
+  </dgm:styleLbl>
+  <dgm:styleLbl name="asst0">
+    <dgm:scene3d>
+      <a:camera prst="orthographicFront"/>
+      <a:lightRig rig="threePt" dir="t"/>
+    </dgm:scene3d>
+    <dgm:sp3d/>
+    <dgm:txPr/>
+    <dgm:style>
+      <a:lnRef idx="2">
+        <a:scrgbClr r="0" g="0" b="0"/>
+      </a:lnRef>
+      <a:fillRef idx="1">
+        <a:scrgbClr r="0" g="0" b="0"/>
+      </a:fillRef>
+      <a:effectRef idx="0">
+        <a:scrgbClr r="0" g="0" b="0"/>
+      </a:effectRef>
+      <a:fontRef idx="minor">
+        <a:schemeClr val="lt1"/>
+      </a:fontRef>
+    </dgm:style>
+  </dgm:styleLbl>
+  <dgm:styleLbl name="asst1">
+    <dgm:scene3d>
+      <a:camera prst="orthographicFront"/>
+      <a:lightRig rig="threePt" dir="t"/>
+    </dgm:scene3d>
+    <dgm:sp3d/>
+    <dgm:txPr/>
+    <dgm:style>
+      <a:lnRef idx="2">
+        <a:scrgbClr r="0" g="0" b="0"/>
+      </a:lnRef>
+      <a:fillRef idx="1">
+        <a:scrgbClr r="0" g="0" b="0"/>
+      </a:fillRef>
+      <a:effectRef idx="0">
+        <a:scrgbClr r="0" g="0" b="0"/>
+      </a:effectRef>
+      <a:fontRef idx="minor">
+        <a:schemeClr val="lt1"/>
+      </a:fontRef>
+    </dgm:style>
+  </dgm:styleLbl>
+  <dgm:styleLbl name="asst2">
+    <dgm:scene3d>
+      <a:camera prst="orthographicFront"/>
+      <a:lightRig rig="threePt" dir="t"/>
+    </dgm:scene3d>
+    <dgm:sp3d/>
+    <dgm:txPr/>
+    <dgm:style>
+      <a:lnRef idx="2">
+        <a:scrgbClr r="0" g="0" b="0"/>
+      </a:lnRef>
+      <a:fillRef idx="1">
+        <a:scrgbClr r="0" g="0" b="0"/>
+      </a:fillRef>
+      <a:effectRef idx="0">
+        <a:scrgbClr r="0" g="0" b="0"/>
+      </a:effectRef>
+      <a:fontRef idx="minor">
+        <a:schemeClr val="lt1"/>
+      </a:fontRef>
+    </dgm:style>
+  </dgm:styleLbl>
+  <dgm:styleLbl name="asst3">
+    <dgm:scene3d>
+      <a:camera prst="orthographicFront"/>
+      <a:lightRig rig="threePt" dir="t"/>
+    </dgm:scene3d>
+    <dgm:sp3d/>
+    <dgm:txPr/>
+    <dgm:style>
+      <a:lnRef idx="2">
+        <a:scrgbClr r="0" g="0" b="0"/>
+      </a:lnRef>
+      <a:fillRef idx="1">
+        <a:scrgbClr r="0" g="0" b="0"/>
+      </a:fillRef>
+      <a:effectRef idx="0">
+        <a:scrgbClr r="0" g="0" b="0"/>
+      </a:effectRef>
+      <a:fontRef idx="minor">
+        <a:schemeClr val="lt1"/>
+      </a:fontRef>
+    </dgm:style>
+  </dgm:styleLbl>
+  <dgm:styleLbl name="asst4">
+    <dgm:scene3d>
+      <a:camera prst="orthographicFront"/>
+      <a:lightRig rig="threePt" dir="t"/>
+    </dgm:scene3d>
+    <dgm:sp3d/>
+    <dgm:txPr/>
+    <dgm:style>
+      <a:lnRef idx="2">
+        <a:scrgbClr r="0" g="0" b="0"/>
+      </a:lnRef>
+      <a:fillRef idx="1">
+        <a:scrgbClr r="0" g="0" b="0"/>
+      </a:fillRef>
+      <a:effectRef idx="0">
+        <a:scrgbClr r="0" g="0" b="0"/>
+      </a:effectRef>
+      <a:fontRef idx="minor">
+        <a:schemeClr val="lt1"/>
+      </a:fontRef>
+    </dgm:style>
+  </dgm:styleLbl>
+  <dgm:styleLbl name="parChTrans2D1">
+    <dgm:scene3d>
+      <a:camera prst="orthographicFront"/>
+      <a:lightRig rig="threePt" dir="t"/>
+    </dgm:scene3d>
+    <dgm:sp3d/>
+    <dgm:txPr/>
+    <dgm:style>
+      <a:lnRef idx="2">
+        <a:scrgbClr r="0" g="0" b="0"/>
+      </a:lnRef>
+      <a:fillRef idx="1">
+        <a:scrgbClr r="0" g="0" b="0"/>
+      </a:fillRef>
+      <a:effectRef idx="0">
+        <a:scrgbClr r="0" g="0" b="0"/>
+      </a:effectRef>
+      <a:fontRef idx="minor">
+        <a:schemeClr val="lt1"/>
+      </a:fontRef>
+    </dgm:style>
+  </dgm:styleLbl>
+  <dgm:styleLbl name="parChTrans2D2">
+    <dgm:scene3d>
+      <a:camera prst="orthographicFront"/>
+      <a:lightRig rig="threePt" dir="t"/>
+    </dgm:scene3d>
+    <dgm:sp3d/>
+    <dgm:txPr/>
+    <dgm:style>
+      <a:lnRef idx="2">
+        <a:scrgbClr r="0" g="0" b="0"/>
+      </a:lnRef>
+      <a:fillRef idx="1">
+        <a:scrgbClr r="0" g="0" b="0"/>
+      </a:fillRef>
+      <a:effectRef idx="0">
+        <a:scrgbClr r="0" g="0" b="0"/>
+      </a:effectRef>
+      <a:fontRef idx="minor">
+        <a:schemeClr val="lt1"/>
+      </a:fontRef>
+    </dgm:style>
+  </dgm:styleLbl>
+  <dgm:styleLbl name="parChTrans2D3">
+    <dgm:scene3d>
+      <a:camera prst="orthographicFront"/>
+      <a:lightRig rig="threePt" dir="t"/>
+    </dgm:scene3d>
+    <dgm:sp3d/>
+    <dgm:txPr/>
+    <dgm:style>
+      <a:lnRef idx="2">
+        <a:scrgbClr r="0" g="0" b="0"/>
+      </a:lnRef>
+      <a:fillRef idx="1">
+        <a:scrgbClr r="0" g="0" b="0"/>
+      </a:fillRef>
+      <a:effectRef idx="0">
+        <a:scrgbClr r="0" g="0" b="0"/>
+      </a:effectRef>
+      <a:fontRef idx="minor">
+        <a:schemeClr val="lt1"/>
+      </a:fontRef>
+    </dgm:style>
+  </dgm:styleLbl>
+  <dgm:styleLbl name="parChTrans2D4">
+    <dgm:scene3d>
+      <a:camera prst="orthographicFront"/>
+      <a:lightRig rig="threePt" dir="t"/>
+    </dgm:scene3d>
+    <dgm:sp3d/>
+    <dgm:txPr/>
+    <dgm:style>
+      <a:lnRef idx="2">
+        <a:scrgbClr r="0" g="0" b="0"/>
+      </a:lnRef>
+      <a:fillRef idx="1">
+        <a:scrgbClr r="0" g="0" b="0"/>
+      </a:fillRef>
+      <a:effectRef idx="0">
+        <a:scrgbClr r="0" g="0" b="0"/>
+      </a:effectRef>
+      <a:fontRef idx="minor">
+        <a:schemeClr val="lt1"/>
+      </a:fontRef>
+    </dgm:style>
+  </dgm:styleLbl>
+  <dgm:styleLbl name="parChTrans1D1">
+    <dgm:scene3d>
+      <a:camera prst="orthographicFront"/>
+      <a:lightRig rig="threePt" dir="t"/>
+    </dgm:scene3d>
+    <dgm:sp3d/>
+    <dgm:txPr/>
+    <dgm:style>
+      <a:lnRef idx="2">
+        <a:scrgbClr r="0" g="0" b="0"/>
+      </a:lnRef>
+      <a:fillRef idx="0">
+        <a:scrgbClr r="0" g="0" b="0"/>
+      </a:fillRef>
+      <a:effectRef idx="0">
+        <a:scrgbClr r="0" g="0" b="0"/>
+      </a:effectRef>
+      <a:fontRef idx="minor"/>
+    </dgm:style>
+  </dgm:styleLbl>
+  <dgm:styleLbl name="parChTrans1D2">
+    <dgm:scene3d>
+      <a:camera prst="orthographicFront"/>
+      <a:lightRig rig="threePt" dir="t"/>
+    </dgm:scene3d>
+    <dgm:sp3d/>
+    <dgm:txPr/>
+    <dgm:style>
+      <a:lnRef idx="2">
+        <a:scrgbClr r="0" g="0" b="0"/>
+      </a:lnRef>
+      <a:fillRef idx="0">
+        <a:scrgbClr r="0" g="0" b="0"/>
+      </a:fillRef>
+      <a:effectRef idx="0">
+        <a:scrgbClr r="0" g="0" b="0"/>
+      </a:effectRef>
+      <a:fontRef idx="minor"/>
+    </dgm:style>
+  </dgm:styleLbl>
+  <dgm:styleLbl name="parChTrans1D3">
+    <dgm:scene3d>
+      <a:camera prst="orthographicFront"/>
+      <a:lightRig rig="threePt" dir="t"/>
+    </dgm:scene3d>
+    <dgm:sp3d/>
+    <dgm:txPr/>
+    <dgm:style>
+      <a:lnRef idx="2">
+        <a:scrgbClr r="0" g="0" b="0"/>
+      </a:lnRef>
+      <a:fillRef idx="0">
+        <a:scrgbClr r="0" g="0" b="0"/>
+      </a:fillRef>
+      <a:effectRef idx="0">
+        <a:scrgbClr r="0" g="0" b="0"/>
+      </a:effectRef>
+      <a:fontRef idx="minor"/>
+    </dgm:style>
+  </dgm:styleLbl>
+  <dgm:styleLbl name="parChTrans1D4">
+    <dgm:scene3d>
+      <a:camera prst="orthographicFront"/>
+      <a:lightRig rig="threePt" dir="t"/>
+    </dgm:scene3d>
+    <dgm:sp3d/>
+    <dgm:txPr/>
+    <dgm:style>
+      <a:lnRef idx="2">
+        <a:scrgbClr r="0" g="0" b="0"/>
+      </a:lnRef>
+      <a:fillRef idx="0">
+        <a:scrgbClr r="0" g="0" b="0"/>
+      </a:fillRef>
+      <a:effectRef idx="0">
+        <a:scrgbClr r="0" g="0" b="0"/>
+      </a:effectRef>
+      <a:fontRef idx="minor"/>
+    </dgm:style>
+  </dgm:styleLbl>
+  <dgm:styleLbl name="fgAcc1">
+    <dgm:scene3d>
+      <a:camera prst="orthographicFront"/>
+      <a:lightRig rig="threePt" dir="t"/>
+    </dgm:scene3d>
+    <dgm:sp3d/>
+    <dgm:txPr/>
+    <dgm:style>
+      <a:lnRef idx="2">
+        <a:scrgbClr r="0" g="0" b="0"/>
+      </a:lnRef>
+      <a:fillRef idx="1">
+        <a:scrgbClr r="0" g="0" b="0"/>
+      </a:fillRef>
+      <a:effectRef idx="0">
+        <a:scrgbClr r="0" g="0" b="0"/>
+      </a:effectRef>
+      <a:fontRef idx="minor"/>
+    </dgm:style>
+  </dgm:styleLbl>
+  <dgm:styleLbl name="conFgAcc1">
+    <dgm:scene3d>
+      <a:camera prst="orthographicFront"/>
+      <a:lightRig rig="threePt" dir="t"/>
+    </dgm:scene3d>
+    <dgm:sp3d/>
+    <dgm:txPr/>
+    <dgm:style>
+      <a:lnRef idx="2">
+        <a:scrgbClr r="0" g="0" b="0"/>
+      </a:lnRef>
+      <a:fillRef idx="1">
+        <a:scrgbClr r="0" g="0" b="0"/>
+      </a:fillRef>
+      <a:effectRef idx="0">
+        <a:scrgbClr r="0" g="0" b="0"/>
+      </a:effectRef>
+      <a:fontRef idx="minor"/>
+    </dgm:style>
+  </dgm:styleLbl>
+  <dgm:styleLbl name="alignAcc1">
+    <dgm:scene3d>
+      <a:camera prst="orthographicFront"/>
+      <a:lightRig rig="threePt" dir="t"/>
+    </dgm:scene3d>
+    <dgm:sp3d/>
+    <dgm:txPr/>
+    <dgm:style>
+      <a:lnRef idx="2">
+        <a:scrgbClr r="0" g="0" b="0"/>
+      </a:lnRef>
+      <a:fillRef idx="1">
+        <a:scrgbClr r="0" g="0" b="0"/>
+      </a:fillRef>
+      <a:effectRef idx="0">
+        <a:scrgbClr r="0" g="0" b="0"/>
+      </a:effectRef>
+      <a:fontRef idx="minor"/>
+    </dgm:style>
+  </dgm:styleLbl>
+  <dgm:styleLbl name="trAlignAcc1">
+    <dgm:scene3d>
+      <a:camera prst="orthographicFront"/>
+      <a:lightRig rig="threePt" dir="t"/>
+    </dgm:scene3d>
+    <dgm:sp3d/>
+    <dgm:txPr/>
+    <dgm:style>
+      <a:lnRef idx="1">
+        <a:scrgbClr r="0" g="0" b="0"/>
+      </a:lnRef>
+      <a:fillRef idx="1">
+        <a:scrgbClr r="0" g="0" b="0"/>
+      </a:fillRef>
+      <a:effectRef idx="0">
+        <a:scrgbClr r="0" g="0" b="0"/>
+      </a:effectRef>
+      <a:fontRef idx="minor"/>
+    </dgm:style>
+  </dgm:styleLbl>
+  <dgm:styleLbl name="bgAcc1">
+    <dgm:scene3d>
+      <a:camera prst="orthographicFront"/>
+      <a:lightRig rig="threePt" dir="t"/>
+    </dgm:scene3d>
+    <dgm:sp3d/>
+    <dgm:txPr/>
+    <dgm:style>
+      <a:lnRef idx="2">
+        <a:scrgbClr r="0" g="0" b="0"/>
+      </a:lnRef>
+      <a:fillRef idx="1">
+        <a:scrgbClr r="0" g="0" b="0"/>
+      </a:fillRef>
+      <a:effectRef idx="0">
+        <a:scrgbClr r="0" g="0" b="0"/>
+      </a:effectRef>
+      <a:fontRef idx="minor"/>
+    </dgm:style>
+  </dgm:styleLbl>
+  <dgm:styleLbl name="solidFgAcc1">
+    <dgm:scene3d>
+      <a:camera prst="orthographicFront"/>
+      <a:lightRig rig="threePt" dir="t"/>
+    </dgm:scene3d>
+    <dgm:sp3d/>
+    <dgm:txPr/>
+    <dgm:style>
+      <a:lnRef idx="2">
+        <a:scrgbClr r="0" g="0" b="0"/>
+      </a:lnRef>
+      <a:fillRef idx="1">
+        <a:scrgbClr r="0" g="0" b="0"/>
+      </a:fillRef>
+      <a:effectRef idx="0">
+        <a:scrgbClr r="0" g="0" b="0"/>
+      </a:effectRef>
+      <a:fontRef idx="minor"/>
+    </dgm:style>
+  </dgm:styleLbl>
+  <dgm:styleLbl name="solidAlignAcc1">
+    <dgm:scene3d>
+      <a:camera prst="orthographicFront"/>
+      <a:lightRig rig="threePt" dir="t"/>
+    </dgm:scene3d>
+    <dgm:sp3d/>
+    <dgm:txPr/>
+    <dgm:style>
+      <a:lnRef idx="2">
+        <a:scrgbClr r="0" g="0" b="0"/>
+      </a:lnRef>
+      <a:fillRef idx="1">
+        <a:scrgbClr r="0" g="0" b="0"/>
+      </a:fillRef>
+      <a:effectRef idx="0">
+        <a:scrgbClr r="0" g="0" b="0"/>
+      </a:effectRef>
+      <a:fontRef idx="minor"/>
+    </dgm:style>
+  </dgm:styleLbl>
+  <dgm:styleLbl name="solidBgAcc1">
+    <dgm:scene3d>
+      <a:camera prst="orthographicFront"/>
+      <a:lightRig rig="threePt" dir="t"/>
+    </dgm:scene3d>
+    <dgm:sp3d/>
+    <dgm:txPr/>
+    <dgm:style>
+      <a:lnRef idx="2">
+        <a:scrgbClr r="0" g="0" b="0"/>
+      </a:lnRef>
+      <a:fillRef idx="1">
+        <a:scrgbClr r="0" g="0" b="0"/>
+      </a:fillRef>
+      <a:effectRef idx="0">
+        <a:scrgbClr r="0" g="0" b="0"/>
+      </a:effectRef>
+      <a:fontRef idx="minor"/>
+    </dgm:style>
+  </dgm:styleLbl>
+  <dgm:styleLbl name="fgAccFollowNode1">
+    <dgm:scene3d>
+      <a:camera prst="orthographicFront"/>
+      <a:lightRig rig="threePt" dir="t"/>
+    </dgm:scene3d>
+    <dgm:sp3d/>
+    <dgm:txPr/>
+    <dgm:style>
+      <a:lnRef idx="2">
+        <a:scrgbClr r="0" g="0" b="0"/>
+      </a:lnRef>
+      <a:fillRef idx="1">
+        <a:scrgbClr r="0" g="0" b="0"/>
+      </a:fillRef>
+      <a:effectRef idx="0">
+        <a:scrgbClr r="0" g="0" b="0"/>
+      </a:effectRef>
+      <a:fontRef idx="minor"/>
+    </dgm:style>
+  </dgm:styleLbl>
+  <dgm:styleLbl name="alignAccFollowNode1">
+    <dgm:scene3d>
+      <a:camera prst="orthographicFront"/>
+      <a:lightRig rig="threePt" dir="t"/>
+    </dgm:scene3d>
+    <dgm:sp3d/>
+    <dgm:txPr/>
+    <dgm:style>
+      <a:lnRef idx="2">
+        <a:scrgbClr r="0" g="0" b="0"/>
+      </a:lnRef>
+      <a:fillRef idx="1">
+        <a:scrgbClr r="0" g="0" b="0"/>
+      </a:fillRef>
+      <a:effectRef idx="0">
+        <a:scrgbClr r="0" g="0" b="0"/>
+      </a:effectRef>
+      <a:fontRef idx="minor"/>
+    </dgm:style>
+  </dgm:styleLbl>
+  <dgm:styleLbl name="bgAccFollowNode1">
+    <dgm:scene3d>
+      <a:camera prst="orthographicFront"/>
+      <a:lightRig rig="threePt" dir="t"/>
+    </dgm:scene3d>
+    <dgm:sp3d/>
+    <dgm:txPr/>
+    <dgm:style>
+      <a:lnRef idx="2">
+        <a:scrgbClr r="0" g="0" b="0"/>
+      </a:lnRef>
+      <a:fillRef idx="1">
+        <a:scrgbClr r="0" g="0" b="0"/>
+      </a:fillRef>
+      <a:effectRef idx="0">
+        <a:scrgbClr r="0" g="0" b="0"/>
+      </a:effectRef>
+      <a:fontRef idx="minor"/>
+    </dgm:style>
+  </dgm:styleLbl>
+  <dgm:styleLbl name="fgAcc0">
+    <dgm:scene3d>
+      <a:camera prst="orthographicFront"/>
+      <a:lightRig rig="threePt" dir="t"/>
+    </dgm:scene3d>
+    <dgm:sp3d/>
+    <dgm:txPr/>
+    <dgm:style>
+      <a:lnRef idx="2">
+        <a:scrgbClr r="0" g="0" b="0"/>
+      </a:lnRef>
+      <a:fillRef idx="1">
+        <a:scrgbClr r="0" g="0" b="0"/>
+      </a:fillRef>
+      <a:effectRef idx="0">
+        <a:scrgbClr r="0" g="0" b="0"/>
+      </a:effectRef>
+      <a:fontRef idx="minor"/>
+    </dgm:style>
+  </dgm:styleLbl>
+  <dgm:styleLbl name="fgAcc2">
+    <dgm:scene3d>
+      <a:camera prst="orthographicFront"/>
+      <a:lightRig rig="threePt" dir="t"/>
+    </dgm:scene3d>
+    <dgm:sp3d/>
+    <dgm:txPr/>
+    <dgm:style>
+      <a:lnRef idx="2">
+        <a:scrgbClr r="0" g="0" b="0"/>
+      </a:lnRef>
+      <a:fillRef idx="1">
+        <a:scrgbClr r="0" g="0" b="0"/>
+      </a:fillRef>
+      <a:effectRef idx="0">
+        <a:scrgbClr r="0" g="0" b="0"/>
+      </a:effectRef>
+      <a:fontRef idx="minor"/>
+    </dgm:style>
+  </dgm:styleLbl>
+  <dgm:styleLbl name="fgAcc3">
+    <dgm:scene3d>
+      <a:camera prst="orthographicFront"/>
+      <a:lightRig rig="threePt" dir="t"/>
+    </dgm:scene3d>
+    <dgm:sp3d/>
+    <dgm:txPr/>
+    <dgm:style>
+      <a:lnRef idx="2">
+        <a:scrgbClr r="0" g="0" b="0"/>
+      </a:lnRef>
+      <a:fillRef idx="1">
+        <a:scrgbClr r="0" g="0" b="0"/>
+      </a:fillRef>
+      <a:effectRef idx="0">
+        <a:scrgbClr r="0" g="0" b="0"/>
+      </a:effectRef>
+      <a:fontRef idx="minor"/>
+    </dgm:style>
+  </dgm:styleLbl>
+  <dgm:styleLbl name="fgAcc4">
+    <dgm:scene3d>
+      <a:camera prst="orthographicFront"/>
+      <a:lightRig rig="threePt" dir="t"/>
+    </dgm:scene3d>
+    <dgm:sp3d/>
+    <dgm:txPr/>
+    <dgm:style>
+      <a:lnRef idx="2">
+        <a:scrgbClr r="0" g="0" b="0"/>
+      </a:lnRef>
+      <a:fillRef idx="1">
+        <a:scrgbClr r="0" g="0" b="0"/>
+      </a:fillRef>
+      <a:effectRef idx="0">
+        <a:scrgbClr r="0" g="0" b="0"/>
+      </a:effectRef>
+      <a:fontRef idx="minor"/>
+    </dgm:style>
+  </dgm:styleLbl>
+  <dgm:styleLbl name="bgShp">
+    <dgm:scene3d>
+      <a:camera prst="orthographicFront"/>
+      <a:lightRig rig="threePt" dir="t"/>
+    </dgm:scene3d>
+    <dgm:sp3d/>
+    <dgm:txPr/>
+    <dgm:style>
+      <a:lnRef idx="0">
+        <a:scrgbClr r="0" g="0" b="0"/>
+      </a:lnRef>
+      <a:fillRef idx="1">
+        <a:scrgbClr r="0" g="0" b="0"/>
+      </a:fillRef>
+      <a:effectRef idx="0">
+        <a:scrgbClr r="0" g="0" b="0"/>
+      </a:effectRef>
+      <a:fontRef idx="minor"/>
+    </dgm:style>
+  </dgm:styleLbl>
+  <dgm:styleLbl name="dkBgShp">
+    <dgm:scene3d>
+      <a:camera prst="orthographicFront"/>
+      <a:lightRig rig="threePt" dir="t"/>
+    </dgm:scene3d>
+    <dgm:sp3d/>
+    <dgm:txPr/>
+    <dgm:style>
+      <a:lnRef idx="0">
+        <a:scrgbClr r="0" g="0" b="0"/>
+      </a:lnRef>
+      <a:fillRef idx="1">
+        <a:scrgbClr r="0" g="0" b="0"/>
+      </a:fillRef>
+      <a:effectRef idx="0">
+        <a:scrgbClr r="0" g="0" b="0"/>
+      </a:effectRef>
+      <a:fontRef idx="minor"/>
+    </dgm:style>
+  </dgm:styleLbl>
+  <dgm:styleLbl name="trBgShp">
+    <dgm:scene3d>
+      <a:camera prst="orthographicFront"/>
+      <a:lightRig rig="threePt" dir="t"/>
+    </dgm:scene3d>
+    <dgm:sp3d/>
+    <dgm:txPr/>
+    <dgm:style>
+      <a:lnRef idx="0">
+        <a:scrgbClr r="0" g="0" b="0"/>
+      </a:lnRef>
+      <a:fillRef idx="1">
+        <a:scrgbClr r="0" g="0" b="0"/>
+      </a:fillRef>
+      <a:effectRef idx="0">
+        <a:scrgbClr r="0" g="0" b="0"/>
+      </a:effectRef>
+      <a:fontRef idx="minor"/>
+    </dgm:style>
+  </dgm:styleLbl>
+  <dgm:styleLbl name="fgShp">
+    <dgm:scene3d>
+      <a:camera prst="orthographicFront"/>
+      <a:lightRig rig="threePt" dir="t"/>
+    </dgm:scene3d>
+    <dgm:sp3d/>
+    <dgm:txPr/>
+    <dgm:style>
+      <a:lnRef idx="2">
+        <a:scrgbClr r="0" g="0" b="0"/>
+      </a:lnRef>
+      <a:fillRef idx="1">
+        <a:scrgbClr r="0" g="0" b="0"/>
+      </a:fillRef>
+      <a:effectRef idx="0">
+        <a:scrgbClr r="0" g="0" b="0"/>
+      </a:effectRef>
+      <a:fontRef idx="minor"/>
+    </dgm:style>
+  </dgm:styleLbl>
+  <dgm:styleLbl name="revTx">
+    <dgm:scene3d>
+      <a:camera prst="orthographicFront"/>
+      <a:lightRig rig="threePt" dir="t"/>
+    </dgm:scene3d>
+    <dgm:sp3d/>
+    <dgm:txPr/>
+    <dgm:style>
+      <a:lnRef idx="0">
+        <a:scrgbClr r="0" g="0" b="0"/>
+      </a:lnRef>
+      <a:fillRef idx="0">
+        <a:scrgbClr r="0" g="0" b="0"/>
+      </a:fillRef>
+      <a:effectRef idx="0">
+        <a:scrgbClr r="0" g="0" b="0"/>
+      </a:effectRef>
+      <a:fontRef idx="minor"/>
+    </dgm:style>
+  </dgm:styleLbl>
+</dgm:styleDef>
+</file>
+
+<file path=ppt/diagrams/quickStyle2.xml><?xml version="1.0" encoding="utf-8"?>
+<dgm:styleDef xmlns:dgm="http://schemas.openxmlformats.org/drawingml/2006/diagram" xmlns:a="http://schemas.openxmlformats.org/drawingml/2006/main" uniqueId="urn:microsoft.com/office/officeart/2005/8/quickstyle/simple1">
+  <dgm:title val=""/>
+  <dgm:desc val=""/>
+  <dgm:catLst>
+    <dgm:cat type="simple" pri="10100"/>
+  </dgm:catLst>
+  <dgm:scene3d>
+    <a:camera prst="orthographicFront"/>
+    <a:lightRig rig="threePt" dir="t"/>
+  </dgm:scene3d>
+  <dgm:styleLbl name="node0">
+    <dgm:scene3d>
+      <a:camera prst="orthographicFront"/>
+      <a:lightRig rig="threePt" dir="t"/>
+    </dgm:scene3d>
+    <dgm:sp3d/>
+    <dgm:txPr/>
+    <dgm:style>
+      <a:lnRef idx="2">
+        <a:scrgbClr r="0" g="0" b="0"/>
+      </a:lnRef>
+      <a:fillRef idx="1">
+        <a:scrgbClr r="0" g="0" b="0"/>
+      </a:fillRef>
+      <a:effectRef idx="0">
+        <a:scrgbClr r="0" g="0" b="0"/>
+      </a:effectRef>
+      <a:fontRef idx="minor">
+        <a:schemeClr val="lt1"/>
+      </a:fontRef>
+    </dgm:style>
+  </dgm:styleLbl>
+  <dgm:styleLbl name="lnNode1">
+    <dgm:scene3d>
+      <a:camera prst="orthographicFront"/>
+      <a:lightRig rig="threePt" dir="t"/>
+    </dgm:scene3d>
+    <dgm:sp3d/>
+    <dgm:txPr/>
+    <dgm:style>
+      <a:lnRef idx="2">
+        <a:scrgbClr r="0" g="0" b="0"/>
+      </a:lnRef>
+      <a:fillRef idx="1">
+        <a:scrgbClr r="0" g="0" b="0"/>
+      </a:fillRef>
+      <a:effectRef idx="0">
+        <a:scrgbClr r="0" g="0" b="0"/>
+      </a:effectRef>
+      <a:fontRef idx="minor">
+        <a:schemeClr val="lt1"/>
+      </a:fontRef>
+    </dgm:style>
+  </dgm:styleLbl>
+  <dgm:styleLbl name="vennNode1">
+    <dgm:scene3d>
+      <a:camera prst="orthographicFront"/>
+      <a:lightRig rig="threePt" dir="t"/>
+    </dgm:scene3d>
+    <dgm:sp3d/>
+    <dgm:txPr/>
+    <dgm:style>
+      <a:lnRef idx="2">
+        <a:scrgbClr r="0" g="0" b="0"/>
+      </a:lnRef>
+      <a:fillRef idx="1">
+        <a:scrgbClr r="0" g="0" b="0"/>
+      </a:fillRef>
+      <a:effectRef idx="0">
+        <a:scrgbClr r="0" g="0" b="0"/>
+      </a:effectRef>
+      <a:fontRef idx="minor">
+        <a:schemeClr val="tx1"/>
+      </a:fontRef>
+    </dgm:style>
+  </dgm:styleLbl>
+  <dgm:styleLbl name="alignNode1">
+    <dgm:scene3d>
+      <a:camera prst="orthographicFront"/>
+      <a:lightRig rig="threePt" dir="t"/>
+    </dgm:scene3d>
+    <dgm:sp3d/>
+    <dgm:txPr/>
+    <dgm:style>
+      <a:lnRef idx="2">
+        <a:scrgbClr r="0" g="0" b="0"/>
+      </a:lnRef>
+      <a:fillRef idx="1">
+        <a:scrgbClr r="0" g="0" b="0"/>
+      </a:fillRef>
+      <a:effectRef idx="0">
+        <a:scrgbClr r="0" g="0" b="0"/>
+      </a:effectRef>
+      <a:fontRef idx="minor">
+        <a:schemeClr val="lt1"/>
+      </a:fontRef>
+    </dgm:style>
+  </dgm:styleLbl>
+  <dgm:styleLbl name="node1">
+    <dgm:scene3d>
+      <a:camera prst="orthographicFront"/>
+      <a:lightRig rig="threePt" dir="t"/>
+    </dgm:scene3d>
+    <dgm:sp3d/>
+    <dgm:txPr/>
+    <dgm:style>
+      <a:lnRef idx="2">
+        <a:scrgbClr r="0" g="0" b="0"/>
+      </a:lnRef>
+      <a:fillRef idx="1">
+        <a:scrgbClr r="0" g="0" b="0"/>
+      </a:fillRef>
+      <a:effectRef idx="0">
+        <a:scrgbClr r="0" g="0" b="0"/>
+      </a:effectRef>
+      <a:fontRef idx="minor">
+        <a:schemeClr val="lt1"/>
+      </a:fontRef>
+    </dgm:style>
+  </dgm:styleLbl>
+  <dgm:styleLbl name="node2">
+    <dgm:scene3d>
+      <a:camera prst="orthographicFront"/>
+      <a:lightRig rig="threePt" dir="t"/>
+    </dgm:scene3d>
+    <dgm:sp3d/>
+    <dgm:txPr/>
+    <dgm:style>
+      <a:lnRef idx="2">
+        <a:scrgbClr r="0" g="0" b="0"/>
+      </a:lnRef>
+      <a:fillRef idx="1">
+        <a:scrgbClr r="0" g="0" b="0"/>
+      </a:fillRef>
+      <a:effectRef idx="0">
+        <a:scrgbClr r="0" g="0" b="0"/>
+      </a:effectRef>
+      <a:fontRef idx="minor">
+        <a:schemeClr val="lt1"/>
+      </a:fontRef>
+    </dgm:style>
+  </dgm:styleLbl>
+  <dgm:styleLbl name="node3">
+    <dgm:scene3d>
+      <a:camera prst="orthographicFront"/>
+      <a:lightRig rig="threePt" dir="t"/>
+    </dgm:scene3d>
+    <dgm:sp3d/>
+    <dgm:txPr/>
+    <dgm:style>
+      <a:lnRef idx="2">
+        <a:scrgbClr r="0" g="0" b="0"/>
+      </a:lnRef>
+      <a:fillRef idx="1">
+        <a:scrgbClr r="0" g="0" b="0"/>
+      </a:fillRef>
+      <a:effectRef idx="0">
+        <a:scrgbClr r="0" g="0" b="0"/>
+      </a:effectRef>
+      <a:fontRef idx="minor">
+        <a:schemeClr val="lt1"/>
+      </a:fontRef>
+    </dgm:style>
+  </dgm:styleLbl>
+  <dgm:styleLbl name="node4">
+    <dgm:scene3d>
+      <a:camera prst="orthographicFront"/>
+      <a:lightRig rig="threePt" dir="t"/>
+    </dgm:scene3d>
+    <dgm:sp3d/>
+    <dgm:txPr/>
+    <dgm:style>
+      <a:lnRef idx="2">
+        <a:scrgbClr r="0" g="0" b="0"/>
+      </a:lnRef>
+      <a:fillRef idx="1">
+        <a:scrgbClr r="0" g="0" b="0"/>
+      </a:fillRef>
+      <a:effectRef idx="0">
+        <a:scrgbClr r="0" g="0" b="0"/>
+      </a:effectRef>
+      <a:fontRef idx="minor">
+        <a:schemeClr val="lt1"/>
+      </a:fontRef>
+    </dgm:style>
+  </dgm:styleLbl>
+  <dgm:styleLbl name="fgImgPlace1">
+    <dgm:scene3d>
+      <a:camera prst="orthographicFront"/>
+      <a:lightRig rig="threePt" dir="t"/>
+    </dgm:scene3d>
+    <dgm:sp3d/>
+    <dgm:txPr/>
+    <dgm:style>
+      <a:lnRef idx="2">
+        <a:scrgbClr r="0" g="0" b="0"/>
+      </a:lnRef>
+      <a:fillRef idx="1">
+        <a:scrgbClr r="0" g="0" b="0"/>
+      </a:fillRef>
+      <a:effectRef idx="0">
+        <a:scrgbClr r="0" g="0" b="0"/>
+      </a:effectRef>
+      <a:fontRef idx="minor"/>
+    </dgm:style>
+  </dgm:styleLbl>
+  <dgm:styleLbl name="alignImgPlace1">
+    <dgm:scene3d>
+      <a:camera prst="orthographicFront"/>
+      <a:lightRig rig="threePt" dir="t"/>
+    </dgm:scene3d>
+    <dgm:sp3d/>
+    <dgm:txPr/>
+    <dgm:style>
+      <a:lnRef idx="2">
+        <a:scrgbClr r="0" g="0" b="0"/>
+      </a:lnRef>
+      <a:fillRef idx="1">
+        <a:scrgbClr r="0" g="0" b="0"/>
+      </a:fillRef>
+      <a:effectRef idx="0">
+        <a:scrgbClr r="0" g="0" b="0"/>
+      </a:effectRef>
+      <a:fontRef idx="minor"/>
+    </dgm:style>
+  </dgm:styleLbl>
+  <dgm:styleLbl name="bgImgPlace1">
+    <dgm:scene3d>
+      <a:camera prst="orthographicFront"/>
+      <a:lightRig rig="threePt" dir="t"/>
+    </dgm:scene3d>
+    <dgm:sp3d/>
+    <dgm:txPr/>
+    <dgm:style>
+      <a:lnRef idx="2">
+        <a:scrgbClr r="0" g="0" b="0"/>
+      </a:lnRef>
+      <a:fillRef idx="1">
+        <a:scrgbClr r="0" g="0" b="0"/>
+      </a:fillRef>
+      <a:effectRef idx="0">
+        <a:scrgbClr r="0" g="0" b="0"/>
+      </a:effectRef>
+      <a:fontRef idx="minor"/>
+    </dgm:style>
+  </dgm:styleLbl>
+  <dgm:styleLbl name="sibTrans2D1">
+    <dgm:scene3d>
+      <a:camera prst="orthographicFront"/>
+      <a:lightRig rig="threePt" dir="t"/>
+    </dgm:scene3d>
+    <dgm:sp3d/>
+    <dgm:txPr/>
+    <dgm:style>
+      <a:lnRef idx="0">
+        <a:scrgbClr r="0" g="0" b="0"/>
+      </a:lnRef>
+      <a:fillRef idx="1">
+        <a:scrgbClr r="0" g="0" b="0"/>
+      </a:fillRef>
+      <a:effectRef idx="0">
+        <a:scrgbClr r="0" g="0" b="0"/>
+      </a:effectRef>
+      <a:fontRef idx="minor">
+        <a:schemeClr val="lt1"/>
+      </a:fontRef>
+    </dgm:style>
+  </dgm:styleLbl>
+  <dgm:styleLbl name="fgSibTrans2D1">
+    <dgm:scene3d>
+      <a:camera prst="orthographicFront"/>
+      <a:lightRig rig="threePt" dir="t"/>
+    </dgm:scene3d>
+    <dgm:sp3d/>
+    <dgm:txPr/>
+    <dgm:style>
+      <a:lnRef idx="0">
+        <a:scrgbClr r="0" g="0" b="0"/>
+      </a:lnRef>
+      <a:fillRef idx="1">
+        <a:scrgbClr r="0" g="0" b="0"/>
+      </a:fillRef>
+      <a:effectRef idx="0">
+        <a:scrgbClr r="0" g="0" b="0"/>
+      </a:effectRef>
+      <a:fontRef idx="minor">
+        <a:schemeClr val="lt1"/>
+      </a:fontRef>
+    </dgm:style>
+  </dgm:styleLbl>
+  <dgm:styleLbl name="bgSibTrans2D1">
+    <dgm:scene3d>
+      <a:camera prst="orthographicFront"/>
+      <a:lightRig rig="threePt" dir="t"/>
+    </dgm:scene3d>
+    <dgm:sp3d/>
+    <dgm:txPr/>
+    <dgm:style>
+      <a:lnRef idx="0">
+        <a:scrgbClr r="0" g="0" b="0"/>
+      </a:lnRef>
+      <a:fillRef idx="1">
+        <a:scrgbClr r="0" g="0" b="0"/>
+      </a:fillRef>
+      <a:effectRef idx="0">
+        <a:scrgbClr r="0" g="0" b="0"/>
+      </a:effectRef>
+      <a:fontRef idx="minor">
+        <a:schemeClr val="lt1"/>
+      </a:fontRef>
+    </dgm:style>
+  </dgm:styleLbl>
+  <dgm:styleLbl name="sibTrans1D1">
+    <dgm:scene3d>
+      <a:camera prst="orthographicFront"/>
+      <a:lightRig rig="threePt" dir="t"/>
+    </dgm:scene3d>
+    <dgm:sp3d/>
+    <dgm:txPr/>
+    <dgm:style>
+      <a:lnRef idx="1">
+        <a:scrgbClr r="0" g="0" b="0"/>
+      </a:lnRef>
+      <a:fillRef idx="0">
+        <a:scrgbClr r="0" g="0" b="0"/>
+      </a:fillRef>
+      <a:effectRef idx="0">
+        <a:scrgbClr r="0" g="0" b="0"/>
+      </a:effectRef>
+      <a:fontRef idx="minor"/>
+    </dgm:style>
+  </dgm:styleLbl>
+  <dgm:styleLbl name="callout">
+    <dgm:scene3d>
+      <a:camera prst="orthographicFront"/>
+      <a:lightRig rig="threePt" dir="t"/>
+    </dgm:scene3d>
+    <dgm:sp3d/>
+    <dgm:txPr/>
+    <dgm:style>
+      <a:lnRef idx="2">
+        <a:scrgbClr r="0" g="0" b="0"/>
+      </a:lnRef>
+      <a:fillRef idx="1">
+        <a:scrgbClr r="0" g="0" b="0"/>
+      </a:fillRef>
+      <a:effectRef idx="0">
+        <a:scrgbClr r="0" g="0" b="0"/>
+      </a:effectRef>
+      <a:fontRef idx="minor"/>
+    </dgm:style>
+  </dgm:styleLbl>
+  <dgm:styleLbl name="asst0">
+    <dgm:scene3d>
+      <a:camera prst="orthographicFront"/>
+      <a:lightRig rig="threePt" dir="t"/>
+    </dgm:scene3d>
+    <dgm:sp3d/>
+    <dgm:txPr/>
+    <dgm:style>
+      <a:lnRef idx="2">
+        <a:scrgbClr r="0" g="0" b="0"/>
+      </a:lnRef>
+      <a:fillRef idx="1">
+        <a:scrgbClr r="0" g="0" b="0"/>
+      </a:fillRef>
+      <a:effectRef idx="0">
+        <a:scrgbClr r="0" g="0" b="0"/>
+      </a:effectRef>
+      <a:fontRef idx="minor">
+        <a:schemeClr val="lt1"/>
+      </a:fontRef>
+    </dgm:style>
+  </dgm:styleLbl>
+  <dgm:styleLbl name="asst1">
+    <dgm:scene3d>
+      <a:camera prst="orthographicFront"/>
+      <a:lightRig rig="threePt" dir="t"/>
+    </dgm:scene3d>
+    <dgm:sp3d/>
+    <dgm:txPr/>
+    <dgm:style>
+      <a:lnRef idx="2">
+        <a:scrgbClr r="0" g="0" b="0"/>
+      </a:lnRef>
+      <a:fillRef idx="1">
+        <a:scrgbClr r="0" g="0" b="0"/>
+      </a:fillRef>
+      <a:effectRef idx="0">
+        <a:scrgbClr r="0" g="0" b="0"/>
+      </a:effectRef>
+      <a:fontRef idx="minor">
+        <a:schemeClr val="lt1"/>
+      </a:fontRef>
+    </dgm:style>
+  </dgm:styleLbl>
+  <dgm:styleLbl name="asst2">
+    <dgm:scene3d>
+      <a:camera prst="orthographicFront"/>
+      <a:lightRig rig="threePt" dir="t"/>
+    </dgm:scene3d>
+    <dgm:sp3d/>
+    <dgm:txPr/>
+    <dgm:style>
+      <a:lnRef idx="2">
+        <a:scrgbClr r="0" g="0" b="0"/>
+      </a:lnRef>
+      <a:fillRef idx="1">
+        <a:scrgbClr r="0" g="0" b="0"/>
+      </a:fillRef>
+      <a:effectRef idx="0">
+        <a:scrgbClr r="0" g="0" b="0"/>
+      </a:effectRef>
+      <a:fontRef idx="minor">
+        <a:schemeClr val="lt1"/>
+      </a:fontRef>
+    </dgm:style>
+  </dgm:styleLbl>
+  <dgm:styleLbl name="asst3">
+    <dgm:scene3d>
+      <a:camera prst="orthographicFront"/>
+      <a:lightRig rig="threePt" dir="t"/>
+    </dgm:scene3d>
+    <dgm:sp3d/>
+    <dgm:txPr/>
+    <dgm:style>
+      <a:lnRef idx="2">
+        <a:scrgbClr r="0" g="0" b="0"/>
+      </a:lnRef>
+      <a:fillRef idx="1">
+        <a:scrgbClr r="0" g="0" b="0"/>
+      </a:fillRef>
+      <a:effectRef idx="0">
+        <a:scrgbClr r="0" g="0" b="0"/>
+      </a:effectRef>
+      <a:fontRef idx="minor">
+        <a:schemeClr val="lt1"/>
+      </a:fontRef>
+    </dgm:style>
+  </dgm:styleLbl>
+  <dgm:styleLbl name="asst4">
+    <dgm:scene3d>
+      <a:camera prst="orthographicFront"/>
+      <a:lightRig rig="threePt" dir="t"/>
+    </dgm:scene3d>
+    <dgm:sp3d/>
+    <dgm:txPr/>
+    <dgm:style>
+      <a:lnRef idx="2">
+        <a:scrgbClr r="0" g="0" b="0"/>
+      </a:lnRef>
+      <a:fillRef idx="1">
+        <a:scrgbClr r="0" g="0" b="0"/>
+      </a:fillRef>
+      <a:effectRef idx="0">
+        <a:scrgbClr r="0" g="0" b="0"/>
+      </a:effectRef>
+      <a:fontRef idx="minor">
+        <a:schemeClr val="lt1"/>
+      </a:fontRef>
+    </dgm:style>
+  </dgm:styleLbl>
+  <dgm:styleLbl name="parChTrans2D1">
+    <dgm:scene3d>
+      <a:camera prst="orthographicFront"/>
+      <a:lightRig rig="threePt" dir="t"/>
+    </dgm:scene3d>
+    <dgm:sp3d/>
+    <dgm:txPr/>
+    <dgm:style>
+      <a:lnRef idx="2">
+        <a:scrgbClr r="0" g="0" b="0"/>
+      </a:lnRef>
+      <a:fillRef idx="1">
+        <a:scrgbClr r="0" g="0" b="0"/>
+      </a:fillRef>
+      <a:effectRef idx="0">
+        <a:scrgbClr r="0" g="0" b="0"/>
+      </a:effectRef>
+      <a:fontRef idx="minor">
+        <a:schemeClr val="lt1"/>
+      </a:fontRef>
+    </dgm:style>
+  </dgm:styleLbl>
+  <dgm:styleLbl name="parChTrans2D2">
+    <dgm:scene3d>
+      <a:camera prst="orthographicFront"/>
+      <a:lightRig rig="threePt" dir="t"/>
+    </dgm:scene3d>
+    <dgm:sp3d/>
+    <dgm:txPr/>
+    <dgm:style>
+      <a:lnRef idx="2">
+        <a:scrgbClr r="0" g="0" b="0"/>
+      </a:lnRef>
+      <a:fillRef idx="1">
+        <a:scrgbClr r="0" g="0" b="0"/>
+      </a:fillRef>
+      <a:effectRef idx="0">
+        <a:scrgbClr r="0" g="0" b="0"/>
+      </a:effectRef>
+      <a:fontRef idx="minor">
+        <a:schemeClr val="lt1"/>
+      </a:fontRef>
+    </dgm:style>
+  </dgm:styleLbl>
+  <dgm:styleLbl name="parChTrans2D3">
+    <dgm:scene3d>
+      <a:camera prst="orthographicFront"/>
+      <a:lightRig rig="threePt" dir="t"/>
+    </dgm:scene3d>
+    <dgm:sp3d/>
+    <dgm:txPr/>
+    <dgm:style>
+      <a:lnRef idx="2">
+        <a:scrgbClr r="0" g="0" b="0"/>
+      </a:lnRef>
+      <a:fillRef idx="1">
+        <a:scrgbClr r="0" g="0" b="0"/>
+      </a:fillRef>
+      <a:effectRef idx="0">
+        <a:scrgbClr r="0" g="0" b="0"/>
+      </a:effectRef>
+      <a:fontRef idx="minor">
+        <a:schemeClr val="lt1"/>
+      </a:fontRef>
+    </dgm:style>
+  </dgm:styleLbl>
+  <dgm:styleLbl name="parChTrans2D4">
+    <dgm:scene3d>
+      <a:camera prst="orthographicFront"/>
+      <a:lightRig rig="threePt" dir="t"/>
+    </dgm:scene3d>
+    <dgm:sp3d/>
+    <dgm:txPr/>
+    <dgm:style>
+      <a:lnRef idx="2">
+        <a:scrgbClr r="0" g="0" b="0"/>
+      </a:lnRef>
+      <a:fillRef idx="1">
+        <a:scrgbClr r="0" g="0" b="0"/>
+      </a:fillRef>
+      <a:effectRef idx="0">
+        <a:scrgbClr r="0" g="0" b="0"/>
+      </a:effectRef>
+      <a:fontRef idx="minor">
+        <a:schemeClr val="lt1"/>
+      </a:fontRef>
+    </dgm:style>
+  </dgm:styleLbl>
+  <dgm:styleLbl name="parChTrans1D1">
+    <dgm:scene3d>
+      <a:camera prst="orthographicFront"/>
+      <a:lightRig rig="threePt" dir="t"/>
+    </dgm:scene3d>
+    <dgm:sp3d/>
+    <dgm:txPr/>
+    <dgm:style>
+      <a:lnRef idx="2">
+        <a:scrgbClr r="0" g="0" b="0"/>
+      </a:lnRef>
+      <a:fillRef idx="0">
+        <a:scrgbClr r="0" g="0" b="0"/>
+      </a:fillRef>
+      <a:effectRef idx="0">
+        <a:scrgbClr r="0" g="0" b="0"/>
+      </a:effectRef>
+      <a:fontRef idx="minor"/>
+    </dgm:style>
+  </dgm:styleLbl>
+  <dgm:styleLbl name="parChTrans1D2">
+    <dgm:scene3d>
+      <a:camera prst="orthographicFront"/>
+      <a:lightRig rig="threePt" dir="t"/>
+    </dgm:scene3d>
+    <dgm:sp3d/>
+    <dgm:txPr/>
+    <dgm:style>
+      <a:lnRef idx="2">
+        <a:scrgbClr r="0" g="0" b="0"/>
+      </a:lnRef>
+      <a:fillRef idx="0">
+        <a:scrgbClr r="0" g="0" b="0"/>
+      </a:fillRef>
+      <a:effectRef idx="0">
+        <a:scrgbClr r="0" g="0" b="0"/>
+      </a:effectRef>
+      <a:fontRef idx="minor"/>
+    </dgm:style>
+  </dgm:styleLbl>
+  <dgm:styleLbl name="parChTrans1D3">
+    <dgm:scene3d>
+      <a:camera prst="orthographicFront"/>
+      <a:lightRig rig="threePt" dir="t"/>
+    </dgm:scene3d>
+    <dgm:sp3d/>
+    <dgm:txPr/>
+    <dgm:style>
+      <a:lnRef idx="2">
+        <a:scrgbClr r="0" g="0" b="0"/>
+      </a:lnRef>
+      <a:fillRef idx="0">
+        <a:scrgbClr r="0" g="0" b="0"/>
+      </a:fillRef>
+      <a:effectRef idx="0">
+        <a:scrgbClr r="0" g="0" b="0"/>
+      </a:effectRef>
+      <a:fontRef idx="minor"/>
+    </dgm:style>
+  </dgm:styleLbl>
+  <dgm:styleLbl name="parChTrans1D4">
+    <dgm:scene3d>
+      <a:camera prst="orthographicFront"/>
+      <a:lightRig rig="threePt" dir="t"/>
+    </dgm:scene3d>
+    <dgm:sp3d/>
+    <dgm:txPr/>
+    <dgm:style>
+      <a:lnRef idx="2">
+        <a:scrgbClr r="0" g="0" b="0"/>
+      </a:lnRef>
+      <a:fillRef idx="0">
+        <a:scrgbClr r="0" g="0" b="0"/>
+      </a:fillRef>
+      <a:effectRef idx="0">
+        <a:scrgbClr r="0" g="0" b="0"/>
+      </a:effectRef>
+      <a:fontRef idx="minor"/>
+    </dgm:style>
+  </dgm:styleLbl>
+  <dgm:styleLbl name="fgAcc1">
+    <dgm:scene3d>
+      <a:camera prst="orthographicFront"/>
+      <a:lightRig rig="threePt" dir="t"/>
+    </dgm:scene3d>
+    <dgm:sp3d/>
+    <dgm:txPr/>
+    <dgm:style>
+      <a:lnRef idx="2">
+        <a:scrgbClr r="0" g="0" b="0"/>
+      </a:lnRef>
+      <a:fillRef idx="1">
+        <a:scrgbClr r="0" g="0" b="0"/>
+      </a:fillRef>
+      <a:effectRef idx="0">
+        <a:scrgbClr r="0" g="0" b="0"/>
+      </a:effectRef>
+      <a:fontRef idx="minor"/>
+    </dgm:style>
+  </dgm:styleLbl>
+  <dgm:styleLbl name="conFgAcc1">
+    <dgm:scene3d>
+      <a:camera prst="orthographicFront"/>
+      <a:lightRig rig="threePt" dir="t"/>
+    </dgm:scene3d>
+    <dgm:sp3d/>
+    <dgm:txPr/>
+    <dgm:style>
+      <a:lnRef idx="2">
+        <a:scrgbClr r="0" g="0" b="0"/>
+      </a:lnRef>
+      <a:fillRef idx="1">
+        <a:scrgbClr r="0" g="0" b="0"/>
+      </a:fillRef>
+      <a:effectRef idx="0">
+        <a:scrgbClr r="0" g="0" b="0"/>
+      </a:effectRef>
+      <a:fontRef idx="minor"/>
+    </dgm:style>
+  </dgm:styleLbl>
+  <dgm:styleLbl name="alignAcc1">
+    <dgm:scene3d>
+      <a:camera prst="orthographicFront"/>
+      <a:lightRig rig="threePt" dir="t"/>
+    </dgm:scene3d>
+    <dgm:sp3d/>
+    <dgm:txPr/>
+    <dgm:style>
+      <a:lnRef idx="2">
+        <a:scrgbClr r="0" g="0" b="0"/>
+      </a:lnRef>
+      <a:fillRef idx="1">
+        <a:scrgbClr r="0" g="0" b="0"/>
+      </a:fillRef>
+      <a:effectRef idx="0">
+        <a:scrgbClr r="0" g="0" b="0"/>
+      </a:effectRef>
+      <a:fontRef idx="minor"/>
+    </dgm:style>
+  </dgm:styleLbl>
+  <dgm:styleLbl name="trAlignAcc1">
+    <dgm:scene3d>
+      <a:camera prst="orthographicFront"/>
+      <a:lightRig rig="threePt" dir="t"/>
+    </dgm:scene3d>
+    <dgm:sp3d/>
+    <dgm:txPr/>
+    <dgm:style>
+      <a:lnRef idx="1">
+        <a:scrgbClr r="0" g="0" b="0"/>
+      </a:lnRef>
+      <a:fillRef idx="1">
+        <a:scrgbClr r="0" g="0" b="0"/>
+      </a:fillRef>
+      <a:effectRef idx="0">
+        <a:scrgbClr r="0" g="0" b="0"/>
+      </a:effectRef>
+      <a:fontRef idx="minor"/>
+    </dgm:style>
+  </dgm:styleLbl>
+  <dgm:styleLbl name="bgAcc1">
+    <dgm:scene3d>
+      <a:camera prst="orthographicFront"/>
+      <a:lightRig rig="threePt" dir="t"/>
+    </dgm:scene3d>
+    <dgm:sp3d/>
+    <dgm:txPr/>
+    <dgm:style>
+      <a:lnRef idx="2">
+        <a:scrgbClr r="0" g="0" b="0"/>
+      </a:lnRef>
+      <a:fillRef idx="1">
+        <a:scrgbClr r="0" g="0" b="0"/>
+      </a:fillRef>
+      <a:effectRef idx="0">
+        <a:scrgbClr r="0" g="0" b="0"/>
+      </a:effectRef>
+      <a:fontRef idx="minor"/>
+    </dgm:style>
+  </dgm:styleLbl>
+  <dgm:styleLbl name="solidFgAcc1">
+    <dgm:scene3d>
+      <a:camera prst="orthographicFront"/>
+      <a:lightRig rig="threePt" dir="t"/>
+    </dgm:scene3d>
+    <dgm:sp3d/>
+    <dgm:txPr/>
+    <dgm:style>
+      <a:lnRef idx="2">
+        <a:scrgbClr r="0" g="0" b="0"/>
+      </a:lnRef>
+      <a:fillRef idx="1">
+        <a:scrgbClr r="0" g="0" b="0"/>
+      </a:fillRef>
+      <a:effectRef idx="0">
+        <a:scrgbClr r="0" g="0" b="0"/>
+      </a:effectRef>
+      <a:fontRef idx="minor"/>
+    </dgm:style>
+  </dgm:styleLbl>
+  <dgm:styleLbl name="solidAlignAcc1">
+    <dgm:scene3d>
+      <a:camera prst="orthographicFront"/>
+      <a:lightRig rig="threePt" dir="t"/>
+    </dgm:scene3d>
+    <dgm:sp3d/>
+    <dgm:txPr/>
+    <dgm:style>
+      <a:lnRef idx="2">
+        <a:scrgbClr r="0" g="0" b="0"/>
+      </a:lnRef>
+      <a:fillRef idx="1">
+        <a:scrgbClr r="0" g="0" b="0"/>
+      </a:fillRef>
+      <a:effectRef idx="0">
+        <a:scrgbClr r="0" g="0" b="0"/>
+      </a:effectRef>
+      <a:fontRef idx="minor"/>
+    </dgm:style>
+  </dgm:styleLbl>
+  <dgm:styleLbl name="solidBgAcc1">
+    <dgm:scene3d>
+      <a:camera prst="orthographicFront"/>
+      <a:lightRig rig="threePt" dir="t"/>
+    </dgm:scene3d>
+    <dgm:sp3d/>
+    <dgm:txPr/>
+    <dgm:style>
+      <a:lnRef idx="2">
+        <a:scrgbClr r="0" g="0" b="0"/>
+      </a:lnRef>
+      <a:fillRef idx="1">
+        <a:scrgbClr r="0" g="0" b="0"/>
+      </a:fillRef>
+      <a:effectRef idx="0">
+        <a:scrgbClr r="0" g="0" b="0"/>
+      </a:effectRef>
+      <a:fontRef idx="minor"/>
+    </dgm:style>
+  </dgm:styleLbl>
+  <dgm:styleLbl name="fgAccFollowNode1">
+    <dgm:scene3d>
+      <a:camera prst="orthographicFront"/>
+      <a:lightRig rig="threePt" dir="t"/>
+    </dgm:scene3d>
+    <dgm:sp3d/>
+    <dgm:txPr/>
+    <dgm:style>
+      <a:lnRef idx="2">
+        <a:scrgbClr r="0" g="0" b="0"/>
+      </a:lnRef>
+      <a:fillRef idx="1">
+        <a:scrgbClr r="0" g="0" b="0"/>
+      </a:fillRef>
+      <a:effectRef idx="0">
+        <a:scrgbClr r="0" g="0" b="0"/>
+      </a:effectRef>
+      <a:fontRef idx="minor"/>
+    </dgm:style>
+  </dgm:styleLbl>
+  <dgm:styleLbl name="alignAccFollowNode1">
+    <dgm:scene3d>
+      <a:camera prst="orthographicFront"/>
+      <a:lightRig rig="threePt" dir="t"/>
+    </dgm:scene3d>
+    <dgm:sp3d/>
+    <dgm:txPr/>
+    <dgm:style>
+      <a:lnRef idx="2">
+        <a:scrgbClr r="0" g="0" b="0"/>
+      </a:lnRef>
+      <a:fillRef idx="1">
+        <a:scrgbClr r="0" g="0" b="0"/>
+      </a:fillRef>
+      <a:effectRef idx="0">
+        <a:scrgbClr r="0" g="0" b="0"/>
+      </a:effectRef>
+      <a:fontRef idx="minor"/>
+    </dgm:style>
+  </dgm:styleLbl>
+  <dgm:styleLbl name="bgAccFollowNode1">
+    <dgm:scene3d>
+      <a:camera prst="orthographicFront"/>
+      <a:lightRig rig="threePt" dir="t"/>
+    </dgm:scene3d>
+    <dgm:sp3d/>
+    <dgm:txPr/>
+    <dgm:style>
+      <a:lnRef idx="2">
+        <a:scrgbClr r="0" g="0" b="0"/>
+      </a:lnRef>
+      <a:fillRef idx="1">
+        <a:scrgbClr r="0" g="0" b="0"/>
+      </a:fillRef>
+      <a:effectRef idx="0">
+        <a:scrgbClr r="0" g="0" b="0"/>
+      </a:effectRef>
+      <a:fontRef idx="minor"/>
+    </dgm:style>
+  </dgm:styleLbl>
+  <dgm:styleLbl name="fgAcc0">
+    <dgm:scene3d>
+      <a:camera prst="orthographicFront"/>
+      <a:lightRig rig="threePt" dir="t"/>
+    </dgm:scene3d>
+    <dgm:sp3d/>
+    <dgm:txPr/>
+    <dgm:style>
+      <a:lnRef idx="2">
+        <a:scrgbClr r="0" g="0" b="0"/>
+      </a:lnRef>
+      <a:fillRef idx="1">
+        <a:scrgbClr r="0" g="0" b="0"/>
+      </a:fillRef>
+      <a:effectRef idx="0">
+        <a:scrgbClr r="0" g="0" b="0"/>
+      </a:effectRef>
+      <a:fontRef idx="minor"/>
+    </dgm:style>
+  </dgm:styleLbl>
+  <dgm:styleLbl name="fgAcc2">
+    <dgm:scene3d>
+      <a:camera prst="orthographicFront"/>
+      <a:lightRig rig="threePt" dir="t"/>
+    </dgm:scene3d>
+    <dgm:sp3d/>
+    <dgm:txPr/>
+    <dgm:style>
+      <a:lnRef idx="2">
+        <a:scrgbClr r="0" g="0" b="0"/>
+      </a:lnRef>
+      <a:fillRef idx="1">
+        <a:scrgbClr r="0" g="0" b="0"/>
+      </a:fillRef>
+      <a:effectRef idx="0">
+        <a:scrgbClr r="0" g="0" b="0"/>
+      </a:effectRef>
+      <a:fontRef idx="minor"/>
+    </dgm:style>
+  </dgm:styleLbl>
+  <dgm:styleLbl name="fgAcc3">
+    <dgm:scene3d>
+      <a:camera prst="orthographicFront"/>
+      <a:lightRig rig="threePt" dir="t"/>
+    </dgm:scene3d>
+    <dgm:sp3d/>
+    <dgm:txPr/>
+    <dgm:style>
+      <a:lnRef idx="2">
+        <a:scrgbClr r="0" g="0" b="0"/>
+      </a:lnRef>
+      <a:fillRef idx="1">
+        <a:scrgbClr r="0" g="0" b="0"/>
+      </a:fillRef>
+      <a:effectRef idx="0">
+        <a:scrgbClr r="0" g="0" b="0"/>
+      </a:effectRef>
+      <a:fontRef idx="minor"/>
+    </dgm:style>
+  </dgm:styleLbl>
+  <dgm:styleLbl name="fgAcc4">
+    <dgm:scene3d>
+      <a:camera prst="orthographicFront"/>
+      <a:lightRig rig="threePt" dir="t"/>
+    </dgm:scene3d>
+    <dgm:sp3d/>
+    <dgm:txPr/>
+    <dgm:style>
+      <a:lnRef idx="2">
+        <a:scrgbClr r="0" g="0" b="0"/>
+      </a:lnRef>
+      <a:fillRef idx="1">
+        <a:scrgbClr r="0" g="0" b="0"/>
+      </a:fillRef>
+      <a:effectRef idx="0">
+        <a:scrgbClr r="0" g="0" b="0"/>
+      </a:effectRef>
+      <a:fontRef idx="minor"/>
+    </dgm:style>
+  </dgm:styleLbl>
+  <dgm:styleLbl name="bgShp">
+    <dgm:scene3d>
+      <a:camera prst="orthographicFront"/>
+      <a:lightRig rig="threePt" dir="t"/>
+    </dgm:scene3d>
+    <dgm:sp3d/>
+    <dgm:txPr/>
+    <dgm:style>
+      <a:lnRef idx="0">
+        <a:scrgbClr r="0" g="0" b="0"/>
+      </a:lnRef>
+      <a:fillRef idx="1">
+        <a:scrgbClr r="0" g="0" b="0"/>
+      </a:fillRef>
+      <a:effectRef idx="0">
+        <a:scrgbClr r="0" g="0" b="0"/>
+      </a:effectRef>
+      <a:fontRef idx="minor"/>
+    </dgm:style>
+  </dgm:styleLbl>
+  <dgm:styleLbl name="dkBgShp">
+    <dgm:scene3d>
+      <a:camera prst="orthographicFront"/>
+      <a:lightRig rig="threePt" dir="t"/>
+    </dgm:scene3d>
+    <dgm:sp3d/>
+    <dgm:txPr/>
+    <dgm:style>
+      <a:lnRef idx="0">
+        <a:scrgbClr r="0" g="0" b="0"/>
+      </a:lnRef>
+      <a:fillRef idx="1">
+        <a:scrgbClr r="0" g="0" b="0"/>
+      </a:fillRef>
+      <a:effectRef idx="0">
+        <a:scrgbClr r="0" g="0" b="0"/>
+      </a:effectRef>
+      <a:fontRef idx="minor"/>
+    </dgm:style>
+  </dgm:styleLbl>
+  <dgm:styleLbl name="trBgShp">
+    <dgm:scene3d>
+      <a:camera prst="orthographicFront"/>
+      <a:lightRig rig="threePt" dir="t"/>
+    </dgm:scene3d>
+    <dgm:sp3d/>
+    <dgm:txPr/>
+    <dgm:style>
+      <a:lnRef idx="0">
+        <a:scrgbClr r="0" g="0" b="0"/>
+      </a:lnRef>
+      <a:fillRef idx="1">
+        <a:scrgbClr r="0" g="0" b="0"/>
+      </a:fillRef>
+      <a:effectRef idx="0">
+        <a:scrgbClr r="0" g="0" b="0"/>
+      </a:effectRef>
+      <a:fontRef idx="minor"/>
+    </dgm:style>
+  </dgm:styleLbl>
+  <dgm:styleLbl name="fgShp">
+    <dgm:scene3d>
+      <a:camera prst="orthographicFront"/>
+      <a:lightRig rig="threePt" dir="t"/>
+    </dgm:scene3d>
+    <dgm:sp3d/>
+    <dgm:txPr/>
+    <dgm:style>
+      <a:lnRef idx="2">
+        <a:scrgbClr r="0" g="0" b="0"/>
+      </a:lnRef>
+      <a:fillRef idx="1">
+        <a:scrgbClr r="0" g="0" b="0"/>
+      </a:fillRef>
+      <a:effectRef idx="0">
+        <a:scrgbClr r="0" g="0" b="0"/>
+      </a:effectRef>
+      <a:fontRef idx="minor"/>
+    </dgm:style>
+  </dgm:styleLbl>
+  <dgm:styleLbl name="revTx">
+    <dgm:scene3d>
+      <a:camera prst="orthographicFront"/>
+      <a:lightRig rig="threePt" dir="t"/>
+    </dgm:scene3d>
+    <dgm:sp3d/>
+    <dgm:txPr/>
+    <dgm:style>
+      <a:lnRef idx="0">
+        <a:scrgbClr r="0" g="0" b="0"/>
+      </a:lnRef>
+      <a:fillRef idx="0">
+        <a:scrgbClr r="0" g="0" b="0"/>
+      </a:fillRef>
+      <a:effectRef idx="0">
+        <a:scrgbClr r="0" g="0" b="0"/>
+      </a:effectRef>
+      <a:fontRef idx="minor"/>
+    </dgm:style>
+  </dgm:styleLbl>
+</dgm:styleDef>
+</file>
+
+<file path=ppt/diagrams/quickStyle3.xml><?xml version="1.0" encoding="utf-8"?>
 <dgm:styleDef xmlns:dgm="http://schemas.openxmlformats.org/drawingml/2006/diagram" xmlns:a="http://schemas.openxmlformats.org/drawingml/2006/main" uniqueId="urn:microsoft.com/office/officeart/2005/8/quickstyle/simple1">
   <dgm:title val=""/>
   <dgm:desc val=""/>
@@ -6974,6 +14100,314 @@
 </p:sld>
 </file>
 
+<file path=ppt/slides/slide3.xml><?xml version="1.0" encoding="utf-8"?>
+<p:sld xmlns:a="http://schemas.openxmlformats.org/drawingml/2006/main" xmlns:r="http://schemas.openxmlformats.org/officeDocument/2006/relationships" xmlns:p="http://schemas.openxmlformats.org/presentationml/2006/main">
+  <p:cSld>
+    <p:spTree>
+      <p:nvGrpSpPr>
+        <p:cNvPr id="1" name=""/>
+        <p:cNvGrpSpPr/>
+        <p:nvPr/>
+      </p:nvGrpSpPr>
+      <p:grpSpPr>
+        <a:xfrm>
+          <a:off x="0" y="0"/>
+          <a:ext cx="0" cy="0"/>
+          <a:chOff x="0" y="0"/>
+          <a:chExt cx="0" cy="0"/>
+        </a:xfrm>
+      </p:grpSpPr>
+      <p:sp>
+        <p:nvSpPr>
+          <p:cNvPr id="2" name="Title 1">
+            <a:extLst>
+              <a:ext uri="{FF2B5EF4-FFF2-40B4-BE49-F238E27FC236}">
+                <a16:creationId xmlns:a16="http://schemas.microsoft.com/office/drawing/2014/main" id="{BBB435CB-D6E6-4C1D-93E6-79FA33C9B111}"/>
+              </a:ext>
+            </a:extLst>
+          </p:cNvPr>
+          <p:cNvSpPr>
+            <a:spLocks noGrp="1"/>
+          </p:cNvSpPr>
+          <p:nvPr>
+            <p:ph type="title"/>
+          </p:nvPr>
+        </p:nvSpPr>
+        <p:spPr/>
+        <p:txBody>
+          <a:bodyPr/>
+          <a:lstStyle/>
+          <a:p>
+            <a:r>
+              <a:rPr lang="en-US" dirty="0"/>
+              <a:t>"The Lean Startup" Key take </a:t>
+            </a:r>
+            <a:r>
+              <a:rPr lang="en-US" dirty="0" err="1"/>
+              <a:t>aways</a:t>
+            </a:r>
+            <a:endParaRPr lang="fr-FR" dirty="0"/>
+          </a:p>
+        </p:txBody>
+      </p:sp>
+      <p:graphicFrame>
+        <p:nvGraphicFramePr>
+          <p:cNvPr id="4" name="Content Placeholder 3">
+            <a:extLst>
+              <a:ext uri="{FF2B5EF4-FFF2-40B4-BE49-F238E27FC236}">
+                <a16:creationId xmlns:a16="http://schemas.microsoft.com/office/drawing/2014/main" id="{9B326CB2-D4A2-4B5C-8E3B-CCDFAF47BF16}"/>
+              </a:ext>
+            </a:extLst>
+          </p:cNvPr>
+          <p:cNvGraphicFramePr>
+            <a:graphicFrameLocks noGrp="1"/>
+          </p:cNvGraphicFramePr>
+          <p:nvPr>
+            <p:ph idx="1"/>
+            <p:extLst>
+              <p:ext uri="{D42A27DB-BD31-4B8C-83A1-F6EECF244321}">
+                <p14:modId xmlns:p14="http://schemas.microsoft.com/office/powerpoint/2010/main" val="3055918979"/>
+              </p:ext>
+            </p:extLst>
+          </p:nvPr>
+        </p:nvGraphicFramePr>
+        <p:xfrm>
+          <a:off x="1097280" y="1845734"/>
+          <a:ext cx="10058400" cy="4023360"/>
+        </p:xfrm>
+        <a:graphic>
+          <a:graphicData uri="http://schemas.openxmlformats.org/drawingml/2006/diagram">
+            <dgm:relIds xmlns:dgm="http://schemas.openxmlformats.org/drawingml/2006/diagram" xmlns:r="http://schemas.openxmlformats.org/officeDocument/2006/relationships" r:dm="rId2" r:lo="rId3" r:qs="rId4" r:cs="rId5"/>
+          </a:graphicData>
+        </a:graphic>
+      </p:graphicFrame>
+      <p:sp>
+        <p:nvSpPr>
+          <p:cNvPr id="7" name="TextBox 6">
+            <a:extLst>
+              <a:ext uri="{FF2B5EF4-FFF2-40B4-BE49-F238E27FC236}">
+                <a16:creationId xmlns:a16="http://schemas.microsoft.com/office/drawing/2014/main" id="{47C4D2BB-C617-4D6F-8C89-1E69FDB0903C}"/>
+              </a:ext>
+            </a:extLst>
+          </p:cNvPr>
+          <p:cNvSpPr txBox="1"/>
+          <p:nvPr/>
+        </p:nvSpPr>
+        <p:spPr>
+          <a:xfrm>
+            <a:off x="1097280" y="6409081"/>
+            <a:ext cx="7115542" cy="369332"/>
+          </a:xfrm>
+          <a:prstGeom prst="rect">
+            <a:avLst/>
+          </a:prstGeom>
+          <a:noFill/>
+        </p:spPr>
+        <p:txBody>
+          <a:bodyPr wrap="square">
+            <a:spAutoFit/>
+          </a:bodyPr>
+          <a:lstStyle/>
+          <a:p>
+            <a:r>
+              <a:rPr lang="en-GB" dirty="0">
+                <a:solidFill>
+                  <a:schemeClr val="accent1">
+                    <a:lumMod val="50000"/>
+                  </a:schemeClr>
+                </a:solidFill>
+              </a:rPr>
+              <a:t>SAAS </a:t>
+            </a:r>
+            <a:r>
+              <a:rPr lang="en-GB" dirty="0" err="1">
+                <a:solidFill>
+                  <a:schemeClr val="accent1">
+                    <a:lumMod val="50000"/>
+                  </a:schemeClr>
+                </a:solidFill>
+              </a:rPr>
+              <a:t>Startup</a:t>
+            </a:r>
+            <a:r>
+              <a:rPr lang="en-GB" dirty="0">
+                <a:solidFill>
+                  <a:schemeClr val="accent1">
+                    <a:lumMod val="50000"/>
+                  </a:schemeClr>
+                </a:solidFill>
+              </a:rPr>
+              <a:t> Session</a:t>
+            </a:r>
+            <a:endParaRPr lang="fr-FR" dirty="0"/>
+          </a:p>
+        </p:txBody>
+      </p:sp>
+    </p:spTree>
+    <p:extLst>
+      <p:ext uri="{BB962C8B-B14F-4D97-AF65-F5344CB8AC3E}">
+        <p14:creationId xmlns:p14="http://schemas.microsoft.com/office/powerpoint/2010/main" val="2209442668"/>
+      </p:ext>
+    </p:extLst>
+  </p:cSld>
+  <p:clrMapOvr>
+    <a:masterClrMapping/>
+  </p:clrMapOvr>
+</p:sld>
+</file>
+
+<file path=ppt/slides/slide4.xml><?xml version="1.0" encoding="utf-8"?>
+<p:sld xmlns:a="http://schemas.openxmlformats.org/drawingml/2006/main" xmlns:r="http://schemas.openxmlformats.org/officeDocument/2006/relationships" xmlns:p="http://schemas.openxmlformats.org/presentationml/2006/main">
+  <p:cSld>
+    <p:spTree>
+      <p:nvGrpSpPr>
+        <p:cNvPr id="1" name=""/>
+        <p:cNvGrpSpPr/>
+        <p:nvPr/>
+      </p:nvGrpSpPr>
+      <p:grpSpPr>
+        <a:xfrm>
+          <a:off x="0" y="0"/>
+          <a:ext cx="0" cy="0"/>
+          <a:chOff x="0" y="0"/>
+          <a:chExt cx="0" cy="0"/>
+        </a:xfrm>
+      </p:grpSpPr>
+      <p:sp>
+        <p:nvSpPr>
+          <p:cNvPr id="2" name="Title 1">
+            <a:extLst>
+              <a:ext uri="{FF2B5EF4-FFF2-40B4-BE49-F238E27FC236}">
+                <a16:creationId xmlns:a16="http://schemas.microsoft.com/office/drawing/2014/main" id="{BBB435CB-D6E6-4C1D-93E6-79FA33C9B111}"/>
+              </a:ext>
+            </a:extLst>
+          </p:cNvPr>
+          <p:cNvSpPr>
+            <a:spLocks noGrp="1"/>
+          </p:cNvSpPr>
+          <p:nvPr>
+            <p:ph type="title"/>
+          </p:nvPr>
+        </p:nvSpPr>
+        <p:spPr/>
+        <p:txBody>
+          <a:bodyPr/>
+          <a:lstStyle/>
+          <a:p>
+            <a:r>
+              <a:rPr lang="en-US" dirty="0"/>
+              <a:t>"The Lean Startup" - Recruitment SAAS</a:t>
+            </a:r>
+            <a:endParaRPr lang="fr-FR" dirty="0"/>
+          </a:p>
+        </p:txBody>
+      </p:sp>
+      <p:graphicFrame>
+        <p:nvGraphicFramePr>
+          <p:cNvPr id="4" name="Content Placeholder 3">
+            <a:extLst>
+              <a:ext uri="{FF2B5EF4-FFF2-40B4-BE49-F238E27FC236}">
+                <a16:creationId xmlns:a16="http://schemas.microsoft.com/office/drawing/2014/main" id="{9B326CB2-D4A2-4B5C-8E3B-CCDFAF47BF16}"/>
+              </a:ext>
+            </a:extLst>
+          </p:cNvPr>
+          <p:cNvGraphicFramePr>
+            <a:graphicFrameLocks noGrp="1"/>
+          </p:cNvGraphicFramePr>
+          <p:nvPr>
+            <p:ph idx="1"/>
+            <p:extLst>
+              <p:ext uri="{D42A27DB-BD31-4B8C-83A1-F6EECF244321}">
+                <p14:modId xmlns:p14="http://schemas.microsoft.com/office/powerpoint/2010/main" val="2435942452"/>
+              </p:ext>
+            </p:extLst>
+          </p:nvPr>
+        </p:nvGraphicFramePr>
+        <p:xfrm>
+          <a:off x="1097280" y="1845734"/>
+          <a:ext cx="10058400" cy="4023360"/>
+        </p:xfrm>
+        <a:graphic>
+          <a:graphicData uri="http://schemas.openxmlformats.org/drawingml/2006/diagram">
+            <dgm:relIds xmlns:dgm="http://schemas.openxmlformats.org/drawingml/2006/diagram" xmlns:r="http://schemas.openxmlformats.org/officeDocument/2006/relationships" r:dm="rId2" r:lo="rId3" r:qs="rId4" r:cs="rId5"/>
+          </a:graphicData>
+        </a:graphic>
+      </p:graphicFrame>
+      <p:sp>
+        <p:nvSpPr>
+          <p:cNvPr id="7" name="TextBox 6">
+            <a:extLst>
+              <a:ext uri="{FF2B5EF4-FFF2-40B4-BE49-F238E27FC236}">
+                <a16:creationId xmlns:a16="http://schemas.microsoft.com/office/drawing/2014/main" id="{47C4D2BB-C617-4D6F-8C89-1E69FDB0903C}"/>
+              </a:ext>
+            </a:extLst>
+          </p:cNvPr>
+          <p:cNvSpPr txBox="1"/>
+          <p:nvPr/>
+        </p:nvSpPr>
+        <p:spPr>
+          <a:xfrm>
+            <a:off x="1097280" y="6409081"/>
+            <a:ext cx="7115542" cy="369332"/>
+          </a:xfrm>
+          <a:prstGeom prst="rect">
+            <a:avLst/>
+          </a:prstGeom>
+          <a:noFill/>
+        </p:spPr>
+        <p:txBody>
+          <a:bodyPr wrap="square">
+            <a:spAutoFit/>
+          </a:bodyPr>
+          <a:lstStyle/>
+          <a:p>
+            <a:r>
+              <a:rPr lang="en-GB" dirty="0">
+                <a:solidFill>
+                  <a:schemeClr val="accent1">
+                    <a:lumMod val="50000"/>
+                  </a:schemeClr>
+                </a:solidFill>
+              </a:rPr>
+              <a:t>SAAS </a:t>
+            </a:r>
+            <a:r>
+              <a:rPr lang="en-GB" dirty="0" err="1">
+                <a:solidFill>
+                  <a:schemeClr val="accent1">
+                    <a:lumMod val="50000"/>
+                  </a:schemeClr>
+                </a:solidFill>
+              </a:rPr>
+              <a:t>Startup</a:t>
+            </a:r>
+            <a:r>
+              <a:rPr lang="en-GB" dirty="0">
+                <a:solidFill>
+                  <a:schemeClr val="accent1">
+                    <a:lumMod val="50000"/>
+                  </a:schemeClr>
+                </a:solidFill>
+              </a:rPr>
+              <a:t> Session</a:t>
+            </a:r>
+            <a:endParaRPr lang="fr-FR" dirty="0"/>
+          </a:p>
+        </p:txBody>
+      </p:sp>
+    </p:spTree>
+    <p:extLst>
+      <p:ext uri="{BB962C8B-B14F-4D97-AF65-F5344CB8AC3E}">
+        <p14:creationId xmlns:p14="http://schemas.microsoft.com/office/powerpoint/2010/main" val="3708251390"/>
+      </p:ext>
+    </p:extLst>
+  </p:cSld>
+  <p:clrMapOvr>
+    <a:masterClrMapping/>
+  </p:clrMapOvr>
+</p:sld>
+</file>
+
 <file path=ppt/theme/theme1.xml><?xml version="1.0" encoding="utf-8"?>
 <a:theme xmlns:a="http://schemas.openxmlformats.org/drawingml/2006/main" name="Retrospect">
   <a:themeElements>
